--- a/Lecture_05.pptx
+++ b/Lecture_05.pptx
@@ -11726,8 +11726,8 @@
           </a:prstGeom>
         </p:spPr>
       </p:pic>
-      <mc:AlternateContent xmlns:mc="http://schemas.openxmlformats.org/markup-compatibility/2006">
-        <mc:Choice xmlns:a14="http://schemas.microsoft.com/office/drawing/2010/main" Requires="a14">
+      <mc:AlternateContent xmlns:mc="http://schemas.openxmlformats.org/markup-compatibility/2006" xmlns:a14="http://schemas.microsoft.com/office/drawing/2010/main">
+        <mc:Choice Requires="a14">
           <p:sp>
             <p:nvSpPr>
               <p:cNvPr id="10" name="TextBox 9"/>
@@ -11750,6 +11750,7 @@
               </a:bodyPr>
               <a:lstStyle/>
               <a:p>
+                <a:pPr/>
                 <a14:m>
                   <m:oMathPara xmlns:m="http://schemas.openxmlformats.org/officeDocument/2006/math">
                     <m:oMathParaPr>
@@ -12080,7 +12081,7 @@
             </p:txBody>
           </p:sp>
         </mc:Choice>
-        <mc:Fallback>
+        <mc:Fallback xmlns="">
           <p:sp>
             <p:nvSpPr>
               <p:cNvPr id="10" name="TextBox 9"/>
@@ -12168,9 +12169,297 @@
   <p:timing>
     <p:tnLst>
       <p:par>
-        <p:cTn id="1" dur="indefinite" restart="never" nodeType="tmRoot"/>
+        <p:cTn id="1" dur="indefinite" restart="never" nodeType="tmRoot">
+          <p:childTnLst>
+            <p:seq concurrent="1" nextAc="seek">
+              <p:cTn id="2" dur="indefinite" nodeType="mainSeq">
+                <p:childTnLst>
+                  <p:par>
+                    <p:cTn id="3" fill="hold">
+                      <p:stCondLst>
+                        <p:cond delay="indefinite"/>
+                      </p:stCondLst>
+                      <p:childTnLst>
+                        <p:par>
+                          <p:cTn id="4" fill="hold">
+                            <p:stCondLst>
+                              <p:cond delay="0"/>
+                            </p:stCondLst>
+                            <p:childTnLst>
+                              <p:par>
+                                <p:cTn id="5" presetID="1" presetClass="entr" presetSubtype="0" fill="hold" grpId="0" nodeType="clickEffect">
+                                  <p:stCondLst>
+                                    <p:cond delay="0"/>
+                                  </p:stCondLst>
+                                  <p:childTnLst>
+                                    <p:set>
+                                      <p:cBhvr>
+                                        <p:cTn id="6" dur="1" fill="hold">
+                                          <p:stCondLst>
+                                            <p:cond delay="0"/>
+                                          </p:stCondLst>
+                                        </p:cTn>
+                                        <p:tgtEl>
+                                          <p:spTgt spid="3">
+                                            <p:txEl>
+                                              <p:pRg st="0" end="0"/>
+                                            </p:txEl>
+                                          </p:spTgt>
+                                        </p:tgtEl>
+                                        <p:attrNameLst>
+                                          <p:attrName>style.visibility</p:attrName>
+                                        </p:attrNameLst>
+                                      </p:cBhvr>
+                                      <p:to>
+                                        <p:strVal val="visible"/>
+                                      </p:to>
+                                    </p:set>
+                                  </p:childTnLst>
+                                </p:cTn>
+                              </p:par>
+                            </p:childTnLst>
+                          </p:cTn>
+                        </p:par>
+                      </p:childTnLst>
+                    </p:cTn>
+                  </p:par>
+                  <p:par>
+                    <p:cTn id="7" fill="hold">
+                      <p:stCondLst>
+                        <p:cond delay="indefinite"/>
+                      </p:stCondLst>
+                      <p:childTnLst>
+                        <p:par>
+                          <p:cTn id="8" fill="hold">
+                            <p:stCondLst>
+                              <p:cond delay="0"/>
+                            </p:stCondLst>
+                            <p:childTnLst>
+                              <p:par>
+                                <p:cTn id="9" presetID="1" presetClass="entr" presetSubtype="0" fill="hold" grpId="0" nodeType="clickEffect">
+                                  <p:stCondLst>
+                                    <p:cond delay="0"/>
+                                  </p:stCondLst>
+                                  <p:childTnLst>
+                                    <p:set>
+                                      <p:cBhvr>
+                                        <p:cTn id="10" dur="1" fill="hold">
+                                          <p:stCondLst>
+                                            <p:cond delay="0"/>
+                                          </p:stCondLst>
+                                        </p:cTn>
+                                        <p:tgtEl>
+                                          <p:spTgt spid="3">
+                                            <p:txEl>
+                                              <p:pRg st="1" end="1"/>
+                                            </p:txEl>
+                                          </p:spTgt>
+                                        </p:tgtEl>
+                                        <p:attrNameLst>
+                                          <p:attrName>style.visibility</p:attrName>
+                                        </p:attrNameLst>
+                                      </p:cBhvr>
+                                      <p:to>
+                                        <p:strVal val="visible"/>
+                                      </p:to>
+                                    </p:set>
+                                  </p:childTnLst>
+                                </p:cTn>
+                              </p:par>
+                              <p:par>
+                                <p:cTn id="11" presetID="1" presetClass="entr" presetSubtype="0" fill="hold" nodeType="withEffect">
+                                  <p:stCondLst>
+                                    <p:cond delay="0"/>
+                                  </p:stCondLst>
+                                  <p:childTnLst>
+                                    <p:set>
+                                      <p:cBhvr>
+                                        <p:cTn id="12" dur="1" fill="hold">
+                                          <p:stCondLst>
+                                            <p:cond delay="0"/>
+                                          </p:stCondLst>
+                                        </p:cTn>
+                                        <p:tgtEl>
+                                          <p:spTgt spid="8"/>
+                                        </p:tgtEl>
+                                        <p:attrNameLst>
+                                          <p:attrName>style.visibility</p:attrName>
+                                        </p:attrNameLst>
+                                      </p:cBhvr>
+                                      <p:to>
+                                        <p:strVal val="visible"/>
+                                      </p:to>
+                                    </p:set>
+                                  </p:childTnLst>
+                                </p:cTn>
+                              </p:par>
+                            </p:childTnLst>
+                          </p:cTn>
+                        </p:par>
+                      </p:childTnLst>
+                    </p:cTn>
+                  </p:par>
+                  <p:par>
+                    <p:cTn id="13" fill="hold">
+                      <p:stCondLst>
+                        <p:cond delay="indefinite"/>
+                      </p:stCondLst>
+                      <p:childTnLst>
+                        <p:par>
+                          <p:cTn id="14" fill="hold">
+                            <p:stCondLst>
+                              <p:cond delay="0"/>
+                            </p:stCondLst>
+                            <p:childTnLst>
+                              <p:par>
+                                <p:cTn id="15" presetID="1" presetClass="entr" presetSubtype="0" fill="hold" nodeType="clickEffect">
+                                  <p:stCondLst>
+                                    <p:cond delay="0"/>
+                                  </p:stCondLst>
+                                  <p:childTnLst>
+                                    <p:set>
+                                      <p:cBhvr>
+                                        <p:cTn id="16" dur="1" fill="hold">
+                                          <p:stCondLst>
+                                            <p:cond delay="0"/>
+                                          </p:stCondLst>
+                                        </p:cTn>
+                                        <p:tgtEl>
+                                          <p:spTgt spid="9"/>
+                                        </p:tgtEl>
+                                        <p:attrNameLst>
+                                          <p:attrName>style.visibility</p:attrName>
+                                        </p:attrNameLst>
+                                      </p:cBhvr>
+                                      <p:to>
+                                        <p:strVal val="visible"/>
+                                      </p:to>
+                                    </p:set>
+                                  </p:childTnLst>
+                                </p:cTn>
+                              </p:par>
+                            </p:childTnLst>
+                          </p:cTn>
+                        </p:par>
+                      </p:childTnLst>
+                    </p:cTn>
+                  </p:par>
+                  <p:par>
+                    <p:cTn id="17" fill="hold">
+                      <p:stCondLst>
+                        <p:cond delay="indefinite"/>
+                      </p:stCondLst>
+                      <p:childTnLst>
+                        <p:par>
+                          <p:cTn id="18" fill="hold">
+                            <p:stCondLst>
+                              <p:cond delay="0"/>
+                            </p:stCondLst>
+                            <p:childTnLst>
+                              <p:par>
+                                <p:cTn id="19" presetID="1" presetClass="entr" presetSubtype="0" fill="hold" grpId="0" nodeType="clickEffect">
+                                  <p:stCondLst>
+                                    <p:cond delay="0"/>
+                                  </p:stCondLst>
+                                  <p:childTnLst>
+                                    <p:set>
+                                      <p:cBhvr>
+                                        <p:cTn id="20" dur="1" fill="hold">
+                                          <p:stCondLst>
+                                            <p:cond delay="0"/>
+                                          </p:stCondLst>
+                                        </p:cTn>
+                                        <p:tgtEl>
+                                          <p:spTgt spid="10"/>
+                                        </p:tgtEl>
+                                        <p:attrNameLst>
+                                          <p:attrName>style.visibility</p:attrName>
+                                        </p:attrNameLst>
+                                      </p:cBhvr>
+                                      <p:to>
+                                        <p:strVal val="visible"/>
+                                      </p:to>
+                                    </p:set>
+                                  </p:childTnLst>
+                                </p:cTn>
+                              </p:par>
+                            </p:childTnLst>
+                          </p:cTn>
+                        </p:par>
+                      </p:childTnLst>
+                    </p:cTn>
+                  </p:par>
+                  <p:par>
+                    <p:cTn id="21" fill="hold">
+                      <p:stCondLst>
+                        <p:cond delay="indefinite"/>
+                      </p:stCondLst>
+                      <p:childTnLst>
+                        <p:par>
+                          <p:cTn id="22" fill="hold">
+                            <p:stCondLst>
+                              <p:cond delay="0"/>
+                            </p:stCondLst>
+                            <p:childTnLst>
+                              <p:par>
+                                <p:cTn id="23" presetID="1" presetClass="entr" presetSubtype="0" fill="hold" grpId="0" nodeType="clickEffect">
+                                  <p:stCondLst>
+                                    <p:cond delay="0"/>
+                                  </p:stCondLst>
+                                  <p:childTnLst>
+                                    <p:set>
+                                      <p:cBhvr>
+                                        <p:cTn id="24" dur="1" fill="hold">
+                                          <p:stCondLst>
+                                            <p:cond delay="0"/>
+                                          </p:stCondLst>
+                                        </p:cTn>
+                                        <p:tgtEl>
+                                          <p:spTgt spid="11"/>
+                                        </p:tgtEl>
+                                        <p:attrNameLst>
+                                          <p:attrName>style.visibility</p:attrName>
+                                        </p:attrNameLst>
+                                      </p:cBhvr>
+                                      <p:to>
+                                        <p:strVal val="visible"/>
+                                      </p:to>
+                                    </p:set>
+                                  </p:childTnLst>
+                                </p:cTn>
+                              </p:par>
+                            </p:childTnLst>
+                          </p:cTn>
+                        </p:par>
+                      </p:childTnLst>
+                    </p:cTn>
+                  </p:par>
+                </p:childTnLst>
+              </p:cTn>
+              <p:prevCondLst>
+                <p:cond evt="onPrev" delay="0">
+                  <p:tgtEl>
+                    <p:sldTgt/>
+                  </p:tgtEl>
+                </p:cond>
+              </p:prevCondLst>
+              <p:nextCondLst>
+                <p:cond evt="onNext" delay="0">
+                  <p:tgtEl>
+                    <p:sldTgt/>
+                  </p:tgtEl>
+                </p:cond>
+              </p:nextCondLst>
+            </p:seq>
+          </p:childTnLst>
+        </p:cTn>
       </p:par>
     </p:tnLst>
+    <p:bldLst>
+      <p:bldP spid="3" grpId="0" build="p"/>
+      <p:bldP spid="10" grpId="0"/>
+      <p:bldP spid="11" grpId="0"/>
+    </p:bldLst>
   </p:timing>
 </p:sld>
 </file>
@@ -12242,7 +12531,15 @@
               <a:p>
                 <a:r>
                   <a:rPr lang="en-CA" dirty="0" smtClean="0"/>
-                  <a:t>Solution: the gain ratio, which takes into account the number and size of daughter nodes into which an attribute splits the dataset</a:t>
+                  <a:t>Solution: the </a:t>
+                </a:r>
+                <a:r>
+                  <a:rPr lang="en-CA" b="1" dirty="0" smtClean="0"/>
+                  <a:t>gain ratio</a:t>
+                </a:r>
+                <a:r>
+                  <a:rPr lang="en-CA" dirty="0" smtClean="0"/>
+                  <a:t>, which takes into account the number and size of daughter nodes into which an attribute splits the dataset</a:t>
                 </a:r>
                 <a:endParaRPr lang="en-CA" dirty="0"/>
               </a:p>
@@ -12272,13 +12569,7 @@
                           <a:rPr lang="en-CA" b="0" i="1" smtClean="0">
                             <a:latin typeface="Cambria Math" panose="02040503050406030204" pitchFamily="18" charset="0"/>
                           </a:rPr>
-                          <m:t>[</m:t>
-                        </m:r>
-                        <m:r>
-                          <a:rPr lang="en-CA" b="0" i="1" smtClean="0">
-                            <a:latin typeface="Cambria Math" panose="02040503050406030204" pitchFamily="18" charset="0"/>
-                          </a:rPr>
-                          <m:t>1,1,1…1]</m:t>
+                          <m:t>[1,1,1…1]</m:t>
                         </m:r>
                       </m:e>
                     </m:d>
@@ -12466,9 +12757,409 @@
   <p:timing>
     <p:tnLst>
       <p:par>
-        <p:cTn id="1" dur="indefinite" restart="never" nodeType="tmRoot"/>
+        <p:cTn id="1" dur="indefinite" restart="never" nodeType="tmRoot">
+          <p:childTnLst>
+            <p:seq concurrent="1" nextAc="seek">
+              <p:cTn id="2" dur="indefinite" nodeType="mainSeq">
+                <p:childTnLst>
+                  <p:par>
+                    <p:cTn id="3" fill="hold">
+                      <p:stCondLst>
+                        <p:cond delay="indefinite"/>
+                      </p:stCondLst>
+                      <p:childTnLst>
+                        <p:par>
+                          <p:cTn id="4" fill="hold">
+                            <p:stCondLst>
+                              <p:cond delay="0"/>
+                            </p:stCondLst>
+                            <p:childTnLst>
+                              <p:par>
+                                <p:cTn id="5" presetID="1" presetClass="entr" presetSubtype="0" fill="hold" grpId="0" nodeType="clickEffect">
+                                  <p:stCondLst>
+                                    <p:cond delay="0"/>
+                                  </p:stCondLst>
+                                  <p:childTnLst>
+                                    <p:set>
+                                      <p:cBhvr>
+                                        <p:cTn id="6" dur="1" fill="hold">
+                                          <p:stCondLst>
+                                            <p:cond delay="0"/>
+                                          </p:stCondLst>
+                                        </p:cTn>
+                                        <p:tgtEl>
+                                          <p:spTgt spid="3">
+                                            <p:txEl>
+                                              <p:pRg st="0" end="0"/>
+                                            </p:txEl>
+                                          </p:spTgt>
+                                        </p:tgtEl>
+                                        <p:attrNameLst>
+                                          <p:attrName>style.visibility</p:attrName>
+                                        </p:attrNameLst>
+                                      </p:cBhvr>
+                                      <p:to>
+                                        <p:strVal val="visible"/>
+                                      </p:to>
+                                    </p:set>
+                                  </p:childTnLst>
+                                </p:cTn>
+                              </p:par>
+                            </p:childTnLst>
+                          </p:cTn>
+                        </p:par>
+                      </p:childTnLst>
+                    </p:cTn>
+                  </p:par>
+                  <p:par>
+                    <p:cTn id="7" fill="hold">
+                      <p:stCondLst>
+                        <p:cond delay="indefinite"/>
+                      </p:stCondLst>
+                      <p:childTnLst>
+                        <p:par>
+                          <p:cTn id="8" fill="hold">
+                            <p:stCondLst>
+                              <p:cond delay="0"/>
+                            </p:stCondLst>
+                            <p:childTnLst>
+                              <p:par>
+                                <p:cTn id="9" presetID="1" presetClass="entr" presetSubtype="0" fill="hold" grpId="0" nodeType="clickEffect">
+                                  <p:stCondLst>
+                                    <p:cond delay="0"/>
+                                  </p:stCondLst>
+                                  <p:childTnLst>
+                                    <p:set>
+                                      <p:cBhvr>
+                                        <p:cTn id="10" dur="1" fill="hold">
+                                          <p:stCondLst>
+                                            <p:cond delay="0"/>
+                                          </p:stCondLst>
+                                        </p:cTn>
+                                        <p:tgtEl>
+                                          <p:spTgt spid="3">
+                                            <p:txEl>
+                                              <p:pRg st="1" end="1"/>
+                                            </p:txEl>
+                                          </p:spTgt>
+                                        </p:tgtEl>
+                                        <p:attrNameLst>
+                                          <p:attrName>style.visibility</p:attrName>
+                                        </p:attrNameLst>
+                                      </p:cBhvr>
+                                      <p:to>
+                                        <p:strVal val="visible"/>
+                                      </p:to>
+                                    </p:set>
+                                  </p:childTnLst>
+                                </p:cTn>
+                              </p:par>
+                            </p:childTnLst>
+                          </p:cTn>
+                        </p:par>
+                      </p:childTnLst>
+                    </p:cTn>
+                  </p:par>
+                  <p:par>
+                    <p:cTn id="11" fill="hold">
+                      <p:stCondLst>
+                        <p:cond delay="indefinite"/>
+                      </p:stCondLst>
+                      <p:childTnLst>
+                        <p:par>
+                          <p:cTn id="12" fill="hold">
+                            <p:stCondLst>
+                              <p:cond delay="0"/>
+                            </p:stCondLst>
+                            <p:childTnLst>
+                              <p:par>
+                                <p:cTn id="13" presetID="1" presetClass="entr" presetSubtype="0" fill="hold" grpId="0" nodeType="clickEffect">
+                                  <p:stCondLst>
+                                    <p:cond delay="0"/>
+                                  </p:stCondLst>
+                                  <p:childTnLst>
+                                    <p:set>
+                                      <p:cBhvr>
+                                        <p:cTn id="14" dur="1" fill="hold">
+                                          <p:stCondLst>
+                                            <p:cond delay="0"/>
+                                          </p:stCondLst>
+                                        </p:cTn>
+                                        <p:tgtEl>
+                                          <p:spTgt spid="3">
+                                            <p:txEl>
+                                              <p:pRg st="2" end="2"/>
+                                            </p:txEl>
+                                          </p:spTgt>
+                                        </p:tgtEl>
+                                        <p:attrNameLst>
+                                          <p:attrName>style.visibility</p:attrName>
+                                        </p:attrNameLst>
+                                      </p:cBhvr>
+                                      <p:to>
+                                        <p:strVal val="visible"/>
+                                      </p:to>
+                                    </p:set>
+                                  </p:childTnLst>
+                                </p:cTn>
+                              </p:par>
+                              <p:par>
+                                <p:cTn id="15" presetID="1" presetClass="entr" presetSubtype="0" fill="hold" grpId="0" nodeType="withEffect">
+                                  <p:stCondLst>
+                                    <p:cond delay="0"/>
+                                  </p:stCondLst>
+                                  <p:childTnLst>
+                                    <p:set>
+                                      <p:cBhvr>
+                                        <p:cTn id="16" dur="1" fill="hold">
+                                          <p:stCondLst>
+                                            <p:cond delay="0"/>
+                                          </p:stCondLst>
+                                        </p:cTn>
+                                        <p:tgtEl>
+                                          <p:spTgt spid="3">
+                                            <p:txEl>
+                                              <p:pRg st="3" end="3"/>
+                                            </p:txEl>
+                                          </p:spTgt>
+                                        </p:tgtEl>
+                                        <p:attrNameLst>
+                                          <p:attrName>style.visibility</p:attrName>
+                                        </p:attrNameLst>
+                                      </p:cBhvr>
+                                      <p:to>
+                                        <p:strVal val="visible"/>
+                                      </p:to>
+                                    </p:set>
+                                  </p:childTnLst>
+                                </p:cTn>
+                              </p:par>
+                            </p:childTnLst>
+                          </p:cTn>
+                        </p:par>
+                      </p:childTnLst>
+                    </p:cTn>
+                  </p:par>
+                  <p:par>
+                    <p:cTn id="17" fill="hold">
+                      <p:stCondLst>
+                        <p:cond delay="indefinite"/>
+                      </p:stCondLst>
+                      <p:childTnLst>
+                        <p:par>
+                          <p:cTn id="18" fill="hold">
+                            <p:stCondLst>
+                              <p:cond delay="0"/>
+                            </p:stCondLst>
+                            <p:childTnLst>
+                              <p:par>
+                                <p:cTn id="19" presetID="1" presetClass="entr" presetSubtype="0" fill="hold" grpId="0" nodeType="clickEffect">
+                                  <p:stCondLst>
+                                    <p:cond delay="0"/>
+                                  </p:stCondLst>
+                                  <p:childTnLst>
+                                    <p:set>
+                                      <p:cBhvr>
+                                        <p:cTn id="20" dur="1" fill="hold">
+                                          <p:stCondLst>
+                                            <p:cond delay="0"/>
+                                          </p:stCondLst>
+                                        </p:cTn>
+                                        <p:tgtEl>
+                                          <p:spTgt spid="3">
+                                            <p:txEl>
+                                              <p:pRg st="4" end="4"/>
+                                            </p:txEl>
+                                          </p:spTgt>
+                                        </p:tgtEl>
+                                        <p:attrNameLst>
+                                          <p:attrName>style.visibility</p:attrName>
+                                        </p:attrNameLst>
+                                      </p:cBhvr>
+                                      <p:to>
+                                        <p:strVal val="visible"/>
+                                      </p:to>
+                                    </p:set>
+                                  </p:childTnLst>
+                                </p:cTn>
+                              </p:par>
+                            </p:childTnLst>
+                          </p:cTn>
+                        </p:par>
+                      </p:childTnLst>
+                    </p:cTn>
+                  </p:par>
+                  <p:par>
+                    <p:cTn id="21" fill="hold">
+                      <p:stCondLst>
+                        <p:cond delay="indefinite"/>
+                      </p:stCondLst>
+                      <p:childTnLst>
+                        <p:par>
+                          <p:cTn id="22" fill="hold">
+                            <p:stCondLst>
+                              <p:cond delay="0"/>
+                            </p:stCondLst>
+                            <p:childTnLst>
+                              <p:par>
+                                <p:cTn id="23" presetID="1" presetClass="entr" presetSubtype="0" fill="hold" grpId="0" nodeType="clickEffect">
+                                  <p:stCondLst>
+                                    <p:cond delay="0"/>
+                                  </p:stCondLst>
+                                  <p:childTnLst>
+                                    <p:set>
+                                      <p:cBhvr>
+                                        <p:cTn id="24" dur="1" fill="hold">
+                                          <p:stCondLst>
+                                            <p:cond delay="0"/>
+                                          </p:stCondLst>
+                                        </p:cTn>
+                                        <p:tgtEl>
+                                          <p:spTgt spid="3">
+                                            <p:txEl>
+                                              <p:pRg st="5" end="5"/>
+                                            </p:txEl>
+                                          </p:spTgt>
+                                        </p:tgtEl>
+                                        <p:attrNameLst>
+                                          <p:attrName>style.visibility</p:attrName>
+                                        </p:attrNameLst>
+                                      </p:cBhvr>
+                                      <p:to>
+                                        <p:strVal val="visible"/>
+                                      </p:to>
+                                    </p:set>
+                                  </p:childTnLst>
+                                </p:cTn>
+                              </p:par>
+                            </p:childTnLst>
+                          </p:cTn>
+                        </p:par>
+                      </p:childTnLst>
+                    </p:cTn>
+                  </p:par>
+                  <p:par>
+                    <p:cTn id="25" fill="hold">
+                      <p:stCondLst>
+                        <p:cond delay="indefinite"/>
+                      </p:stCondLst>
+                      <p:childTnLst>
+                        <p:par>
+                          <p:cTn id="26" fill="hold">
+                            <p:stCondLst>
+                              <p:cond delay="0"/>
+                            </p:stCondLst>
+                            <p:childTnLst>
+                              <p:par>
+                                <p:cTn id="27" presetID="1" presetClass="entr" presetSubtype="0" fill="hold" grpId="0" nodeType="clickEffect">
+                                  <p:stCondLst>
+                                    <p:cond delay="0"/>
+                                  </p:stCondLst>
+                                  <p:childTnLst>
+                                    <p:set>
+                                      <p:cBhvr>
+                                        <p:cTn id="28" dur="1" fill="hold">
+                                          <p:stCondLst>
+                                            <p:cond delay="0"/>
+                                          </p:stCondLst>
+                                        </p:cTn>
+                                        <p:tgtEl>
+                                          <p:spTgt spid="3">
+                                            <p:txEl>
+                                              <p:pRg st="6" end="6"/>
+                                            </p:txEl>
+                                          </p:spTgt>
+                                        </p:tgtEl>
+                                        <p:attrNameLst>
+                                          <p:attrName>style.visibility</p:attrName>
+                                        </p:attrNameLst>
+                                      </p:cBhvr>
+                                      <p:to>
+                                        <p:strVal val="visible"/>
+                                      </p:to>
+                                    </p:set>
+                                  </p:childTnLst>
+                                </p:cTn>
+                              </p:par>
+                            </p:childTnLst>
+                          </p:cTn>
+                        </p:par>
+                      </p:childTnLst>
+                    </p:cTn>
+                  </p:par>
+                  <p:par>
+                    <p:cTn id="29" fill="hold">
+                      <p:stCondLst>
+                        <p:cond delay="indefinite"/>
+                      </p:stCondLst>
+                      <p:childTnLst>
+                        <p:par>
+                          <p:cTn id="30" fill="hold">
+                            <p:stCondLst>
+                              <p:cond delay="0"/>
+                            </p:stCondLst>
+                            <p:childTnLst>
+                              <p:par>
+                                <p:cTn id="31" presetID="1" presetClass="entr" presetSubtype="0" fill="hold" grpId="0" nodeType="clickEffect">
+                                  <p:stCondLst>
+                                    <p:cond delay="0"/>
+                                  </p:stCondLst>
+                                  <p:childTnLst>
+                                    <p:set>
+                                      <p:cBhvr>
+                                        <p:cTn id="32" dur="1" fill="hold">
+                                          <p:stCondLst>
+                                            <p:cond delay="0"/>
+                                          </p:stCondLst>
+                                        </p:cTn>
+                                        <p:tgtEl>
+                                          <p:spTgt spid="3">
+                                            <p:txEl>
+                                              <p:pRg st="7" end="7"/>
+                                            </p:txEl>
+                                          </p:spTgt>
+                                        </p:tgtEl>
+                                        <p:attrNameLst>
+                                          <p:attrName>style.visibility</p:attrName>
+                                        </p:attrNameLst>
+                                      </p:cBhvr>
+                                      <p:to>
+                                        <p:strVal val="visible"/>
+                                      </p:to>
+                                    </p:set>
+                                  </p:childTnLst>
+                                </p:cTn>
+                              </p:par>
+                            </p:childTnLst>
+                          </p:cTn>
+                        </p:par>
+                      </p:childTnLst>
+                    </p:cTn>
+                  </p:par>
+                </p:childTnLst>
+              </p:cTn>
+              <p:prevCondLst>
+                <p:cond evt="onPrev" delay="0">
+                  <p:tgtEl>
+                    <p:sldTgt/>
+                  </p:tgtEl>
+                </p:cond>
+              </p:prevCondLst>
+              <p:nextCondLst>
+                <p:cond evt="onNext" delay="0">
+                  <p:tgtEl>
+                    <p:sldTgt/>
+                  </p:tgtEl>
+                </p:cond>
+              </p:nextCondLst>
+            </p:seq>
+          </p:childTnLst>
+        </p:cTn>
       </p:par>
     </p:tnLst>
+    <p:bldLst>
+      <p:bldP spid="3" grpId="0" build="p"/>
+    </p:bldLst>
   </p:timing>
 </p:sld>
 </file>
@@ -12651,6 +13342,28 @@
             <a:endParaRPr lang="en-CA" dirty="0" smtClean="0"/>
           </a:p>
           <a:p>
+            <a:r>
+              <a:rPr lang="en-CA" dirty="0" smtClean="0"/>
+              <a:t>Scikit-learn decision trees do not handle categorical data</a:t>
+            </a:r>
+          </a:p>
+          <a:p>
+            <a:r>
+              <a:rPr lang="en-CA" dirty="0" smtClean="0"/>
+              <a:t>Instead, convert data to one-hot encoding (zeros and ones)</a:t>
+            </a:r>
+          </a:p>
+          <a:p>
+            <a:r>
+              <a:rPr lang="en-CA" dirty="0" smtClean="0"/>
+              <a:t>Weather data</a:t>
+            </a:r>
+          </a:p>
+          <a:p>
+            <a:r>
+              <a:rPr lang="en-CA" dirty="0" smtClean="0"/>
+              <a:t>Iris data </a:t>
+            </a:r>
             <a:endParaRPr lang="en-CA" dirty="0"/>
           </a:p>
         </p:txBody>
@@ -12803,32 +13516,8 @@
         </p:blipFill>
         <p:spPr>
           <a:xfrm>
-            <a:off x="8096443" y="3449349"/>
-            <a:ext cx="3446558" cy="2937596"/>
-          </a:xfrm>
-          <a:prstGeom prst="rect">
-            <a:avLst/>
-          </a:prstGeom>
-        </p:spPr>
-      </p:pic>
-      <p:pic>
-        <p:nvPicPr>
-          <p:cNvPr id="6" name="Picture 5"/>
-          <p:cNvPicPr>
-            <a:picLocks noChangeAspect="1"/>
-          </p:cNvPicPr>
-          <p:nvPr/>
-        </p:nvPicPr>
-        <p:blipFill>
-          <a:blip r:embed="rId3"/>
-          <a:stretch>
-            <a:fillRect/>
-          </a:stretch>
-        </p:blipFill>
-        <p:spPr>
-          <a:xfrm>
-            <a:off x="6442364" y="1564404"/>
-            <a:ext cx="5456709" cy="1635996"/>
+            <a:off x="6622473" y="1690688"/>
+            <a:ext cx="5332134" cy="4544724"/>
           </a:xfrm>
           <a:prstGeom prst="rect">
             <a:avLst/>
@@ -12857,9 +13546,6 @@
                     <p:cTn id="3" fill="hold">
                       <p:stCondLst>
                         <p:cond delay="indefinite"/>
-                        <p:cond evt="onBegin" delay="0">
-                          <p:tn val="2"/>
-                        </p:cond>
                       </p:stCondLst>
                       <p:childTnLst>
                         <p:par>
@@ -12869,7 +13555,7 @@
                             </p:stCondLst>
                             <p:childTnLst>
                               <p:par>
-                                <p:cTn id="5" presetID="1" presetClass="entr" presetSubtype="0" fill="hold" nodeType="withEffect">
+                                <p:cTn id="5" presetID="1" presetClass="entr" presetSubtype="0" fill="hold" grpId="0" nodeType="clickEffect">
                                   <p:stCondLst>
                                     <p:cond delay="0"/>
                                   </p:stCondLst>
@@ -12882,7 +13568,287 @@
                                           </p:stCondLst>
                                         </p:cTn>
                                         <p:tgtEl>
-                                          <p:spTgt spid="6"/>
+                                          <p:spTgt spid="3">
+                                            <p:txEl>
+                                              <p:pRg st="0" end="0"/>
+                                            </p:txEl>
+                                          </p:spTgt>
+                                        </p:tgtEl>
+                                        <p:attrNameLst>
+                                          <p:attrName>style.visibility</p:attrName>
+                                        </p:attrNameLst>
+                                      </p:cBhvr>
+                                      <p:to>
+                                        <p:strVal val="visible"/>
+                                      </p:to>
+                                    </p:set>
+                                  </p:childTnLst>
+                                </p:cTn>
+                              </p:par>
+                            </p:childTnLst>
+                          </p:cTn>
+                        </p:par>
+                      </p:childTnLst>
+                    </p:cTn>
+                  </p:par>
+                  <p:par>
+                    <p:cTn id="7" fill="hold">
+                      <p:stCondLst>
+                        <p:cond delay="indefinite"/>
+                      </p:stCondLst>
+                      <p:childTnLst>
+                        <p:par>
+                          <p:cTn id="8" fill="hold">
+                            <p:stCondLst>
+                              <p:cond delay="0"/>
+                            </p:stCondLst>
+                            <p:childTnLst>
+                              <p:par>
+                                <p:cTn id="9" presetID="1" presetClass="entr" presetSubtype="0" fill="hold" grpId="0" nodeType="clickEffect">
+                                  <p:stCondLst>
+                                    <p:cond delay="0"/>
+                                  </p:stCondLst>
+                                  <p:childTnLst>
+                                    <p:set>
+                                      <p:cBhvr>
+                                        <p:cTn id="10" dur="1" fill="hold">
+                                          <p:stCondLst>
+                                            <p:cond delay="0"/>
+                                          </p:stCondLst>
+                                        </p:cTn>
+                                        <p:tgtEl>
+                                          <p:spTgt spid="3">
+                                            <p:txEl>
+                                              <p:pRg st="1" end="1"/>
+                                            </p:txEl>
+                                          </p:spTgt>
+                                        </p:tgtEl>
+                                        <p:attrNameLst>
+                                          <p:attrName>style.visibility</p:attrName>
+                                        </p:attrNameLst>
+                                      </p:cBhvr>
+                                      <p:to>
+                                        <p:strVal val="visible"/>
+                                      </p:to>
+                                    </p:set>
+                                  </p:childTnLst>
+                                </p:cTn>
+                              </p:par>
+                            </p:childTnLst>
+                          </p:cTn>
+                        </p:par>
+                      </p:childTnLst>
+                    </p:cTn>
+                  </p:par>
+                  <p:par>
+                    <p:cTn id="11" fill="hold">
+                      <p:stCondLst>
+                        <p:cond delay="indefinite"/>
+                      </p:stCondLst>
+                      <p:childTnLst>
+                        <p:par>
+                          <p:cTn id="12" fill="hold">
+                            <p:stCondLst>
+                              <p:cond delay="0"/>
+                            </p:stCondLst>
+                            <p:childTnLst>
+                              <p:par>
+                                <p:cTn id="13" presetID="1" presetClass="entr" presetSubtype="0" fill="hold" grpId="0" nodeType="clickEffect">
+                                  <p:stCondLst>
+                                    <p:cond delay="0"/>
+                                  </p:stCondLst>
+                                  <p:childTnLst>
+                                    <p:set>
+                                      <p:cBhvr>
+                                        <p:cTn id="14" dur="1" fill="hold">
+                                          <p:stCondLst>
+                                            <p:cond delay="0"/>
+                                          </p:stCondLst>
+                                        </p:cTn>
+                                        <p:tgtEl>
+                                          <p:spTgt spid="3">
+                                            <p:txEl>
+                                              <p:pRg st="2" end="2"/>
+                                            </p:txEl>
+                                          </p:spTgt>
+                                        </p:tgtEl>
+                                        <p:attrNameLst>
+                                          <p:attrName>style.visibility</p:attrName>
+                                        </p:attrNameLst>
+                                      </p:cBhvr>
+                                      <p:to>
+                                        <p:strVal val="visible"/>
+                                      </p:to>
+                                    </p:set>
+                                  </p:childTnLst>
+                                </p:cTn>
+                              </p:par>
+                              <p:par>
+                                <p:cTn id="15" presetID="1" presetClass="entr" presetSubtype="0" fill="hold" grpId="0" nodeType="withEffect">
+                                  <p:stCondLst>
+                                    <p:cond delay="0"/>
+                                  </p:stCondLst>
+                                  <p:childTnLst>
+                                    <p:set>
+                                      <p:cBhvr>
+                                        <p:cTn id="16" dur="1" fill="hold">
+                                          <p:stCondLst>
+                                            <p:cond delay="0"/>
+                                          </p:stCondLst>
+                                        </p:cTn>
+                                        <p:tgtEl>
+                                          <p:spTgt spid="3">
+                                            <p:txEl>
+                                              <p:pRg st="3" end="3"/>
+                                            </p:txEl>
+                                          </p:spTgt>
+                                        </p:tgtEl>
+                                        <p:attrNameLst>
+                                          <p:attrName>style.visibility</p:attrName>
+                                        </p:attrNameLst>
+                                      </p:cBhvr>
+                                      <p:to>
+                                        <p:strVal val="visible"/>
+                                      </p:to>
+                                    </p:set>
+                                  </p:childTnLst>
+                                </p:cTn>
+                              </p:par>
+                            </p:childTnLst>
+                          </p:cTn>
+                        </p:par>
+                      </p:childTnLst>
+                    </p:cTn>
+                  </p:par>
+                  <p:par>
+                    <p:cTn id="17" fill="hold">
+                      <p:stCondLst>
+                        <p:cond delay="indefinite"/>
+                      </p:stCondLst>
+                      <p:childTnLst>
+                        <p:par>
+                          <p:cTn id="18" fill="hold">
+                            <p:stCondLst>
+                              <p:cond delay="0"/>
+                            </p:stCondLst>
+                            <p:childTnLst>
+                              <p:par>
+                                <p:cTn id="19" presetID="1" presetClass="entr" presetSubtype="0" fill="hold" grpId="0" nodeType="clickEffect">
+                                  <p:stCondLst>
+                                    <p:cond delay="0"/>
+                                  </p:stCondLst>
+                                  <p:childTnLst>
+                                    <p:set>
+                                      <p:cBhvr>
+                                        <p:cTn id="20" dur="1" fill="hold">
+                                          <p:stCondLst>
+                                            <p:cond delay="0"/>
+                                          </p:stCondLst>
+                                        </p:cTn>
+                                        <p:tgtEl>
+                                          <p:spTgt spid="3">
+                                            <p:txEl>
+                                              <p:pRg st="4" end="4"/>
+                                            </p:txEl>
+                                          </p:spTgt>
+                                        </p:tgtEl>
+                                        <p:attrNameLst>
+                                          <p:attrName>style.visibility</p:attrName>
+                                        </p:attrNameLst>
+                                      </p:cBhvr>
+                                      <p:to>
+                                        <p:strVal val="visible"/>
+                                      </p:to>
+                                    </p:set>
+                                  </p:childTnLst>
+                                </p:cTn>
+                              </p:par>
+                            </p:childTnLst>
+                          </p:cTn>
+                        </p:par>
+                      </p:childTnLst>
+                    </p:cTn>
+                  </p:par>
+                  <p:par>
+                    <p:cTn id="21" fill="hold">
+                      <p:stCondLst>
+                        <p:cond delay="indefinite"/>
+                      </p:stCondLst>
+                      <p:childTnLst>
+                        <p:par>
+                          <p:cTn id="22" fill="hold">
+                            <p:stCondLst>
+                              <p:cond delay="0"/>
+                            </p:stCondLst>
+                            <p:childTnLst>
+                              <p:par>
+                                <p:cTn id="23" presetID="1" presetClass="entr" presetSubtype="0" fill="hold" grpId="0" nodeType="clickEffect">
+                                  <p:stCondLst>
+                                    <p:cond delay="0"/>
+                                  </p:stCondLst>
+                                  <p:childTnLst>
+                                    <p:set>
+                                      <p:cBhvr>
+                                        <p:cTn id="24" dur="1" fill="hold">
+                                          <p:stCondLst>
+                                            <p:cond delay="0"/>
+                                          </p:stCondLst>
+                                        </p:cTn>
+                                        <p:tgtEl>
+                                          <p:spTgt spid="3">
+                                            <p:txEl>
+                                              <p:pRg st="5" end="5"/>
+                                            </p:txEl>
+                                          </p:spTgt>
+                                        </p:tgtEl>
+                                        <p:attrNameLst>
+                                          <p:attrName>style.visibility</p:attrName>
+                                        </p:attrNameLst>
+                                      </p:cBhvr>
+                                      <p:to>
+                                        <p:strVal val="visible"/>
+                                      </p:to>
+                                    </p:set>
+                                  </p:childTnLst>
+                                </p:cTn>
+                              </p:par>
+                            </p:childTnLst>
+                          </p:cTn>
+                        </p:par>
+                      </p:childTnLst>
+                    </p:cTn>
+                  </p:par>
+                  <p:par>
+                    <p:cTn id="25" fill="hold">
+                      <p:stCondLst>
+                        <p:cond delay="indefinite"/>
+                      </p:stCondLst>
+                      <p:childTnLst>
+                        <p:par>
+                          <p:cTn id="26" fill="hold">
+                            <p:stCondLst>
+                              <p:cond delay="0"/>
+                            </p:stCondLst>
+                            <p:childTnLst>
+                              <p:par>
+                                <p:cTn id="27" presetID="1" presetClass="entr" presetSubtype="0" fill="hold" grpId="0" nodeType="clickEffect">
+                                  <p:stCondLst>
+                                    <p:cond delay="0"/>
+                                  </p:stCondLst>
+                                  <p:childTnLst>
+                                    <p:set>
+                                      <p:cBhvr>
+                                        <p:cTn id="28" dur="1" fill="hold">
+                                          <p:stCondLst>
+                                            <p:cond delay="0"/>
+                                          </p:stCondLst>
+                                        </p:cTn>
+                                        <p:tgtEl>
+                                          <p:spTgt spid="3">
+                                            <p:txEl>
+                                              <p:pRg st="6" end="6"/>
+                                            </p:txEl>
+                                          </p:spTgt>
                                         </p:tgtEl>
                                         <p:attrNameLst>
                                           <p:attrName>style.visibility</p:attrName>
@@ -12922,6 +13888,9 @@
         </p:cTn>
       </p:par>
     </p:tnLst>
+    <p:bldLst>
+      <p:bldP spid="3" grpId="0" build="p"/>
+    </p:bldLst>
   </p:timing>
 </p:sld>
 </file>
@@ -13060,9 +14029,280 @@
   <p:timing>
     <p:tnLst>
       <p:par>
-        <p:cTn id="1" dur="indefinite" restart="never" nodeType="tmRoot"/>
+        <p:cTn id="1" dur="indefinite" restart="never" nodeType="tmRoot">
+          <p:childTnLst>
+            <p:seq concurrent="1" nextAc="seek">
+              <p:cTn id="2" dur="indefinite" nodeType="mainSeq">
+                <p:childTnLst>
+                  <p:par>
+                    <p:cTn id="3" fill="hold">
+                      <p:stCondLst>
+                        <p:cond delay="indefinite"/>
+                      </p:stCondLst>
+                      <p:childTnLst>
+                        <p:par>
+                          <p:cTn id="4" fill="hold">
+                            <p:stCondLst>
+                              <p:cond delay="0"/>
+                            </p:stCondLst>
+                            <p:childTnLst>
+                              <p:par>
+                                <p:cTn id="5" presetID="1" presetClass="entr" presetSubtype="0" fill="hold" grpId="0" nodeType="clickEffect">
+                                  <p:stCondLst>
+                                    <p:cond delay="0"/>
+                                  </p:stCondLst>
+                                  <p:childTnLst>
+                                    <p:set>
+                                      <p:cBhvr>
+                                        <p:cTn id="6" dur="1" fill="hold">
+                                          <p:stCondLst>
+                                            <p:cond delay="0"/>
+                                          </p:stCondLst>
+                                        </p:cTn>
+                                        <p:tgtEl>
+                                          <p:spTgt spid="3">
+                                            <p:txEl>
+                                              <p:pRg st="0" end="0"/>
+                                            </p:txEl>
+                                          </p:spTgt>
+                                        </p:tgtEl>
+                                        <p:attrNameLst>
+                                          <p:attrName>style.visibility</p:attrName>
+                                        </p:attrNameLst>
+                                      </p:cBhvr>
+                                      <p:to>
+                                        <p:strVal val="visible"/>
+                                      </p:to>
+                                    </p:set>
+                                  </p:childTnLst>
+                                </p:cTn>
+                              </p:par>
+                            </p:childTnLst>
+                          </p:cTn>
+                        </p:par>
+                      </p:childTnLst>
+                    </p:cTn>
+                  </p:par>
+                  <p:par>
+                    <p:cTn id="7" fill="hold">
+                      <p:stCondLst>
+                        <p:cond delay="indefinite"/>
+                      </p:stCondLst>
+                      <p:childTnLst>
+                        <p:par>
+                          <p:cTn id="8" fill="hold">
+                            <p:stCondLst>
+                              <p:cond delay="0"/>
+                            </p:stCondLst>
+                            <p:childTnLst>
+                              <p:par>
+                                <p:cTn id="9" presetID="1" presetClass="entr" presetSubtype="0" fill="hold" grpId="0" nodeType="clickEffect">
+                                  <p:stCondLst>
+                                    <p:cond delay="0"/>
+                                  </p:stCondLst>
+                                  <p:childTnLst>
+                                    <p:set>
+                                      <p:cBhvr>
+                                        <p:cTn id="10" dur="1" fill="hold">
+                                          <p:stCondLst>
+                                            <p:cond delay="0"/>
+                                          </p:stCondLst>
+                                        </p:cTn>
+                                        <p:tgtEl>
+                                          <p:spTgt spid="3">
+                                            <p:txEl>
+                                              <p:pRg st="1" end="1"/>
+                                            </p:txEl>
+                                          </p:spTgt>
+                                        </p:tgtEl>
+                                        <p:attrNameLst>
+                                          <p:attrName>style.visibility</p:attrName>
+                                        </p:attrNameLst>
+                                      </p:cBhvr>
+                                      <p:to>
+                                        <p:strVal val="visible"/>
+                                      </p:to>
+                                    </p:set>
+                                  </p:childTnLst>
+                                </p:cTn>
+                              </p:par>
+                            </p:childTnLst>
+                          </p:cTn>
+                        </p:par>
+                      </p:childTnLst>
+                    </p:cTn>
+                  </p:par>
+                  <p:par>
+                    <p:cTn id="11" fill="hold">
+                      <p:stCondLst>
+                        <p:cond delay="indefinite"/>
+                      </p:stCondLst>
+                      <p:childTnLst>
+                        <p:par>
+                          <p:cTn id="12" fill="hold">
+                            <p:stCondLst>
+                              <p:cond delay="0"/>
+                            </p:stCondLst>
+                            <p:childTnLst>
+                              <p:par>
+                                <p:cTn id="13" presetID="1" presetClass="entr" presetSubtype="0" fill="hold" grpId="0" nodeType="clickEffect">
+                                  <p:stCondLst>
+                                    <p:cond delay="0"/>
+                                  </p:stCondLst>
+                                  <p:childTnLst>
+                                    <p:set>
+                                      <p:cBhvr>
+                                        <p:cTn id="14" dur="1" fill="hold">
+                                          <p:stCondLst>
+                                            <p:cond delay="0"/>
+                                          </p:stCondLst>
+                                        </p:cTn>
+                                        <p:tgtEl>
+                                          <p:spTgt spid="3">
+                                            <p:txEl>
+                                              <p:pRg st="2" end="2"/>
+                                            </p:txEl>
+                                          </p:spTgt>
+                                        </p:tgtEl>
+                                        <p:attrNameLst>
+                                          <p:attrName>style.visibility</p:attrName>
+                                        </p:attrNameLst>
+                                      </p:cBhvr>
+                                      <p:to>
+                                        <p:strVal val="visible"/>
+                                      </p:to>
+                                    </p:set>
+                                  </p:childTnLst>
+                                </p:cTn>
+                              </p:par>
+                            </p:childTnLst>
+                          </p:cTn>
+                        </p:par>
+                      </p:childTnLst>
+                    </p:cTn>
+                  </p:par>
+                  <p:par>
+                    <p:cTn id="15" fill="hold">
+                      <p:stCondLst>
+                        <p:cond delay="indefinite"/>
+                      </p:stCondLst>
+                      <p:childTnLst>
+                        <p:par>
+                          <p:cTn id="16" fill="hold">
+                            <p:stCondLst>
+                              <p:cond delay="0"/>
+                            </p:stCondLst>
+                            <p:childTnLst>
+                              <p:par>
+                                <p:cTn id="17" presetID="1" presetClass="entr" presetSubtype="0" fill="hold" grpId="0" nodeType="clickEffect">
+                                  <p:stCondLst>
+                                    <p:cond delay="0"/>
+                                  </p:stCondLst>
+                                  <p:childTnLst>
+                                    <p:set>
+                                      <p:cBhvr>
+                                        <p:cTn id="18" dur="1" fill="hold">
+                                          <p:stCondLst>
+                                            <p:cond delay="0"/>
+                                          </p:stCondLst>
+                                        </p:cTn>
+                                        <p:tgtEl>
+                                          <p:spTgt spid="3">
+                                            <p:txEl>
+                                              <p:pRg st="3" end="3"/>
+                                            </p:txEl>
+                                          </p:spTgt>
+                                        </p:tgtEl>
+                                        <p:attrNameLst>
+                                          <p:attrName>style.visibility</p:attrName>
+                                        </p:attrNameLst>
+                                      </p:cBhvr>
+                                      <p:to>
+                                        <p:strVal val="visible"/>
+                                      </p:to>
+                                    </p:set>
+                                  </p:childTnLst>
+                                </p:cTn>
+                              </p:par>
+                            </p:childTnLst>
+                          </p:cTn>
+                        </p:par>
+                      </p:childTnLst>
+                    </p:cTn>
+                  </p:par>
+                  <p:par>
+                    <p:cTn id="19" fill="hold">
+                      <p:stCondLst>
+                        <p:cond delay="indefinite"/>
+                      </p:stCondLst>
+                      <p:childTnLst>
+                        <p:par>
+                          <p:cTn id="20" fill="hold">
+                            <p:stCondLst>
+                              <p:cond delay="0"/>
+                            </p:stCondLst>
+                            <p:childTnLst>
+                              <p:par>
+                                <p:cTn id="21" presetID="1" presetClass="entr" presetSubtype="0" fill="hold" grpId="0" nodeType="clickEffect">
+                                  <p:stCondLst>
+                                    <p:cond delay="0"/>
+                                  </p:stCondLst>
+                                  <p:childTnLst>
+                                    <p:set>
+                                      <p:cBhvr>
+                                        <p:cTn id="22" dur="1" fill="hold">
+                                          <p:stCondLst>
+                                            <p:cond delay="0"/>
+                                          </p:stCondLst>
+                                        </p:cTn>
+                                        <p:tgtEl>
+                                          <p:spTgt spid="3">
+                                            <p:txEl>
+                                              <p:pRg st="4" end="4"/>
+                                            </p:txEl>
+                                          </p:spTgt>
+                                        </p:tgtEl>
+                                        <p:attrNameLst>
+                                          <p:attrName>style.visibility</p:attrName>
+                                        </p:attrNameLst>
+                                      </p:cBhvr>
+                                      <p:to>
+                                        <p:strVal val="visible"/>
+                                      </p:to>
+                                    </p:set>
+                                  </p:childTnLst>
+                                </p:cTn>
+                              </p:par>
+                            </p:childTnLst>
+                          </p:cTn>
+                        </p:par>
+                      </p:childTnLst>
+                    </p:cTn>
+                  </p:par>
+                </p:childTnLst>
+              </p:cTn>
+              <p:prevCondLst>
+                <p:cond evt="onPrev" delay="0">
+                  <p:tgtEl>
+                    <p:sldTgt/>
+                  </p:tgtEl>
+                </p:cond>
+              </p:prevCondLst>
+              <p:nextCondLst>
+                <p:cond evt="onNext" delay="0">
+                  <p:tgtEl>
+                    <p:sldTgt/>
+                  </p:tgtEl>
+                </p:cond>
+              </p:nextCondLst>
+            </p:seq>
+          </p:childTnLst>
+        </p:cTn>
       </p:par>
     </p:tnLst>
+    <p:bldLst>
+      <p:bldP spid="3" grpId="0" build="p"/>
+    </p:bldLst>
   </p:timing>
 </p:sld>
 </file>
@@ -13101,7 +14341,11 @@
           <a:p>
             <a:r>
               <a:rPr lang="en-CA" dirty="0" smtClean="0"/>
-              <a:t>Using information to measure purity of split</a:t>
+              <a:t>How to measure purit</a:t>
+            </a:r>
+            <a:r>
+              <a:rPr lang="en-CA" dirty="0" smtClean="0"/>
+              <a:t>y of split</a:t>
             </a:r>
             <a:endParaRPr lang="en-CA" dirty="0"/>
           </a:p>
@@ -13137,23 +14381,7 @@
           <a:p>
             <a:r>
               <a:rPr lang="en-CA" i="1" dirty="0" smtClean="0"/>
-              <a:t>1) when the </a:t>
-            </a:r>
-            <a:r>
-              <a:rPr lang="en-CA" i="1" dirty="0" smtClean="0"/>
-              <a:t>split is pur</a:t>
-            </a:r>
-            <a:r>
-              <a:rPr lang="en-CA" i="1" dirty="0" smtClean="0"/>
-              <a:t>e (all one class</a:t>
-            </a:r>
-            <a:r>
-              <a:rPr lang="en-CA" i="1" dirty="0" smtClean="0"/>
-              <a:t>), </a:t>
-            </a:r>
-            <a:r>
-              <a:rPr lang="en-CA" i="1" dirty="0" smtClean="0"/>
-              <a:t>required info is zero</a:t>
+              <a:t>1) when the split is pure (all one class), required info is zero</a:t>
             </a:r>
           </a:p>
           <a:p>
@@ -13183,32 +14411,28 @@
           <a:p>
             <a:r>
               <a:rPr lang="en-CA" dirty="0" smtClean="0"/>
-              <a:t>Suppose we have an attribute with 3 values:</a:t>
+              <a:t>Suppose we have an attribute with 3 values: (outlook)</a:t>
             </a:r>
           </a:p>
           <a:p>
             <a:pPr lvl="1"/>
             <a:r>
               <a:rPr lang="en-CA" dirty="0" smtClean="0"/>
-              <a:t>Value A (2 instances), </a:t>
+              <a:t>Sunny (2 instances), </a:t>
             </a:r>
           </a:p>
           <a:p>
             <a:pPr lvl="1"/>
             <a:r>
               <a:rPr lang="en-CA" dirty="0" smtClean="0"/>
-              <a:t>Value B (3 instances), </a:t>
+              <a:t>Overcast (3 instances), </a:t>
             </a:r>
           </a:p>
           <a:p>
             <a:pPr lvl="1"/>
             <a:r>
               <a:rPr lang="en-CA" dirty="0" smtClean="0"/>
-              <a:t>Value C (4 instances</a:t>
-            </a:r>
-            <a:r>
-              <a:rPr lang="en-CA" dirty="0" smtClean="0"/>
-              <a:t>)</a:t>
+              <a:t>Rainy(4 instances)</a:t>
             </a:r>
           </a:p>
           <a:p>
@@ -13224,7 +14448,6 @@
               <a:rPr lang="en-CA" dirty="0" smtClean="0"/>
               <a:t>Information should be the same in both cases</a:t>
             </a:r>
-            <a:endParaRPr lang="en-CA" dirty="0" smtClean="0"/>
           </a:p>
           <a:p>
             <a:endParaRPr lang="en-CA" dirty="0" smtClean="0"/>
@@ -13245,7 +14468,7 @@
         </p:nvSpPr>
         <p:spPr>
           <a:xfrm>
-            <a:off x="8215746" y="3967739"/>
+            <a:off x="8368149" y="3967739"/>
             <a:ext cx="387927" cy="360218"/>
           </a:xfrm>
           <a:prstGeom prst="ellipse">
@@ -13289,7 +14512,7 @@
         </p:nvSpPr>
         <p:spPr>
           <a:xfrm>
-            <a:off x="7536873" y="4702030"/>
+            <a:off x="7689276" y="4702030"/>
             <a:ext cx="387927" cy="360218"/>
           </a:xfrm>
           <a:prstGeom prst="ellipse">
@@ -13333,7 +14556,7 @@
         </p:nvSpPr>
         <p:spPr>
           <a:xfrm>
-            <a:off x="8215745" y="4702030"/>
+            <a:off x="8368148" y="4702030"/>
             <a:ext cx="387927" cy="360218"/>
           </a:xfrm>
           <a:prstGeom prst="ellipse">
@@ -13377,7 +14600,7 @@
         </p:nvSpPr>
         <p:spPr>
           <a:xfrm>
-            <a:off x="8894617" y="4702030"/>
+            <a:off x="9047020" y="4702030"/>
             <a:ext cx="387927" cy="360218"/>
           </a:xfrm>
           <a:prstGeom prst="ellipse">
@@ -13424,7 +14647,7 @@
         </p:nvCxnSpPr>
         <p:spPr>
           <a:xfrm flipH="1">
-            <a:off x="7867989" y="4275204"/>
+            <a:off x="8020392" y="4275204"/>
             <a:ext cx="404568" cy="479579"/>
           </a:xfrm>
           <a:prstGeom prst="straightConnector1">
@@ -13460,7 +14683,7 @@
         </p:nvCxnSpPr>
         <p:spPr>
           <a:xfrm flipH="1">
-            <a:off x="8409709" y="4327957"/>
+            <a:off x="8562112" y="4327957"/>
             <a:ext cx="1" cy="374073"/>
           </a:xfrm>
           <a:prstGeom prst="straightConnector1">
@@ -13496,7 +14719,7 @@
         </p:nvCxnSpPr>
         <p:spPr>
           <a:xfrm>
-            <a:off x="8546862" y="4275204"/>
+            <a:off x="8699265" y="4275204"/>
             <a:ext cx="404566" cy="479579"/>
           </a:xfrm>
           <a:prstGeom prst="straightConnector1">
@@ -13529,7 +14752,7 @@
         </p:nvSpPr>
         <p:spPr>
           <a:xfrm>
-            <a:off x="10723419" y="3914986"/>
+            <a:off x="10875822" y="3914986"/>
             <a:ext cx="387927" cy="360218"/>
           </a:xfrm>
           <a:prstGeom prst="ellipse">
@@ -13573,7 +14796,7 @@
         </p:nvSpPr>
         <p:spPr>
           <a:xfrm>
-            <a:off x="10412387" y="4596784"/>
+            <a:off x="10564790" y="4596784"/>
             <a:ext cx="387927" cy="360218"/>
           </a:xfrm>
           <a:prstGeom prst="ellipse">
@@ -13616,7 +14839,7 @@
         </p:nvSpPr>
         <p:spPr>
           <a:xfrm>
-            <a:off x="11105114" y="4596784"/>
+            <a:off x="11257517" y="4596784"/>
             <a:ext cx="387927" cy="360218"/>
           </a:xfrm>
           <a:prstGeom prst="ellipse">
@@ -13660,7 +14883,7 @@
         </p:nvSpPr>
         <p:spPr>
           <a:xfrm>
-            <a:off x="10800314" y="5191073"/>
+            <a:off x="10952717" y="5191073"/>
             <a:ext cx="387927" cy="360218"/>
           </a:xfrm>
           <a:prstGeom prst="ellipse">
@@ -13704,7 +14927,7 @@
         </p:nvSpPr>
         <p:spPr>
           <a:xfrm>
-            <a:off x="11491648" y="5191073"/>
+            <a:off x="11644051" y="5191073"/>
             <a:ext cx="387927" cy="360218"/>
           </a:xfrm>
           <a:prstGeom prst="ellipse">
@@ -13750,7 +14973,7 @@
         </p:nvCxnSpPr>
         <p:spPr>
           <a:xfrm flipH="1">
-            <a:off x="10606350" y="4275204"/>
+            <a:off x="10758753" y="4275204"/>
             <a:ext cx="311033" cy="321580"/>
           </a:xfrm>
           <a:prstGeom prst="straightConnector1">
@@ -13786,7 +15009,7 @@
         </p:nvCxnSpPr>
         <p:spPr>
           <a:xfrm>
-            <a:off x="10917383" y="4275204"/>
+            <a:off x="11069786" y="4275204"/>
             <a:ext cx="381695" cy="321580"/>
           </a:xfrm>
           <a:prstGeom prst="straightConnector1">
@@ -13822,7 +15045,7 @@
         </p:nvCxnSpPr>
         <p:spPr>
           <a:xfrm flipH="1">
-            <a:off x="10994278" y="4957002"/>
+            <a:off x="11146681" y="4957002"/>
             <a:ext cx="304800" cy="234071"/>
           </a:xfrm>
           <a:prstGeom prst="straightConnector1">
@@ -13858,7 +15081,7 @@
         </p:nvCxnSpPr>
         <p:spPr>
           <a:xfrm>
-            <a:off x="11299078" y="4957002"/>
+            <a:off x="11451481" y="4957002"/>
             <a:ext cx="386534" cy="234071"/>
           </a:xfrm>
           <a:prstGeom prst="straightConnector1">
@@ -13891,7 +15114,7 @@
         </p:nvSpPr>
         <p:spPr>
           <a:xfrm>
-            <a:off x="9597555" y="4393000"/>
+            <a:off x="9749958" y="4393000"/>
             <a:ext cx="439544" cy="707886"/>
           </a:xfrm>
           <a:prstGeom prst="rect">
@@ -13921,7 +15144,7 @@
         </p:nvSpPr>
         <p:spPr>
           <a:xfrm>
-            <a:off x="7678468" y="5161301"/>
+            <a:off x="7830871" y="5161301"/>
             <a:ext cx="2628718" cy="369332"/>
           </a:xfrm>
           <a:prstGeom prst="rect">
@@ -13951,7 +15174,7 @@
         </p:nvSpPr>
         <p:spPr>
           <a:xfrm>
-            <a:off x="10307186" y="5562056"/>
+            <a:off x="10459589" y="5562056"/>
             <a:ext cx="1607723" cy="369332"/>
           </a:xfrm>
           <a:prstGeom prst="rect">
@@ -13986,9 +15209,1076 @@
   <p:timing>
     <p:tnLst>
       <p:par>
-        <p:cTn id="1" dur="indefinite" restart="never" nodeType="tmRoot"/>
+        <p:cTn id="1" dur="indefinite" restart="never" nodeType="tmRoot">
+          <p:childTnLst>
+            <p:seq concurrent="1" nextAc="seek">
+              <p:cTn id="2" dur="indefinite" nodeType="mainSeq">
+                <p:childTnLst>
+                  <p:par>
+                    <p:cTn id="3" fill="hold">
+                      <p:stCondLst>
+                        <p:cond delay="indefinite"/>
+                      </p:stCondLst>
+                      <p:childTnLst>
+                        <p:par>
+                          <p:cTn id="4" fill="hold">
+                            <p:stCondLst>
+                              <p:cond delay="0"/>
+                            </p:stCondLst>
+                            <p:childTnLst>
+                              <p:par>
+                                <p:cTn id="5" presetID="1" presetClass="entr" presetSubtype="0" fill="hold" grpId="0" nodeType="clickEffect">
+                                  <p:stCondLst>
+                                    <p:cond delay="0"/>
+                                  </p:stCondLst>
+                                  <p:childTnLst>
+                                    <p:set>
+                                      <p:cBhvr>
+                                        <p:cTn id="6" dur="1" fill="hold">
+                                          <p:stCondLst>
+                                            <p:cond delay="0"/>
+                                          </p:stCondLst>
+                                        </p:cTn>
+                                        <p:tgtEl>
+                                          <p:spTgt spid="3">
+                                            <p:txEl>
+                                              <p:pRg st="0" end="0"/>
+                                            </p:txEl>
+                                          </p:spTgt>
+                                        </p:tgtEl>
+                                        <p:attrNameLst>
+                                          <p:attrName>style.visibility</p:attrName>
+                                        </p:attrNameLst>
+                                      </p:cBhvr>
+                                      <p:to>
+                                        <p:strVal val="visible"/>
+                                      </p:to>
+                                    </p:set>
+                                  </p:childTnLst>
+                                </p:cTn>
+                              </p:par>
+                            </p:childTnLst>
+                          </p:cTn>
+                        </p:par>
+                      </p:childTnLst>
+                    </p:cTn>
+                  </p:par>
+                  <p:par>
+                    <p:cTn id="7" fill="hold">
+                      <p:stCondLst>
+                        <p:cond delay="indefinite"/>
+                      </p:stCondLst>
+                      <p:childTnLst>
+                        <p:par>
+                          <p:cTn id="8" fill="hold">
+                            <p:stCondLst>
+                              <p:cond delay="0"/>
+                            </p:stCondLst>
+                            <p:childTnLst>
+                              <p:par>
+                                <p:cTn id="9" presetID="1" presetClass="entr" presetSubtype="0" fill="hold" grpId="0" nodeType="clickEffect">
+                                  <p:stCondLst>
+                                    <p:cond delay="0"/>
+                                  </p:stCondLst>
+                                  <p:childTnLst>
+                                    <p:set>
+                                      <p:cBhvr>
+                                        <p:cTn id="10" dur="1" fill="hold">
+                                          <p:stCondLst>
+                                            <p:cond delay="0"/>
+                                          </p:stCondLst>
+                                        </p:cTn>
+                                        <p:tgtEl>
+                                          <p:spTgt spid="3">
+                                            <p:txEl>
+                                              <p:pRg st="1" end="1"/>
+                                            </p:txEl>
+                                          </p:spTgt>
+                                        </p:tgtEl>
+                                        <p:attrNameLst>
+                                          <p:attrName>style.visibility</p:attrName>
+                                        </p:attrNameLst>
+                                      </p:cBhvr>
+                                      <p:to>
+                                        <p:strVal val="visible"/>
+                                      </p:to>
+                                    </p:set>
+                                  </p:childTnLst>
+                                </p:cTn>
+                              </p:par>
+                            </p:childTnLst>
+                          </p:cTn>
+                        </p:par>
+                      </p:childTnLst>
+                    </p:cTn>
+                  </p:par>
+                  <p:par>
+                    <p:cTn id="11" fill="hold">
+                      <p:stCondLst>
+                        <p:cond delay="indefinite"/>
+                      </p:stCondLst>
+                      <p:childTnLst>
+                        <p:par>
+                          <p:cTn id="12" fill="hold">
+                            <p:stCondLst>
+                              <p:cond delay="0"/>
+                            </p:stCondLst>
+                            <p:childTnLst>
+                              <p:par>
+                                <p:cTn id="13" presetID="1" presetClass="entr" presetSubtype="0" fill="hold" grpId="0" nodeType="clickEffect">
+                                  <p:stCondLst>
+                                    <p:cond delay="0"/>
+                                  </p:stCondLst>
+                                  <p:childTnLst>
+                                    <p:set>
+                                      <p:cBhvr>
+                                        <p:cTn id="14" dur="1" fill="hold">
+                                          <p:stCondLst>
+                                            <p:cond delay="0"/>
+                                          </p:stCondLst>
+                                        </p:cTn>
+                                        <p:tgtEl>
+                                          <p:spTgt spid="3">
+                                            <p:txEl>
+                                              <p:pRg st="2" end="2"/>
+                                            </p:txEl>
+                                          </p:spTgt>
+                                        </p:tgtEl>
+                                        <p:attrNameLst>
+                                          <p:attrName>style.visibility</p:attrName>
+                                        </p:attrNameLst>
+                                      </p:cBhvr>
+                                      <p:to>
+                                        <p:strVal val="visible"/>
+                                      </p:to>
+                                    </p:set>
+                                  </p:childTnLst>
+                                </p:cTn>
+                              </p:par>
+                            </p:childTnLst>
+                          </p:cTn>
+                        </p:par>
+                      </p:childTnLst>
+                    </p:cTn>
+                  </p:par>
+                  <p:par>
+                    <p:cTn id="15" fill="hold">
+                      <p:stCondLst>
+                        <p:cond delay="indefinite"/>
+                      </p:stCondLst>
+                      <p:childTnLst>
+                        <p:par>
+                          <p:cTn id="16" fill="hold">
+                            <p:stCondLst>
+                              <p:cond delay="0"/>
+                            </p:stCondLst>
+                            <p:childTnLst>
+                              <p:par>
+                                <p:cTn id="17" presetID="1" presetClass="entr" presetSubtype="0" fill="hold" grpId="0" nodeType="clickEffect">
+                                  <p:stCondLst>
+                                    <p:cond delay="0"/>
+                                  </p:stCondLst>
+                                  <p:childTnLst>
+                                    <p:set>
+                                      <p:cBhvr>
+                                        <p:cTn id="18" dur="1" fill="hold">
+                                          <p:stCondLst>
+                                            <p:cond delay="0"/>
+                                          </p:stCondLst>
+                                        </p:cTn>
+                                        <p:tgtEl>
+                                          <p:spTgt spid="3">
+                                            <p:txEl>
+                                              <p:pRg st="3" end="3"/>
+                                            </p:txEl>
+                                          </p:spTgt>
+                                        </p:tgtEl>
+                                        <p:attrNameLst>
+                                          <p:attrName>style.visibility</p:attrName>
+                                        </p:attrNameLst>
+                                      </p:cBhvr>
+                                      <p:to>
+                                        <p:strVal val="visible"/>
+                                      </p:to>
+                                    </p:set>
+                                  </p:childTnLst>
+                                </p:cTn>
+                              </p:par>
+                            </p:childTnLst>
+                          </p:cTn>
+                        </p:par>
+                      </p:childTnLst>
+                    </p:cTn>
+                  </p:par>
+                  <p:par>
+                    <p:cTn id="19" fill="hold">
+                      <p:stCondLst>
+                        <p:cond delay="indefinite"/>
+                      </p:stCondLst>
+                      <p:childTnLst>
+                        <p:par>
+                          <p:cTn id="20" fill="hold">
+                            <p:stCondLst>
+                              <p:cond delay="0"/>
+                            </p:stCondLst>
+                            <p:childTnLst>
+                              <p:par>
+                                <p:cTn id="21" presetID="1" presetClass="entr" presetSubtype="0" fill="hold" grpId="0" nodeType="clickEffect">
+                                  <p:stCondLst>
+                                    <p:cond delay="0"/>
+                                  </p:stCondLst>
+                                  <p:childTnLst>
+                                    <p:set>
+                                      <p:cBhvr>
+                                        <p:cTn id="22" dur="1" fill="hold">
+                                          <p:stCondLst>
+                                            <p:cond delay="0"/>
+                                          </p:stCondLst>
+                                        </p:cTn>
+                                        <p:tgtEl>
+                                          <p:spTgt spid="3">
+                                            <p:txEl>
+                                              <p:pRg st="4" end="4"/>
+                                            </p:txEl>
+                                          </p:spTgt>
+                                        </p:tgtEl>
+                                        <p:attrNameLst>
+                                          <p:attrName>style.visibility</p:attrName>
+                                        </p:attrNameLst>
+                                      </p:cBhvr>
+                                      <p:to>
+                                        <p:strVal val="visible"/>
+                                      </p:to>
+                                    </p:set>
+                                  </p:childTnLst>
+                                </p:cTn>
+                              </p:par>
+                            </p:childTnLst>
+                          </p:cTn>
+                        </p:par>
+                      </p:childTnLst>
+                    </p:cTn>
+                  </p:par>
+                  <p:par>
+                    <p:cTn id="23" fill="hold">
+                      <p:stCondLst>
+                        <p:cond delay="indefinite"/>
+                      </p:stCondLst>
+                      <p:childTnLst>
+                        <p:par>
+                          <p:cTn id="24" fill="hold">
+                            <p:stCondLst>
+                              <p:cond delay="0"/>
+                            </p:stCondLst>
+                            <p:childTnLst>
+                              <p:par>
+                                <p:cTn id="25" presetID="1" presetClass="entr" presetSubtype="0" fill="hold" grpId="0" nodeType="clickEffect">
+                                  <p:stCondLst>
+                                    <p:cond delay="0"/>
+                                  </p:stCondLst>
+                                  <p:childTnLst>
+                                    <p:set>
+                                      <p:cBhvr>
+                                        <p:cTn id="26" dur="1" fill="hold">
+                                          <p:stCondLst>
+                                            <p:cond delay="0"/>
+                                          </p:stCondLst>
+                                        </p:cTn>
+                                        <p:tgtEl>
+                                          <p:spTgt spid="3">
+                                            <p:txEl>
+                                              <p:pRg st="5" end="5"/>
+                                            </p:txEl>
+                                          </p:spTgt>
+                                        </p:tgtEl>
+                                        <p:attrNameLst>
+                                          <p:attrName>style.visibility</p:attrName>
+                                        </p:attrNameLst>
+                                      </p:cBhvr>
+                                      <p:to>
+                                        <p:strVal val="visible"/>
+                                      </p:to>
+                                    </p:set>
+                                  </p:childTnLst>
+                                </p:cTn>
+                              </p:par>
+                            </p:childTnLst>
+                          </p:cTn>
+                        </p:par>
+                      </p:childTnLst>
+                    </p:cTn>
+                  </p:par>
+                  <p:par>
+                    <p:cTn id="27" fill="hold">
+                      <p:stCondLst>
+                        <p:cond delay="indefinite"/>
+                      </p:stCondLst>
+                      <p:childTnLst>
+                        <p:par>
+                          <p:cTn id="28" fill="hold">
+                            <p:stCondLst>
+                              <p:cond delay="0"/>
+                            </p:stCondLst>
+                            <p:childTnLst>
+                              <p:par>
+                                <p:cTn id="29" presetID="1" presetClass="entr" presetSubtype="0" fill="hold" grpId="0" nodeType="clickEffect">
+                                  <p:stCondLst>
+                                    <p:cond delay="0"/>
+                                  </p:stCondLst>
+                                  <p:childTnLst>
+                                    <p:set>
+                                      <p:cBhvr>
+                                        <p:cTn id="30" dur="1" fill="hold">
+                                          <p:stCondLst>
+                                            <p:cond delay="0"/>
+                                          </p:stCondLst>
+                                        </p:cTn>
+                                        <p:tgtEl>
+                                          <p:spTgt spid="3">
+                                            <p:txEl>
+                                              <p:pRg st="6" end="6"/>
+                                            </p:txEl>
+                                          </p:spTgt>
+                                        </p:tgtEl>
+                                        <p:attrNameLst>
+                                          <p:attrName>style.visibility</p:attrName>
+                                        </p:attrNameLst>
+                                      </p:cBhvr>
+                                      <p:to>
+                                        <p:strVal val="visible"/>
+                                      </p:to>
+                                    </p:set>
+                                  </p:childTnLst>
+                                </p:cTn>
+                              </p:par>
+                              <p:par>
+                                <p:cTn id="31" presetID="1" presetClass="entr" presetSubtype="0" fill="hold" grpId="0" nodeType="withEffect">
+                                  <p:stCondLst>
+                                    <p:cond delay="0"/>
+                                  </p:stCondLst>
+                                  <p:childTnLst>
+                                    <p:set>
+                                      <p:cBhvr>
+                                        <p:cTn id="32" dur="1" fill="hold">
+                                          <p:stCondLst>
+                                            <p:cond delay="0"/>
+                                          </p:stCondLst>
+                                        </p:cTn>
+                                        <p:tgtEl>
+                                          <p:spTgt spid="3">
+                                            <p:txEl>
+                                              <p:pRg st="7" end="7"/>
+                                            </p:txEl>
+                                          </p:spTgt>
+                                        </p:tgtEl>
+                                        <p:attrNameLst>
+                                          <p:attrName>style.visibility</p:attrName>
+                                        </p:attrNameLst>
+                                      </p:cBhvr>
+                                      <p:to>
+                                        <p:strVal val="visible"/>
+                                      </p:to>
+                                    </p:set>
+                                  </p:childTnLst>
+                                </p:cTn>
+                              </p:par>
+                              <p:par>
+                                <p:cTn id="33" presetID="1" presetClass="entr" presetSubtype="0" fill="hold" grpId="0" nodeType="withEffect">
+                                  <p:stCondLst>
+                                    <p:cond delay="0"/>
+                                  </p:stCondLst>
+                                  <p:childTnLst>
+                                    <p:set>
+                                      <p:cBhvr>
+                                        <p:cTn id="34" dur="1" fill="hold">
+                                          <p:stCondLst>
+                                            <p:cond delay="0"/>
+                                          </p:stCondLst>
+                                        </p:cTn>
+                                        <p:tgtEl>
+                                          <p:spTgt spid="3">
+                                            <p:txEl>
+                                              <p:pRg st="8" end="8"/>
+                                            </p:txEl>
+                                          </p:spTgt>
+                                        </p:tgtEl>
+                                        <p:attrNameLst>
+                                          <p:attrName>style.visibility</p:attrName>
+                                        </p:attrNameLst>
+                                      </p:cBhvr>
+                                      <p:to>
+                                        <p:strVal val="visible"/>
+                                      </p:to>
+                                    </p:set>
+                                  </p:childTnLst>
+                                </p:cTn>
+                              </p:par>
+                              <p:par>
+                                <p:cTn id="35" presetID="1" presetClass="entr" presetSubtype="0" fill="hold" grpId="0" nodeType="withEffect">
+                                  <p:stCondLst>
+                                    <p:cond delay="0"/>
+                                  </p:stCondLst>
+                                  <p:childTnLst>
+                                    <p:set>
+                                      <p:cBhvr>
+                                        <p:cTn id="36" dur="1" fill="hold">
+                                          <p:stCondLst>
+                                            <p:cond delay="0"/>
+                                          </p:stCondLst>
+                                        </p:cTn>
+                                        <p:tgtEl>
+                                          <p:spTgt spid="3">
+                                            <p:txEl>
+                                              <p:pRg st="9" end="9"/>
+                                            </p:txEl>
+                                          </p:spTgt>
+                                        </p:tgtEl>
+                                        <p:attrNameLst>
+                                          <p:attrName>style.visibility</p:attrName>
+                                        </p:attrNameLst>
+                                      </p:cBhvr>
+                                      <p:to>
+                                        <p:strVal val="visible"/>
+                                      </p:to>
+                                    </p:set>
+                                  </p:childTnLst>
+                                </p:cTn>
+                              </p:par>
+                              <p:par>
+                                <p:cTn id="37" presetID="1" presetClass="entr" presetSubtype="0" fill="hold" grpId="0" nodeType="withEffect">
+                                  <p:stCondLst>
+                                    <p:cond delay="0"/>
+                                  </p:stCondLst>
+                                  <p:childTnLst>
+                                    <p:set>
+                                      <p:cBhvr>
+                                        <p:cTn id="38" dur="1" fill="hold">
+                                          <p:stCondLst>
+                                            <p:cond delay="0"/>
+                                          </p:stCondLst>
+                                        </p:cTn>
+                                        <p:tgtEl>
+                                          <p:spTgt spid="3">
+                                            <p:txEl>
+                                              <p:pRg st="10" end="10"/>
+                                            </p:txEl>
+                                          </p:spTgt>
+                                        </p:tgtEl>
+                                        <p:attrNameLst>
+                                          <p:attrName>style.visibility</p:attrName>
+                                        </p:attrNameLst>
+                                      </p:cBhvr>
+                                      <p:to>
+                                        <p:strVal val="visible"/>
+                                      </p:to>
+                                    </p:set>
+                                  </p:childTnLst>
+                                </p:cTn>
+                              </p:par>
+                              <p:par>
+                                <p:cTn id="39" presetID="1" presetClass="entr" presetSubtype="0" fill="hold" grpId="0" nodeType="withEffect">
+                                  <p:stCondLst>
+                                    <p:cond delay="0"/>
+                                  </p:stCondLst>
+                                  <p:childTnLst>
+                                    <p:set>
+                                      <p:cBhvr>
+                                        <p:cTn id="40" dur="1" fill="hold">
+                                          <p:stCondLst>
+                                            <p:cond delay="0"/>
+                                          </p:stCondLst>
+                                        </p:cTn>
+                                        <p:tgtEl>
+                                          <p:spTgt spid="3">
+                                            <p:txEl>
+                                              <p:pRg st="11" end="11"/>
+                                            </p:txEl>
+                                          </p:spTgt>
+                                        </p:tgtEl>
+                                        <p:attrNameLst>
+                                          <p:attrName>style.visibility</p:attrName>
+                                        </p:attrNameLst>
+                                      </p:cBhvr>
+                                      <p:to>
+                                        <p:strVal val="visible"/>
+                                      </p:to>
+                                    </p:set>
+                                  </p:childTnLst>
+                                </p:cTn>
+                              </p:par>
+                            </p:childTnLst>
+                          </p:cTn>
+                        </p:par>
+                      </p:childTnLst>
+                    </p:cTn>
+                  </p:par>
+                  <p:par>
+                    <p:cTn id="41" fill="hold">
+                      <p:stCondLst>
+                        <p:cond delay="indefinite"/>
+                      </p:stCondLst>
+                      <p:childTnLst>
+                        <p:par>
+                          <p:cTn id="42" fill="hold">
+                            <p:stCondLst>
+                              <p:cond delay="0"/>
+                            </p:stCondLst>
+                            <p:childTnLst>
+                              <p:par>
+                                <p:cTn id="43" presetID="1" presetClass="entr" presetSubtype="0" fill="hold" grpId="0" nodeType="clickEffect">
+                                  <p:stCondLst>
+                                    <p:cond delay="0"/>
+                                  </p:stCondLst>
+                                  <p:childTnLst>
+                                    <p:set>
+                                      <p:cBhvr>
+                                        <p:cTn id="44" dur="1" fill="hold">
+                                          <p:stCondLst>
+                                            <p:cond delay="0"/>
+                                          </p:stCondLst>
+                                        </p:cTn>
+                                        <p:tgtEl>
+                                          <p:spTgt spid="4"/>
+                                        </p:tgtEl>
+                                        <p:attrNameLst>
+                                          <p:attrName>style.visibility</p:attrName>
+                                        </p:attrNameLst>
+                                      </p:cBhvr>
+                                      <p:to>
+                                        <p:strVal val="visible"/>
+                                      </p:to>
+                                    </p:set>
+                                  </p:childTnLst>
+                                </p:cTn>
+                              </p:par>
+                              <p:par>
+                                <p:cTn id="45" presetID="1" presetClass="entr" presetSubtype="0" fill="hold" grpId="0" nodeType="withEffect">
+                                  <p:stCondLst>
+                                    <p:cond delay="0"/>
+                                  </p:stCondLst>
+                                  <p:childTnLst>
+                                    <p:set>
+                                      <p:cBhvr>
+                                        <p:cTn id="46" dur="1" fill="hold">
+                                          <p:stCondLst>
+                                            <p:cond delay="0"/>
+                                          </p:stCondLst>
+                                        </p:cTn>
+                                        <p:tgtEl>
+                                          <p:spTgt spid="5"/>
+                                        </p:tgtEl>
+                                        <p:attrNameLst>
+                                          <p:attrName>style.visibility</p:attrName>
+                                        </p:attrNameLst>
+                                      </p:cBhvr>
+                                      <p:to>
+                                        <p:strVal val="visible"/>
+                                      </p:to>
+                                    </p:set>
+                                  </p:childTnLst>
+                                </p:cTn>
+                              </p:par>
+                              <p:par>
+                                <p:cTn id="47" presetID="1" presetClass="entr" presetSubtype="0" fill="hold" grpId="0" nodeType="withEffect">
+                                  <p:stCondLst>
+                                    <p:cond delay="0"/>
+                                  </p:stCondLst>
+                                  <p:childTnLst>
+                                    <p:set>
+                                      <p:cBhvr>
+                                        <p:cTn id="48" dur="1" fill="hold">
+                                          <p:stCondLst>
+                                            <p:cond delay="0"/>
+                                          </p:stCondLst>
+                                        </p:cTn>
+                                        <p:tgtEl>
+                                          <p:spTgt spid="6"/>
+                                        </p:tgtEl>
+                                        <p:attrNameLst>
+                                          <p:attrName>style.visibility</p:attrName>
+                                        </p:attrNameLst>
+                                      </p:cBhvr>
+                                      <p:to>
+                                        <p:strVal val="visible"/>
+                                      </p:to>
+                                    </p:set>
+                                  </p:childTnLst>
+                                </p:cTn>
+                              </p:par>
+                              <p:par>
+                                <p:cTn id="49" presetID="1" presetClass="entr" presetSubtype="0" fill="hold" grpId="0" nodeType="withEffect">
+                                  <p:stCondLst>
+                                    <p:cond delay="0"/>
+                                  </p:stCondLst>
+                                  <p:childTnLst>
+                                    <p:set>
+                                      <p:cBhvr>
+                                        <p:cTn id="50" dur="1" fill="hold">
+                                          <p:stCondLst>
+                                            <p:cond delay="0"/>
+                                          </p:stCondLst>
+                                        </p:cTn>
+                                        <p:tgtEl>
+                                          <p:spTgt spid="7"/>
+                                        </p:tgtEl>
+                                        <p:attrNameLst>
+                                          <p:attrName>style.visibility</p:attrName>
+                                        </p:attrNameLst>
+                                      </p:cBhvr>
+                                      <p:to>
+                                        <p:strVal val="visible"/>
+                                      </p:to>
+                                    </p:set>
+                                  </p:childTnLst>
+                                </p:cTn>
+                              </p:par>
+                              <p:par>
+                                <p:cTn id="51" presetID="1" presetClass="entr" presetSubtype="0" fill="hold" nodeType="withEffect">
+                                  <p:stCondLst>
+                                    <p:cond delay="0"/>
+                                  </p:stCondLst>
+                                  <p:childTnLst>
+                                    <p:set>
+                                      <p:cBhvr>
+                                        <p:cTn id="52" dur="1" fill="hold">
+                                          <p:stCondLst>
+                                            <p:cond delay="0"/>
+                                          </p:stCondLst>
+                                        </p:cTn>
+                                        <p:tgtEl>
+                                          <p:spTgt spid="9"/>
+                                        </p:tgtEl>
+                                        <p:attrNameLst>
+                                          <p:attrName>style.visibility</p:attrName>
+                                        </p:attrNameLst>
+                                      </p:cBhvr>
+                                      <p:to>
+                                        <p:strVal val="visible"/>
+                                      </p:to>
+                                    </p:set>
+                                  </p:childTnLst>
+                                </p:cTn>
+                              </p:par>
+                              <p:par>
+                                <p:cTn id="53" presetID="1" presetClass="entr" presetSubtype="0" fill="hold" nodeType="withEffect">
+                                  <p:stCondLst>
+                                    <p:cond delay="0"/>
+                                  </p:stCondLst>
+                                  <p:childTnLst>
+                                    <p:set>
+                                      <p:cBhvr>
+                                        <p:cTn id="54" dur="1" fill="hold">
+                                          <p:stCondLst>
+                                            <p:cond delay="0"/>
+                                          </p:stCondLst>
+                                        </p:cTn>
+                                        <p:tgtEl>
+                                          <p:spTgt spid="12"/>
+                                        </p:tgtEl>
+                                        <p:attrNameLst>
+                                          <p:attrName>style.visibility</p:attrName>
+                                        </p:attrNameLst>
+                                      </p:cBhvr>
+                                      <p:to>
+                                        <p:strVal val="visible"/>
+                                      </p:to>
+                                    </p:set>
+                                  </p:childTnLst>
+                                </p:cTn>
+                              </p:par>
+                              <p:par>
+                                <p:cTn id="55" presetID="1" presetClass="entr" presetSubtype="0" fill="hold" nodeType="withEffect">
+                                  <p:stCondLst>
+                                    <p:cond delay="0"/>
+                                  </p:stCondLst>
+                                  <p:childTnLst>
+                                    <p:set>
+                                      <p:cBhvr>
+                                        <p:cTn id="56" dur="1" fill="hold">
+                                          <p:stCondLst>
+                                            <p:cond delay="0"/>
+                                          </p:stCondLst>
+                                        </p:cTn>
+                                        <p:tgtEl>
+                                          <p:spTgt spid="14"/>
+                                        </p:tgtEl>
+                                        <p:attrNameLst>
+                                          <p:attrName>style.visibility</p:attrName>
+                                        </p:attrNameLst>
+                                      </p:cBhvr>
+                                      <p:to>
+                                        <p:strVal val="visible"/>
+                                      </p:to>
+                                    </p:set>
+                                  </p:childTnLst>
+                                </p:cTn>
+                              </p:par>
+                              <p:par>
+                                <p:cTn id="57" presetID="1" presetClass="entr" presetSubtype="0" fill="hold" grpId="0" nodeType="withEffect">
+                                  <p:stCondLst>
+                                    <p:cond delay="0"/>
+                                  </p:stCondLst>
+                                  <p:childTnLst>
+                                    <p:set>
+                                      <p:cBhvr>
+                                        <p:cTn id="58" dur="1" fill="hold">
+                                          <p:stCondLst>
+                                            <p:cond delay="0"/>
+                                          </p:stCondLst>
+                                        </p:cTn>
+                                        <p:tgtEl>
+                                          <p:spTgt spid="17"/>
+                                        </p:tgtEl>
+                                        <p:attrNameLst>
+                                          <p:attrName>style.visibility</p:attrName>
+                                        </p:attrNameLst>
+                                      </p:cBhvr>
+                                      <p:to>
+                                        <p:strVal val="visible"/>
+                                      </p:to>
+                                    </p:set>
+                                  </p:childTnLst>
+                                </p:cTn>
+                              </p:par>
+                              <p:par>
+                                <p:cTn id="59" presetID="1" presetClass="entr" presetSubtype="0" fill="hold" grpId="0" nodeType="withEffect">
+                                  <p:stCondLst>
+                                    <p:cond delay="0"/>
+                                  </p:stCondLst>
+                                  <p:childTnLst>
+                                    <p:set>
+                                      <p:cBhvr>
+                                        <p:cTn id="60" dur="1" fill="hold">
+                                          <p:stCondLst>
+                                            <p:cond delay="0"/>
+                                          </p:stCondLst>
+                                        </p:cTn>
+                                        <p:tgtEl>
+                                          <p:spTgt spid="18"/>
+                                        </p:tgtEl>
+                                        <p:attrNameLst>
+                                          <p:attrName>style.visibility</p:attrName>
+                                        </p:attrNameLst>
+                                      </p:cBhvr>
+                                      <p:to>
+                                        <p:strVal val="visible"/>
+                                      </p:to>
+                                    </p:set>
+                                  </p:childTnLst>
+                                </p:cTn>
+                              </p:par>
+                              <p:par>
+                                <p:cTn id="61" presetID="1" presetClass="entr" presetSubtype="0" fill="hold" grpId="0" nodeType="withEffect">
+                                  <p:stCondLst>
+                                    <p:cond delay="0"/>
+                                  </p:stCondLst>
+                                  <p:childTnLst>
+                                    <p:set>
+                                      <p:cBhvr>
+                                        <p:cTn id="62" dur="1" fill="hold">
+                                          <p:stCondLst>
+                                            <p:cond delay="0"/>
+                                          </p:stCondLst>
+                                        </p:cTn>
+                                        <p:tgtEl>
+                                          <p:spTgt spid="19"/>
+                                        </p:tgtEl>
+                                        <p:attrNameLst>
+                                          <p:attrName>style.visibility</p:attrName>
+                                        </p:attrNameLst>
+                                      </p:cBhvr>
+                                      <p:to>
+                                        <p:strVal val="visible"/>
+                                      </p:to>
+                                    </p:set>
+                                  </p:childTnLst>
+                                </p:cTn>
+                              </p:par>
+                              <p:par>
+                                <p:cTn id="63" presetID="1" presetClass="entr" presetSubtype="0" fill="hold" grpId="0" nodeType="withEffect">
+                                  <p:stCondLst>
+                                    <p:cond delay="0"/>
+                                  </p:stCondLst>
+                                  <p:childTnLst>
+                                    <p:set>
+                                      <p:cBhvr>
+                                        <p:cTn id="64" dur="1" fill="hold">
+                                          <p:stCondLst>
+                                            <p:cond delay="0"/>
+                                          </p:stCondLst>
+                                        </p:cTn>
+                                        <p:tgtEl>
+                                          <p:spTgt spid="20"/>
+                                        </p:tgtEl>
+                                        <p:attrNameLst>
+                                          <p:attrName>style.visibility</p:attrName>
+                                        </p:attrNameLst>
+                                      </p:cBhvr>
+                                      <p:to>
+                                        <p:strVal val="visible"/>
+                                      </p:to>
+                                    </p:set>
+                                  </p:childTnLst>
+                                </p:cTn>
+                              </p:par>
+                              <p:par>
+                                <p:cTn id="65" presetID="1" presetClass="entr" presetSubtype="0" fill="hold" grpId="0" nodeType="withEffect">
+                                  <p:stCondLst>
+                                    <p:cond delay="0"/>
+                                  </p:stCondLst>
+                                  <p:childTnLst>
+                                    <p:set>
+                                      <p:cBhvr>
+                                        <p:cTn id="66" dur="1" fill="hold">
+                                          <p:stCondLst>
+                                            <p:cond delay="0"/>
+                                          </p:stCondLst>
+                                        </p:cTn>
+                                        <p:tgtEl>
+                                          <p:spTgt spid="21"/>
+                                        </p:tgtEl>
+                                        <p:attrNameLst>
+                                          <p:attrName>style.visibility</p:attrName>
+                                        </p:attrNameLst>
+                                      </p:cBhvr>
+                                      <p:to>
+                                        <p:strVal val="visible"/>
+                                      </p:to>
+                                    </p:set>
+                                  </p:childTnLst>
+                                </p:cTn>
+                              </p:par>
+                              <p:par>
+                                <p:cTn id="67" presetID="1" presetClass="entr" presetSubtype="0" fill="hold" nodeType="withEffect">
+                                  <p:stCondLst>
+                                    <p:cond delay="0"/>
+                                  </p:stCondLst>
+                                  <p:childTnLst>
+                                    <p:set>
+                                      <p:cBhvr>
+                                        <p:cTn id="68" dur="1" fill="hold">
+                                          <p:stCondLst>
+                                            <p:cond delay="0"/>
+                                          </p:stCondLst>
+                                        </p:cTn>
+                                        <p:tgtEl>
+                                          <p:spTgt spid="23"/>
+                                        </p:tgtEl>
+                                        <p:attrNameLst>
+                                          <p:attrName>style.visibility</p:attrName>
+                                        </p:attrNameLst>
+                                      </p:cBhvr>
+                                      <p:to>
+                                        <p:strVal val="visible"/>
+                                      </p:to>
+                                    </p:set>
+                                  </p:childTnLst>
+                                </p:cTn>
+                              </p:par>
+                              <p:par>
+                                <p:cTn id="69" presetID="1" presetClass="entr" presetSubtype="0" fill="hold" nodeType="withEffect">
+                                  <p:stCondLst>
+                                    <p:cond delay="0"/>
+                                  </p:stCondLst>
+                                  <p:childTnLst>
+                                    <p:set>
+                                      <p:cBhvr>
+                                        <p:cTn id="70" dur="1" fill="hold">
+                                          <p:stCondLst>
+                                            <p:cond delay="0"/>
+                                          </p:stCondLst>
+                                        </p:cTn>
+                                        <p:tgtEl>
+                                          <p:spTgt spid="25"/>
+                                        </p:tgtEl>
+                                        <p:attrNameLst>
+                                          <p:attrName>style.visibility</p:attrName>
+                                        </p:attrNameLst>
+                                      </p:cBhvr>
+                                      <p:to>
+                                        <p:strVal val="visible"/>
+                                      </p:to>
+                                    </p:set>
+                                  </p:childTnLst>
+                                </p:cTn>
+                              </p:par>
+                              <p:par>
+                                <p:cTn id="71" presetID="1" presetClass="entr" presetSubtype="0" fill="hold" nodeType="withEffect">
+                                  <p:stCondLst>
+                                    <p:cond delay="0"/>
+                                  </p:stCondLst>
+                                  <p:childTnLst>
+                                    <p:set>
+                                      <p:cBhvr>
+                                        <p:cTn id="72" dur="1" fill="hold">
+                                          <p:stCondLst>
+                                            <p:cond delay="0"/>
+                                          </p:stCondLst>
+                                        </p:cTn>
+                                        <p:tgtEl>
+                                          <p:spTgt spid="27"/>
+                                        </p:tgtEl>
+                                        <p:attrNameLst>
+                                          <p:attrName>style.visibility</p:attrName>
+                                        </p:attrNameLst>
+                                      </p:cBhvr>
+                                      <p:to>
+                                        <p:strVal val="visible"/>
+                                      </p:to>
+                                    </p:set>
+                                  </p:childTnLst>
+                                </p:cTn>
+                              </p:par>
+                              <p:par>
+                                <p:cTn id="73" presetID="1" presetClass="entr" presetSubtype="0" fill="hold" nodeType="withEffect">
+                                  <p:stCondLst>
+                                    <p:cond delay="0"/>
+                                  </p:stCondLst>
+                                  <p:childTnLst>
+                                    <p:set>
+                                      <p:cBhvr>
+                                        <p:cTn id="74" dur="1" fill="hold">
+                                          <p:stCondLst>
+                                            <p:cond delay="0"/>
+                                          </p:stCondLst>
+                                        </p:cTn>
+                                        <p:tgtEl>
+                                          <p:spTgt spid="29"/>
+                                        </p:tgtEl>
+                                        <p:attrNameLst>
+                                          <p:attrName>style.visibility</p:attrName>
+                                        </p:attrNameLst>
+                                      </p:cBhvr>
+                                      <p:to>
+                                        <p:strVal val="visible"/>
+                                      </p:to>
+                                    </p:set>
+                                  </p:childTnLst>
+                                </p:cTn>
+                              </p:par>
+                              <p:par>
+                                <p:cTn id="75" presetID="1" presetClass="entr" presetSubtype="0" fill="hold" grpId="0" nodeType="withEffect">
+                                  <p:stCondLst>
+                                    <p:cond delay="0"/>
+                                  </p:stCondLst>
+                                  <p:childTnLst>
+                                    <p:set>
+                                      <p:cBhvr>
+                                        <p:cTn id="76" dur="1" fill="hold">
+                                          <p:stCondLst>
+                                            <p:cond delay="0"/>
+                                          </p:stCondLst>
+                                        </p:cTn>
+                                        <p:tgtEl>
+                                          <p:spTgt spid="30"/>
+                                        </p:tgtEl>
+                                        <p:attrNameLst>
+                                          <p:attrName>style.visibility</p:attrName>
+                                        </p:attrNameLst>
+                                      </p:cBhvr>
+                                      <p:to>
+                                        <p:strVal val="visible"/>
+                                      </p:to>
+                                    </p:set>
+                                  </p:childTnLst>
+                                </p:cTn>
+                              </p:par>
+                              <p:par>
+                                <p:cTn id="77" presetID="1" presetClass="entr" presetSubtype="0" fill="hold" grpId="0" nodeType="withEffect">
+                                  <p:stCondLst>
+                                    <p:cond delay="0"/>
+                                  </p:stCondLst>
+                                  <p:childTnLst>
+                                    <p:set>
+                                      <p:cBhvr>
+                                        <p:cTn id="78" dur="1" fill="hold">
+                                          <p:stCondLst>
+                                            <p:cond delay="0"/>
+                                          </p:stCondLst>
+                                        </p:cTn>
+                                        <p:tgtEl>
+                                          <p:spTgt spid="31"/>
+                                        </p:tgtEl>
+                                        <p:attrNameLst>
+                                          <p:attrName>style.visibility</p:attrName>
+                                        </p:attrNameLst>
+                                      </p:cBhvr>
+                                      <p:to>
+                                        <p:strVal val="visible"/>
+                                      </p:to>
+                                    </p:set>
+                                  </p:childTnLst>
+                                </p:cTn>
+                              </p:par>
+                              <p:par>
+                                <p:cTn id="79" presetID="1" presetClass="entr" presetSubtype="0" fill="hold" grpId="0" nodeType="withEffect">
+                                  <p:stCondLst>
+                                    <p:cond delay="0"/>
+                                  </p:stCondLst>
+                                  <p:childTnLst>
+                                    <p:set>
+                                      <p:cBhvr>
+                                        <p:cTn id="80" dur="1" fill="hold">
+                                          <p:stCondLst>
+                                            <p:cond delay="0"/>
+                                          </p:stCondLst>
+                                        </p:cTn>
+                                        <p:tgtEl>
+                                          <p:spTgt spid="32"/>
+                                        </p:tgtEl>
+                                        <p:attrNameLst>
+                                          <p:attrName>style.visibility</p:attrName>
+                                        </p:attrNameLst>
+                                      </p:cBhvr>
+                                      <p:to>
+                                        <p:strVal val="visible"/>
+                                      </p:to>
+                                    </p:set>
+                                  </p:childTnLst>
+                                </p:cTn>
+                              </p:par>
+                            </p:childTnLst>
+                          </p:cTn>
+                        </p:par>
+                      </p:childTnLst>
+                    </p:cTn>
+                  </p:par>
+                </p:childTnLst>
+              </p:cTn>
+              <p:prevCondLst>
+                <p:cond evt="onPrev" delay="0">
+                  <p:tgtEl>
+                    <p:sldTgt/>
+                  </p:tgtEl>
+                </p:cond>
+              </p:prevCondLst>
+              <p:nextCondLst>
+                <p:cond evt="onNext" delay="0">
+                  <p:tgtEl>
+                    <p:sldTgt/>
+                  </p:tgtEl>
+                </p:cond>
+              </p:nextCondLst>
+            </p:seq>
+          </p:childTnLst>
+        </p:cTn>
       </p:par>
     </p:tnLst>
+    <p:bldLst>
+      <p:bldP spid="3" grpId="0" build="p"/>
+      <p:bldP spid="4" grpId="0" animBg="1"/>
+      <p:bldP spid="5" grpId="0" animBg="1"/>
+      <p:bldP spid="6" grpId="0" animBg="1"/>
+      <p:bldP spid="7" grpId="0" animBg="1"/>
+      <p:bldP spid="17" grpId="0" animBg="1"/>
+      <p:bldP spid="18" grpId="0" animBg="1"/>
+      <p:bldP spid="19" grpId="0" animBg="1"/>
+      <p:bldP spid="20" grpId="0" animBg="1"/>
+      <p:bldP spid="21" grpId="0" animBg="1"/>
+      <p:bldP spid="30" grpId="0"/>
+      <p:bldP spid="31" grpId="0"/>
+      <p:bldP spid="32" grpId="0"/>
+    </p:bldLst>
   </p:timing>
 </p:sld>
 </file>
@@ -14020,7 +16310,12 @@
             <p:ph type="title"/>
           </p:nvPr>
         </p:nvSpPr>
-        <p:spPr/>
+        <p:spPr>
+          <a:xfrm>
+            <a:off x="816635" y="241277"/>
+            <a:ext cx="10515600" cy="880791"/>
+          </a:xfrm>
+        </p:spPr>
         <p:txBody>
           <a:bodyPr/>
           <a:lstStyle/>
@@ -14047,7 +16342,7 @@
             </p:nvSpPr>
             <p:spPr>
               <a:xfrm>
-                <a:off x="838200" y="1513820"/>
+                <a:off x="838200" y="1095811"/>
                 <a:ext cx="10515600" cy="4351338"/>
               </a:xfrm>
             </p:spPr>
@@ -14186,16 +16481,24 @@
                       <a:rPr lang="en-CA" b="0" i="1" smtClean="0">
                         <a:latin typeface="Cambria Math" panose="02040503050406030204" pitchFamily="18" charset="0"/>
                       </a:rPr>
-                      <m:t>𝑝𝑛𝑙𝑜</m:t>
+                      <m:t>𝑝𝑛𝑙𝑜𝑔𝑝𝑛</m:t>
                     </m:r>
                     <m:r>
                       <a:rPr lang="en-CA" b="0" i="1" smtClean="0">
                         <a:latin typeface="Cambria Math" panose="02040503050406030204" pitchFamily="18" charset="0"/>
                       </a:rPr>
-                      <m:t>𝑔𝑝𝑛</m:t>
+                      <m:t>   </m:t>
                     </m:r>
                   </m:oMath>
                 </a14:m>
+                <a:endParaRPr lang="en-CA" dirty="0" smtClean="0"/>
+              </a:p>
+              <a:p>
+                <a:pPr lvl="1"/>
+                <a:r>
+                  <a:rPr lang="en-CA" dirty="0" smtClean="0"/>
+                  <a:t>Measured in units of bits</a:t>
+                </a:r>
                 <a:endParaRPr lang="en-CA" dirty="0" smtClean="0"/>
               </a:p>
               <a:p>
@@ -14853,7 +17156,7 @@
                     <m:d>
                       <m:dPr>
                         <m:ctrlPr>
-                          <a:rPr lang="en-CA" sz="2400" b="0" i="0" smtClean="0">
+                          <a:rPr lang="en-CA" sz="2400" b="0" i="1" smtClean="0">
                             <a:latin typeface="Cambria Math" panose="02040503050406030204" pitchFamily="18" charset="0"/>
                           </a:rPr>
                         </m:ctrlPr>
@@ -14862,7 +17165,7 @@
                         <m:f>
                           <m:fPr>
                             <m:ctrlPr>
-                              <a:rPr lang="en-CA" sz="2400" b="0" i="0" smtClean="0">
+                              <a:rPr lang="en-CA" sz="2400" b="0" i="1" smtClean="0">
                                 <a:latin typeface="Cambria Math" panose="02040503050406030204" pitchFamily="18" charset="0"/>
                               </a:rPr>
                             </m:ctrlPr>
@@ -14893,7 +17196,7 @@
                         <m:f>
                           <m:fPr>
                             <m:ctrlPr>
-                              <a:rPr lang="en-CA" sz="2400" b="0" i="0" smtClean="0">
+                              <a:rPr lang="en-CA" sz="2400" b="0" i="1" smtClean="0">
                                 <a:latin typeface="Cambria Math" panose="02040503050406030204" pitchFamily="18" charset="0"/>
                               </a:rPr>
                             </m:ctrlPr>
@@ -14926,7 +17229,7 @@
                     <m:f>
                       <m:fPr>
                         <m:ctrlPr>
-                          <a:rPr lang="en-CA" sz="2400" b="0" i="0" smtClean="0">
+                          <a:rPr lang="en-CA" sz="2400" b="0" i="1" smtClean="0">
                             <a:latin typeface="Cambria Math" panose="02040503050406030204" pitchFamily="18" charset="0"/>
                           </a:rPr>
                         </m:ctrlPr>
@@ -14966,7 +17269,7 @@
                     <m:f>
                       <m:fPr>
                         <m:ctrlPr>
-                          <a:rPr lang="en-CA" sz="2400" b="0" i="0" smtClean="0">
+                          <a:rPr lang="en-CA" sz="2400" b="0" i="1" smtClean="0">
                             <a:latin typeface="Cambria Math" panose="02040503050406030204" pitchFamily="18" charset="0"/>
                           </a:rPr>
                         </m:ctrlPr>
@@ -14997,7 +17300,7 @@
                     <m:f>
                       <m:fPr>
                         <m:ctrlPr>
-                          <a:rPr lang="en-CA" sz="2400" b="0" i="0" smtClean="0">
+                          <a:rPr lang="en-CA" sz="2400" b="0" i="1" smtClean="0">
                             <a:latin typeface="Cambria Math" panose="02040503050406030204" pitchFamily="18" charset="0"/>
                           </a:rPr>
                         </m:ctrlPr>
@@ -15048,7 +17351,7 @@
             </p:nvSpPr>
             <p:spPr>
               <a:xfrm>
-                <a:off x="838200" y="1513820"/>
+                <a:off x="838200" y="1095811"/>
                 <a:ext cx="10515600" cy="4351338"/>
               </a:xfrm>
               <a:blipFill>
@@ -15918,9 +18221,859 @@
   <p:timing>
     <p:tnLst>
       <p:par>
-        <p:cTn id="1" dur="indefinite" restart="never" nodeType="tmRoot"/>
+        <p:cTn id="1" dur="indefinite" restart="never" nodeType="tmRoot">
+          <p:childTnLst>
+            <p:seq concurrent="1" nextAc="seek">
+              <p:cTn id="2" dur="indefinite" nodeType="mainSeq">
+                <p:childTnLst>
+                  <p:par>
+                    <p:cTn id="3" fill="hold">
+                      <p:stCondLst>
+                        <p:cond delay="indefinite"/>
+                      </p:stCondLst>
+                      <p:childTnLst>
+                        <p:par>
+                          <p:cTn id="4" fill="hold">
+                            <p:stCondLst>
+                              <p:cond delay="0"/>
+                            </p:stCondLst>
+                            <p:childTnLst>
+                              <p:par>
+                                <p:cTn id="5" presetID="1" presetClass="entr" presetSubtype="0" fill="hold" grpId="0" nodeType="clickEffect">
+                                  <p:stCondLst>
+                                    <p:cond delay="0"/>
+                                  </p:stCondLst>
+                                  <p:childTnLst>
+                                    <p:set>
+                                      <p:cBhvr>
+                                        <p:cTn id="6" dur="1" fill="hold">
+                                          <p:stCondLst>
+                                            <p:cond delay="0"/>
+                                          </p:stCondLst>
+                                        </p:cTn>
+                                        <p:tgtEl>
+                                          <p:spTgt spid="3">
+                                            <p:txEl>
+                                              <p:pRg st="0" end="0"/>
+                                            </p:txEl>
+                                          </p:spTgt>
+                                        </p:tgtEl>
+                                        <p:attrNameLst>
+                                          <p:attrName>style.visibility</p:attrName>
+                                        </p:attrNameLst>
+                                      </p:cBhvr>
+                                      <p:to>
+                                        <p:strVal val="visible"/>
+                                      </p:to>
+                                    </p:set>
+                                  </p:childTnLst>
+                                </p:cTn>
+                              </p:par>
+                              <p:par>
+                                <p:cTn id="7" presetID="1" presetClass="entr" presetSubtype="0" fill="hold" grpId="0" nodeType="withEffect">
+                                  <p:stCondLst>
+                                    <p:cond delay="0"/>
+                                  </p:stCondLst>
+                                  <p:childTnLst>
+                                    <p:set>
+                                      <p:cBhvr>
+                                        <p:cTn id="8" dur="1" fill="hold">
+                                          <p:stCondLst>
+                                            <p:cond delay="0"/>
+                                          </p:stCondLst>
+                                        </p:cTn>
+                                        <p:tgtEl>
+                                          <p:spTgt spid="3">
+                                            <p:txEl>
+                                              <p:pRg st="1" end="1"/>
+                                            </p:txEl>
+                                          </p:spTgt>
+                                        </p:tgtEl>
+                                        <p:attrNameLst>
+                                          <p:attrName>style.visibility</p:attrName>
+                                        </p:attrNameLst>
+                                      </p:cBhvr>
+                                      <p:to>
+                                        <p:strVal val="visible"/>
+                                      </p:to>
+                                    </p:set>
+                                  </p:childTnLst>
+                                </p:cTn>
+                              </p:par>
+                            </p:childTnLst>
+                          </p:cTn>
+                        </p:par>
+                      </p:childTnLst>
+                    </p:cTn>
+                  </p:par>
+                  <p:par>
+                    <p:cTn id="9" fill="hold">
+                      <p:stCondLst>
+                        <p:cond delay="indefinite"/>
+                      </p:stCondLst>
+                      <p:childTnLst>
+                        <p:par>
+                          <p:cTn id="10" fill="hold">
+                            <p:stCondLst>
+                              <p:cond delay="0"/>
+                            </p:stCondLst>
+                            <p:childTnLst>
+                              <p:par>
+                                <p:cTn id="11" presetID="1" presetClass="entr" presetSubtype="0" fill="hold" grpId="0" nodeType="clickEffect">
+                                  <p:stCondLst>
+                                    <p:cond delay="0"/>
+                                  </p:stCondLst>
+                                  <p:childTnLst>
+                                    <p:set>
+                                      <p:cBhvr>
+                                        <p:cTn id="12" dur="1" fill="hold">
+                                          <p:stCondLst>
+                                            <p:cond delay="0"/>
+                                          </p:stCondLst>
+                                        </p:cTn>
+                                        <p:tgtEl>
+                                          <p:spTgt spid="3">
+                                            <p:txEl>
+                                              <p:pRg st="2" end="2"/>
+                                            </p:txEl>
+                                          </p:spTgt>
+                                        </p:tgtEl>
+                                        <p:attrNameLst>
+                                          <p:attrName>style.visibility</p:attrName>
+                                        </p:attrNameLst>
+                                      </p:cBhvr>
+                                      <p:to>
+                                        <p:strVal val="visible"/>
+                                      </p:to>
+                                    </p:set>
+                                  </p:childTnLst>
+                                </p:cTn>
+                              </p:par>
+                            </p:childTnLst>
+                          </p:cTn>
+                        </p:par>
+                      </p:childTnLst>
+                    </p:cTn>
+                  </p:par>
+                  <p:par>
+                    <p:cTn id="13" fill="hold">
+                      <p:stCondLst>
+                        <p:cond delay="indefinite"/>
+                      </p:stCondLst>
+                      <p:childTnLst>
+                        <p:par>
+                          <p:cTn id="14" fill="hold">
+                            <p:stCondLst>
+                              <p:cond delay="0"/>
+                            </p:stCondLst>
+                            <p:childTnLst>
+                              <p:par>
+                                <p:cTn id="15" presetID="1" presetClass="entr" presetSubtype="0" fill="hold" grpId="0" nodeType="clickEffect">
+                                  <p:stCondLst>
+                                    <p:cond delay="0"/>
+                                  </p:stCondLst>
+                                  <p:childTnLst>
+                                    <p:set>
+                                      <p:cBhvr>
+                                        <p:cTn id="16" dur="1" fill="hold">
+                                          <p:stCondLst>
+                                            <p:cond delay="0"/>
+                                          </p:stCondLst>
+                                        </p:cTn>
+                                        <p:tgtEl>
+                                          <p:spTgt spid="3">
+                                            <p:txEl>
+                                              <p:pRg st="3" end="3"/>
+                                            </p:txEl>
+                                          </p:spTgt>
+                                        </p:tgtEl>
+                                        <p:attrNameLst>
+                                          <p:attrName>style.visibility</p:attrName>
+                                        </p:attrNameLst>
+                                      </p:cBhvr>
+                                      <p:to>
+                                        <p:strVal val="visible"/>
+                                      </p:to>
+                                    </p:set>
+                                  </p:childTnLst>
+                                </p:cTn>
+                              </p:par>
+                            </p:childTnLst>
+                          </p:cTn>
+                        </p:par>
+                      </p:childTnLst>
+                    </p:cTn>
+                  </p:par>
+                  <p:par>
+                    <p:cTn id="17" fill="hold">
+                      <p:stCondLst>
+                        <p:cond delay="indefinite"/>
+                      </p:stCondLst>
+                      <p:childTnLst>
+                        <p:par>
+                          <p:cTn id="18" fill="hold">
+                            <p:stCondLst>
+                              <p:cond delay="0"/>
+                            </p:stCondLst>
+                            <p:childTnLst>
+                              <p:par>
+                                <p:cTn id="19" presetID="1" presetClass="entr" presetSubtype="0" fill="hold" grpId="0" nodeType="clickEffect">
+                                  <p:stCondLst>
+                                    <p:cond delay="0"/>
+                                  </p:stCondLst>
+                                  <p:childTnLst>
+                                    <p:set>
+                                      <p:cBhvr>
+                                        <p:cTn id="20" dur="1" fill="hold">
+                                          <p:stCondLst>
+                                            <p:cond delay="0"/>
+                                          </p:stCondLst>
+                                        </p:cTn>
+                                        <p:tgtEl>
+                                          <p:spTgt spid="3">
+                                            <p:txEl>
+                                              <p:pRg st="4" end="4"/>
+                                            </p:txEl>
+                                          </p:spTgt>
+                                        </p:tgtEl>
+                                        <p:attrNameLst>
+                                          <p:attrName>style.visibility</p:attrName>
+                                        </p:attrNameLst>
+                                      </p:cBhvr>
+                                      <p:to>
+                                        <p:strVal val="visible"/>
+                                      </p:to>
+                                    </p:set>
+                                  </p:childTnLst>
+                                </p:cTn>
+                              </p:par>
+                            </p:childTnLst>
+                          </p:cTn>
+                        </p:par>
+                      </p:childTnLst>
+                    </p:cTn>
+                  </p:par>
+                  <p:par>
+                    <p:cTn id="21" fill="hold">
+                      <p:stCondLst>
+                        <p:cond delay="indefinite"/>
+                      </p:stCondLst>
+                      <p:childTnLst>
+                        <p:par>
+                          <p:cTn id="22" fill="hold">
+                            <p:stCondLst>
+                              <p:cond delay="0"/>
+                            </p:stCondLst>
+                            <p:childTnLst>
+                              <p:par>
+                                <p:cTn id="23" presetID="1" presetClass="entr" presetSubtype="0" fill="hold" grpId="0" nodeType="clickEffect">
+                                  <p:stCondLst>
+                                    <p:cond delay="0"/>
+                                  </p:stCondLst>
+                                  <p:childTnLst>
+                                    <p:set>
+                                      <p:cBhvr>
+                                        <p:cTn id="24" dur="1" fill="hold">
+                                          <p:stCondLst>
+                                            <p:cond delay="0"/>
+                                          </p:stCondLst>
+                                        </p:cTn>
+                                        <p:tgtEl>
+                                          <p:spTgt spid="6"/>
+                                        </p:tgtEl>
+                                        <p:attrNameLst>
+                                          <p:attrName>style.visibility</p:attrName>
+                                        </p:attrNameLst>
+                                      </p:cBhvr>
+                                      <p:to>
+                                        <p:strVal val="visible"/>
+                                      </p:to>
+                                    </p:set>
+                                  </p:childTnLst>
+                                </p:cTn>
+                              </p:par>
+                              <p:par>
+                                <p:cTn id="25" presetID="1" presetClass="entr" presetSubtype="0" fill="hold" grpId="0" nodeType="withEffect">
+                                  <p:stCondLst>
+                                    <p:cond delay="0"/>
+                                  </p:stCondLst>
+                                  <p:childTnLst>
+                                    <p:set>
+                                      <p:cBhvr>
+                                        <p:cTn id="26" dur="1" fill="hold">
+                                          <p:stCondLst>
+                                            <p:cond delay="0"/>
+                                          </p:stCondLst>
+                                        </p:cTn>
+                                        <p:tgtEl>
+                                          <p:spTgt spid="7"/>
+                                        </p:tgtEl>
+                                        <p:attrNameLst>
+                                          <p:attrName>style.visibility</p:attrName>
+                                        </p:attrNameLst>
+                                      </p:cBhvr>
+                                      <p:to>
+                                        <p:strVal val="visible"/>
+                                      </p:to>
+                                    </p:set>
+                                  </p:childTnLst>
+                                </p:cTn>
+                              </p:par>
+                              <p:par>
+                                <p:cTn id="27" presetID="1" presetClass="entr" presetSubtype="0" fill="hold" grpId="0" nodeType="withEffect">
+                                  <p:stCondLst>
+                                    <p:cond delay="0"/>
+                                  </p:stCondLst>
+                                  <p:childTnLst>
+                                    <p:set>
+                                      <p:cBhvr>
+                                        <p:cTn id="28" dur="1" fill="hold">
+                                          <p:stCondLst>
+                                            <p:cond delay="0"/>
+                                          </p:stCondLst>
+                                        </p:cTn>
+                                        <p:tgtEl>
+                                          <p:spTgt spid="8"/>
+                                        </p:tgtEl>
+                                        <p:attrNameLst>
+                                          <p:attrName>style.visibility</p:attrName>
+                                        </p:attrNameLst>
+                                      </p:cBhvr>
+                                      <p:to>
+                                        <p:strVal val="visible"/>
+                                      </p:to>
+                                    </p:set>
+                                  </p:childTnLst>
+                                </p:cTn>
+                              </p:par>
+                              <p:par>
+                                <p:cTn id="29" presetID="1" presetClass="entr" presetSubtype="0" fill="hold" grpId="0" nodeType="withEffect">
+                                  <p:stCondLst>
+                                    <p:cond delay="0"/>
+                                  </p:stCondLst>
+                                  <p:childTnLst>
+                                    <p:set>
+                                      <p:cBhvr>
+                                        <p:cTn id="30" dur="1" fill="hold">
+                                          <p:stCondLst>
+                                            <p:cond delay="0"/>
+                                          </p:stCondLst>
+                                        </p:cTn>
+                                        <p:tgtEl>
+                                          <p:spTgt spid="9"/>
+                                        </p:tgtEl>
+                                        <p:attrNameLst>
+                                          <p:attrName>style.visibility</p:attrName>
+                                        </p:attrNameLst>
+                                      </p:cBhvr>
+                                      <p:to>
+                                        <p:strVal val="visible"/>
+                                      </p:to>
+                                    </p:set>
+                                  </p:childTnLst>
+                                </p:cTn>
+                              </p:par>
+                              <p:par>
+                                <p:cTn id="31" presetID="1" presetClass="entr" presetSubtype="0" fill="hold" nodeType="withEffect">
+                                  <p:stCondLst>
+                                    <p:cond delay="0"/>
+                                  </p:stCondLst>
+                                  <p:childTnLst>
+                                    <p:set>
+                                      <p:cBhvr>
+                                        <p:cTn id="32" dur="1" fill="hold">
+                                          <p:stCondLst>
+                                            <p:cond delay="0"/>
+                                          </p:stCondLst>
+                                        </p:cTn>
+                                        <p:tgtEl>
+                                          <p:spTgt spid="10"/>
+                                        </p:tgtEl>
+                                        <p:attrNameLst>
+                                          <p:attrName>style.visibility</p:attrName>
+                                        </p:attrNameLst>
+                                      </p:cBhvr>
+                                      <p:to>
+                                        <p:strVal val="visible"/>
+                                      </p:to>
+                                    </p:set>
+                                  </p:childTnLst>
+                                </p:cTn>
+                              </p:par>
+                              <p:par>
+                                <p:cTn id="33" presetID="1" presetClass="entr" presetSubtype="0" fill="hold" nodeType="withEffect">
+                                  <p:stCondLst>
+                                    <p:cond delay="0"/>
+                                  </p:stCondLst>
+                                  <p:childTnLst>
+                                    <p:set>
+                                      <p:cBhvr>
+                                        <p:cTn id="34" dur="1" fill="hold">
+                                          <p:stCondLst>
+                                            <p:cond delay="0"/>
+                                          </p:stCondLst>
+                                        </p:cTn>
+                                        <p:tgtEl>
+                                          <p:spTgt spid="11"/>
+                                        </p:tgtEl>
+                                        <p:attrNameLst>
+                                          <p:attrName>style.visibility</p:attrName>
+                                        </p:attrNameLst>
+                                      </p:cBhvr>
+                                      <p:to>
+                                        <p:strVal val="visible"/>
+                                      </p:to>
+                                    </p:set>
+                                  </p:childTnLst>
+                                </p:cTn>
+                              </p:par>
+                              <p:par>
+                                <p:cTn id="35" presetID="1" presetClass="entr" presetSubtype="0" fill="hold" nodeType="withEffect">
+                                  <p:stCondLst>
+                                    <p:cond delay="0"/>
+                                  </p:stCondLst>
+                                  <p:childTnLst>
+                                    <p:set>
+                                      <p:cBhvr>
+                                        <p:cTn id="36" dur="1" fill="hold">
+                                          <p:stCondLst>
+                                            <p:cond delay="0"/>
+                                          </p:stCondLst>
+                                        </p:cTn>
+                                        <p:tgtEl>
+                                          <p:spTgt spid="12"/>
+                                        </p:tgtEl>
+                                        <p:attrNameLst>
+                                          <p:attrName>style.visibility</p:attrName>
+                                        </p:attrNameLst>
+                                      </p:cBhvr>
+                                      <p:to>
+                                        <p:strVal val="visible"/>
+                                      </p:to>
+                                    </p:set>
+                                  </p:childTnLst>
+                                </p:cTn>
+                              </p:par>
+                              <p:par>
+                                <p:cTn id="37" presetID="1" presetClass="entr" presetSubtype="0" fill="hold" grpId="0" nodeType="withEffect">
+                                  <p:stCondLst>
+                                    <p:cond delay="0"/>
+                                  </p:stCondLst>
+                                  <p:childTnLst>
+                                    <p:set>
+                                      <p:cBhvr>
+                                        <p:cTn id="38" dur="1" fill="hold">
+                                          <p:stCondLst>
+                                            <p:cond delay="0"/>
+                                          </p:stCondLst>
+                                        </p:cTn>
+                                        <p:tgtEl>
+                                          <p:spTgt spid="13"/>
+                                        </p:tgtEl>
+                                        <p:attrNameLst>
+                                          <p:attrName>style.visibility</p:attrName>
+                                        </p:attrNameLst>
+                                      </p:cBhvr>
+                                      <p:to>
+                                        <p:strVal val="visible"/>
+                                      </p:to>
+                                    </p:set>
+                                  </p:childTnLst>
+                                </p:cTn>
+                              </p:par>
+                              <p:par>
+                                <p:cTn id="39" presetID="1" presetClass="entr" presetSubtype="0" fill="hold" grpId="0" nodeType="withEffect">
+                                  <p:stCondLst>
+                                    <p:cond delay="0"/>
+                                  </p:stCondLst>
+                                  <p:childTnLst>
+                                    <p:set>
+                                      <p:cBhvr>
+                                        <p:cTn id="40" dur="1" fill="hold">
+                                          <p:stCondLst>
+                                            <p:cond delay="0"/>
+                                          </p:stCondLst>
+                                        </p:cTn>
+                                        <p:tgtEl>
+                                          <p:spTgt spid="14"/>
+                                        </p:tgtEl>
+                                        <p:attrNameLst>
+                                          <p:attrName>style.visibility</p:attrName>
+                                        </p:attrNameLst>
+                                      </p:cBhvr>
+                                      <p:to>
+                                        <p:strVal val="visible"/>
+                                      </p:to>
+                                    </p:set>
+                                  </p:childTnLst>
+                                </p:cTn>
+                              </p:par>
+                              <p:par>
+                                <p:cTn id="41" presetID="1" presetClass="entr" presetSubtype="0" fill="hold" grpId="0" nodeType="withEffect">
+                                  <p:stCondLst>
+                                    <p:cond delay="0"/>
+                                  </p:stCondLst>
+                                  <p:childTnLst>
+                                    <p:set>
+                                      <p:cBhvr>
+                                        <p:cTn id="42" dur="1" fill="hold">
+                                          <p:stCondLst>
+                                            <p:cond delay="0"/>
+                                          </p:stCondLst>
+                                        </p:cTn>
+                                        <p:tgtEl>
+                                          <p:spTgt spid="15"/>
+                                        </p:tgtEl>
+                                        <p:attrNameLst>
+                                          <p:attrName>style.visibility</p:attrName>
+                                        </p:attrNameLst>
+                                      </p:cBhvr>
+                                      <p:to>
+                                        <p:strVal val="visible"/>
+                                      </p:to>
+                                    </p:set>
+                                  </p:childTnLst>
+                                </p:cTn>
+                              </p:par>
+                              <p:par>
+                                <p:cTn id="43" presetID="1" presetClass="entr" presetSubtype="0" fill="hold" grpId="0" nodeType="withEffect">
+                                  <p:stCondLst>
+                                    <p:cond delay="0"/>
+                                  </p:stCondLst>
+                                  <p:childTnLst>
+                                    <p:set>
+                                      <p:cBhvr>
+                                        <p:cTn id="44" dur="1" fill="hold">
+                                          <p:stCondLst>
+                                            <p:cond delay="0"/>
+                                          </p:stCondLst>
+                                        </p:cTn>
+                                        <p:tgtEl>
+                                          <p:spTgt spid="16"/>
+                                        </p:tgtEl>
+                                        <p:attrNameLst>
+                                          <p:attrName>style.visibility</p:attrName>
+                                        </p:attrNameLst>
+                                      </p:cBhvr>
+                                      <p:to>
+                                        <p:strVal val="visible"/>
+                                      </p:to>
+                                    </p:set>
+                                  </p:childTnLst>
+                                </p:cTn>
+                              </p:par>
+                              <p:par>
+                                <p:cTn id="45" presetID="1" presetClass="entr" presetSubtype="0" fill="hold" grpId="0" nodeType="withEffect">
+                                  <p:stCondLst>
+                                    <p:cond delay="0"/>
+                                  </p:stCondLst>
+                                  <p:childTnLst>
+                                    <p:set>
+                                      <p:cBhvr>
+                                        <p:cTn id="46" dur="1" fill="hold">
+                                          <p:stCondLst>
+                                            <p:cond delay="0"/>
+                                          </p:stCondLst>
+                                        </p:cTn>
+                                        <p:tgtEl>
+                                          <p:spTgt spid="17"/>
+                                        </p:tgtEl>
+                                        <p:attrNameLst>
+                                          <p:attrName>style.visibility</p:attrName>
+                                        </p:attrNameLst>
+                                      </p:cBhvr>
+                                      <p:to>
+                                        <p:strVal val="visible"/>
+                                      </p:to>
+                                    </p:set>
+                                  </p:childTnLst>
+                                </p:cTn>
+                              </p:par>
+                              <p:par>
+                                <p:cTn id="47" presetID="1" presetClass="entr" presetSubtype="0" fill="hold" nodeType="withEffect">
+                                  <p:stCondLst>
+                                    <p:cond delay="0"/>
+                                  </p:stCondLst>
+                                  <p:childTnLst>
+                                    <p:set>
+                                      <p:cBhvr>
+                                        <p:cTn id="48" dur="1" fill="hold">
+                                          <p:stCondLst>
+                                            <p:cond delay="0"/>
+                                          </p:stCondLst>
+                                        </p:cTn>
+                                        <p:tgtEl>
+                                          <p:spTgt spid="18"/>
+                                        </p:tgtEl>
+                                        <p:attrNameLst>
+                                          <p:attrName>style.visibility</p:attrName>
+                                        </p:attrNameLst>
+                                      </p:cBhvr>
+                                      <p:to>
+                                        <p:strVal val="visible"/>
+                                      </p:to>
+                                    </p:set>
+                                  </p:childTnLst>
+                                </p:cTn>
+                              </p:par>
+                              <p:par>
+                                <p:cTn id="49" presetID="1" presetClass="entr" presetSubtype="0" fill="hold" nodeType="withEffect">
+                                  <p:stCondLst>
+                                    <p:cond delay="0"/>
+                                  </p:stCondLst>
+                                  <p:childTnLst>
+                                    <p:set>
+                                      <p:cBhvr>
+                                        <p:cTn id="50" dur="1" fill="hold">
+                                          <p:stCondLst>
+                                            <p:cond delay="0"/>
+                                          </p:stCondLst>
+                                        </p:cTn>
+                                        <p:tgtEl>
+                                          <p:spTgt spid="19"/>
+                                        </p:tgtEl>
+                                        <p:attrNameLst>
+                                          <p:attrName>style.visibility</p:attrName>
+                                        </p:attrNameLst>
+                                      </p:cBhvr>
+                                      <p:to>
+                                        <p:strVal val="visible"/>
+                                      </p:to>
+                                    </p:set>
+                                  </p:childTnLst>
+                                </p:cTn>
+                              </p:par>
+                              <p:par>
+                                <p:cTn id="51" presetID="1" presetClass="entr" presetSubtype="0" fill="hold" nodeType="withEffect">
+                                  <p:stCondLst>
+                                    <p:cond delay="0"/>
+                                  </p:stCondLst>
+                                  <p:childTnLst>
+                                    <p:set>
+                                      <p:cBhvr>
+                                        <p:cTn id="52" dur="1" fill="hold">
+                                          <p:stCondLst>
+                                            <p:cond delay="0"/>
+                                          </p:stCondLst>
+                                        </p:cTn>
+                                        <p:tgtEl>
+                                          <p:spTgt spid="20"/>
+                                        </p:tgtEl>
+                                        <p:attrNameLst>
+                                          <p:attrName>style.visibility</p:attrName>
+                                        </p:attrNameLst>
+                                      </p:cBhvr>
+                                      <p:to>
+                                        <p:strVal val="visible"/>
+                                      </p:to>
+                                    </p:set>
+                                  </p:childTnLst>
+                                </p:cTn>
+                              </p:par>
+                              <p:par>
+                                <p:cTn id="53" presetID="1" presetClass="entr" presetSubtype="0" fill="hold" nodeType="withEffect">
+                                  <p:stCondLst>
+                                    <p:cond delay="0"/>
+                                  </p:stCondLst>
+                                  <p:childTnLst>
+                                    <p:set>
+                                      <p:cBhvr>
+                                        <p:cTn id="54" dur="1" fill="hold">
+                                          <p:stCondLst>
+                                            <p:cond delay="0"/>
+                                          </p:stCondLst>
+                                        </p:cTn>
+                                        <p:tgtEl>
+                                          <p:spTgt spid="21"/>
+                                        </p:tgtEl>
+                                        <p:attrNameLst>
+                                          <p:attrName>style.visibility</p:attrName>
+                                        </p:attrNameLst>
+                                      </p:cBhvr>
+                                      <p:to>
+                                        <p:strVal val="visible"/>
+                                      </p:to>
+                                    </p:set>
+                                  </p:childTnLst>
+                                </p:cTn>
+                              </p:par>
+                              <p:par>
+                                <p:cTn id="55" presetID="1" presetClass="entr" presetSubtype="0" fill="hold" grpId="0" nodeType="withEffect">
+                                  <p:stCondLst>
+                                    <p:cond delay="0"/>
+                                  </p:stCondLst>
+                                  <p:childTnLst>
+                                    <p:set>
+                                      <p:cBhvr>
+                                        <p:cTn id="56" dur="1" fill="hold">
+                                          <p:stCondLst>
+                                            <p:cond delay="0"/>
+                                          </p:stCondLst>
+                                        </p:cTn>
+                                        <p:tgtEl>
+                                          <p:spTgt spid="22"/>
+                                        </p:tgtEl>
+                                        <p:attrNameLst>
+                                          <p:attrName>style.visibility</p:attrName>
+                                        </p:attrNameLst>
+                                      </p:cBhvr>
+                                      <p:to>
+                                        <p:strVal val="visible"/>
+                                      </p:to>
+                                    </p:set>
+                                  </p:childTnLst>
+                                </p:cTn>
+                              </p:par>
+                              <p:par>
+                                <p:cTn id="57" presetID="1" presetClass="entr" presetSubtype="0" fill="hold" grpId="0" nodeType="withEffect">
+                                  <p:stCondLst>
+                                    <p:cond delay="0"/>
+                                  </p:stCondLst>
+                                  <p:childTnLst>
+                                    <p:set>
+                                      <p:cBhvr>
+                                        <p:cTn id="58" dur="1" fill="hold">
+                                          <p:stCondLst>
+                                            <p:cond delay="0"/>
+                                          </p:stCondLst>
+                                        </p:cTn>
+                                        <p:tgtEl>
+                                          <p:spTgt spid="23"/>
+                                        </p:tgtEl>
+                                        <p:attrNameLst>
+                                          <p:attrName>style.visibility</p:attrName>
+                                        </p:attrNameLst>
+                                      </p:cBhvr>
+                                      <p:to>
+                                        <p:strVal val="visible"/>
+                                      </p:to>
+                                    </p:set>
+                                  </p:childTnLst>
+                                </p:cTn>
+                              </p:par>
+                              <p:par>
+                                <p:cTn id="59" presetID="1" presetClass="entr" presetSubtype="0" fill="hold" grpId="0" nodeType="withEffect">
+                                  <p:stCondLst>
+                                    <p:cond delay="0"/>
+                                  </p:stCondLst>
+                                  <p:childTnLst>
+                                    <p:set>
+                                      <p:cBhvr>
+                                        <p:cTn id="60" dur="1" fill="hold">
+                                          <p:stCondLst>
+                                            <p:cond delay="0"/>
+                                          </p:stCondLst>
+                                        </p:cTn>
+                                        <p:tgtEl>
+                                          <p:spTgt spid="24"/>
+                                        </p:tgtEl>
+                                        <p:attrNameLst>
+                                          <p:attrName>style.visibility</p:attrName>
+                                        </p:attrNameLst>
+                                      </p:cBhvr>
+                                      <p:to>
+                                        <p:strVal val="visible"/>
+                                      </p:to>
+                                    </p:set>
+                                  </p:childTnLst>
+                                </p:cTn>
+                              </p:par>
+                              <p:par>
+                                <p:cTn id="61" presetID="1" presetClass="entr" presetSubtype="0" fill="hold" nodeType="withEffect">
+                                  <p:stCondLst>
+                                    <p:cond delay="0"/>
+                                  </p:stCondLst>
+                                  <p:childTnLst>
+                                    <p:set>
+                                      <p:cBhvr>
+                                        <p:cTn id="62" dur="1" fill="hold">
+                                          <p:stCondLst>
+                                            <p:cond delay="0"/>
+                                          </p:stCondLst>
+                                        </p:cTn>
+                                        <p:tgtEl>
+                                          <p:spTgt spid="25"/>
+                                        </p:tgtEl>
+                                        <p:attrNameLst>
+                                          <p:attrName>style.visibility</p:attrName>
+                                        </p:attrNameLst>
+                                      </p:cBhvr>
+                                      <p:to>
+                                        <p:strVal val="visible"/>
+                                      </p:to>
+                                    </p:set>
+                                  </p:childTnLst>
+                                </p:cTn>
+                              </p:par>
+                              <p:par>
+                                <p:cTn id="63" presetID="1" presetClass="entr" presetSubtype="0" fill="hold" nodeType="withEffect">
+                                  <p:stCondLst>
+                                    <p:cond delay="0"/>
+                                  </p:stCondLst>
+                                  <p:childTnLst>
+                                    <p:set>
+                                      <p:cBhvr>
+                                        <p:cTn id="64" dur="1" fill="hold">
+                                          <p:stCondLst>
+                                            <p:cond delay="0"/>
+                                          </p:stCondLst>
+                                        </p:cTn>
+                                        <p:tgtEl>
+                                          <p:spTgt spid="29"/>
+                                        </p:tgtEl>
+                                        <p:attrNameLst>
+                                          <p:attrName>style.visibility</p:attrName>
+                                        </p:attrNameLst>
+                                      </p:cBhvr>
+                                      <p:to>
+                                        <p:strVal val="visible"/>
+                                      </p:to>
+                                    </p:set>
+                                  </p:childTnLst>
+                                </p:cTn>
+                              </p:par>
+                            </p:childTnLst>
+                          </p:cTn>
+                        </p:par>
+                      </p:childTnLst>
+                    </p:cTn>
+                  </p:par>
+                </p:childTnLst>
+              </p:cTn>
+              <p:prevCondLst>
+                <p:cond evt="onPrev" delay="0">
+                  <p:tgtEl>
+                    <p:sldTgt/>
+                  </p:tgtEl>
+                </p:cond>
+              </p:prevCondLst>
+              <p:nextCondLst>
+                <p:cond evt="onNext" delay="0">
+                  <p:tgtEl>
+                    <p:sldTgt/>
+                  </p:tgtEl>
+                </p:cond>
+              </p:nextCondLst>
+            </p:seq>
+          </p:childTnLst>
+        </p:cTn>
       </p:par>
     </p:tnLst>
+    <p:bldLst>
+      <p:bldP spid="3" grpId="0" uiExpand="1" build="p"/>
+      <p:bldP spid="6" grpId="0" animBg="1"/>
+      <p:bldP spid="7" grpId="0" animBg="1"/>
+      <p:bldP spid="8" grpId="0" animBg="1"/>
+      <p:bldP spid="9" grpId="0" animBg="1"/>
+      <p:bldP spid="13" grpId="0" animBg="1"/>
+      <p:bldP spid="14" grpId="0" animBg="1"/>
+      <p:bldP spid="15" grpId="0" animBg="1"/>
+      <p:bldP spid="16" grpId="0" animBg="1"/>
+      <p:bldP spid="17" grpId="0" animBg="1"/>
+      <p:bldP spid="22" grpId="0"/>
+      <p:bldP spid="23" grpId="0"/>
+      <p:bldP spid="24" grpId="0"/>
+    </p:bldLst>
   </p:timing>
 </p:sld>
 </file>
@@ -15965,8 +19118,8 @@
           </a:p>
         </p:txBody>
       </p:sp>
-      <mc:AlternateContent xmlns:mc="http://schemas.openxmlformats.org/markup-compatibility/2006">
-        <mc:Choice xmlns:a14="http://schemas.microsoft.com/office/drawing/2010/main" Requires="a14">
+      <mc:AlternateContent xmlns:mc="http://schemas.openxmlformats.org/markup-compatibility/2006" xmlns:a14="http://schemas.microsoft.com/office/drawing/2010/main">
+        <mc:Choice Requires="a14">
           <p:sp>
             <p:nvSpPr>
               <p:cNvPr id="3" name="Content Placeholder 2"/>
@@ -16557,6 +19710,16 @@
               </a:p>
               <a:p>
                 <a:r>
+                  <a:rPr lang="en-CA" dirty="0"/>
+                  <a:t>Generally, Entropy refers to the disorder or </a:t>
+                </a:r>
+                <a:r>
+                  <a:rPr lang="en-CA" dirty="0" smtClean="0"/>
+                  <a:t>uncertainty</a:t>
+                </a:r>
+              </a:p>
+              <a:p>
+                <a:r>
                   <a:rPr lang="en-CA" dirty="0" smtClean="0"/>
                   <a:t>Coin toss example – learning the outcome of a perfectly</a:t>
                 </a:r>
@@ -16569,18 +19732,12 @@
                 </a:r>
               </a:p>
               <a:p>
-                <a:r>
-                  <a:rPr lang="en-CA" dirty="0"/>
-                  <a:t>Generally, Entropy refers to the disorder or uncertainty</a:t>
-                </a:r>
-              </a:p>
-              <a:p>
                 <a:endParaRPr lang="en-CA" dirty="0"/>
               </a:p>
             </p:txBody>
           </p:sp>
         </mc:Choice>
-        <mc:Fallback>
+        <mc:Fallback xmlns="">
           <p:sp>
             <p:nvSpPr>
               <p:cNvPr id="3" name="Content Placeholder 2"/>
@@ -16698,9 +19855,304 @@
   <p:timing>
     <p:tnLst>
       <p:par>
-        <p:cTn id="1" dur="indefinite" restart="never" nodeType="tmRoot"/>
+        <p:cTn id="1" dur="indefinite" restart="never" nodeType="tmRoot">
+          <p:childTnLst>
+            <p:seq concurrent="1" nextAc="seek">
+              <p:cTn id="2" dur="indefinite" nodeType="mainSeq">
+                <p:childTnLst>
+                  <p:par>
+                    <p:cTn id="3" fill="hold">
+                      <p:stCondLst>
+                        <p:cond delay="indefinite"/>
+                      </p:stCondLst>
+                      <p:childTnLst>
+                        <p:par>
+                          <p:cTn id="4" fill="hold">
+                            <p:stCondLst>
+                              <p:cond delay="0"/>
+                            </p:stCondLst>
+                            <p:childTnLst>
+                              <p:par>
+                                <p:cTn id="5" presetID="1" presetClass="entr" presetSubtype="0" fill="hold" grpId="0" nodeType="clickEffect">
+                                  <p:stCondLst>
+                                    <p:cond delay="0"/>
+                                  </p:stCondLst>
+                                  <p:childTnLst>
+                                    <p:set>
+                                      <p:cBhvr>
+                                        <p:cTn id="6" dur="1" fill="hold">
+                                          <p:stCondLst>
+                                            <p:cond delay="0"/>
+                                          </p:stCondLst>
+                                        </p:cTn>
+                                        <p:tgtEl>
+                                          <p:spTgt spid="3">
+                                            <p:txEl>
+                                              <p:pRg st="0" end="0"/>
+                                            </p:txEl>
+                                          </p:spTgt>
+                                        </p:tgtEl>
+                                        <p:attrNameLst>
+                                          <p:attrName>style.visibility</p:attrName>
+                                        </p:attrNameLst>
+                                      </p:cBhvr>
+                                      <p:to>
+                                        <p:strVal val="visible"/>
+                                      </p:to>
+                                    </p:set>
+                                  </p:childTnLst>
+                                </p:cTn>
+                              </p:par>
+                            </p:childTnLst>
+                          </p:cTn>
+                        </p:par>
+                      </p:childTnLst>
+                    </p:cTn>
+                  </p:par>
+                  <p:par>
+                    <p:cTn id="7" fill="hold">
+                      <p:stCondLst>
+                        <p:cond delay="indefinite"/>
+                      </p:stCondLst>
+                      <p:childTnLst>
+                        <p:par>
+                          <p:cTn id="8" fill="hold">
+                            <p:stCondLst>
+                              <p:cond delay="0"/>
+                            </p:stCondLst>
+                            <p:childTnLst>
+                              <p:par>
+                                <p:cTn id="9" presetID="1" presetClass="entr" presetSubtype="0" fill="hold" grpId="0" nodeType="clickEffect">
+                                  <p:stCondLst>
+                                    <p:cond delay="0"/>
+                                  </p:stCondLst>
+                                  <p:childTnLst>
+                                    <p:set>
+                                      <p:cBhvr>
+                                        <p:cTn id="10" dur="1" fill="hold">
+                                          <p:stCondLst>
+                                            <p:cond delay="0"/>
+                                          </p:stCondLst>
+                                        </p:cTn>
+                                        <p:tgtEl>
+                                          <p:spTgt spid="3">
+                                            <p:txEl>
+                                              <p:pRg st="1" end="1"/>
+                                            </p:txEl>
+                                          </p:spTgt>
+                                        </p:tgtEl>
+                                        <p:attrNameLst>
+                                          <p:attrName>style.visibility</p:attrName>
+                                        </p:attrNameLst>
+                                      </p:cBhvr>
+                                      <p:to>
+                                        <p:strVal val="visible"/>
+                                      </p:to>
+                                    </p:set>
+                                  </p:childTnLst>
+                                </p:cTn>
+                              </p:par>
+                            </p:childTnLst>
+                          </p:cTn>
+                        </p:par>
+                      </p:childTnLst>
+                    </p:cTn>
+                  </p:par>
+                  <p:par>
+                    <p:cTn id="11" fill="hold">
+                      <p:stCondLst>
+                        <p:cond delay="indefinite"/>
+                      </p:stCondLst>
+                      <p:childTnLst>
+                        <p:par>
+                          <p:cTn id="12" fill="hold">
+                            <p:stCondLst>
+                              <p:cond delay="0"/>
+                            </p:stCondLst>
+                            <p:childTnLst>
+                              <p:par>
+                                <p:cTn id="13" presetID="1" presetClass="entr" presetSubtype="0" fill="hold" grpId="0" nodeType="clickEffect">
+                                  <p:stCondLst>
+                                    <p:cond delay="0"/>
+                                  </p:stCondLst>
+                                  <p:childTnLst>
+                                    <p:set>
+                                      <p:cBhvr>
+                                        <p:cTn id="14" dur="1" fill="hold">
+                                          <p:stCondLst>
+                                            <p:cond delay="0"/>
+                                          </p:stCondLst>
+                                        </p:cTn>
+                                        <p:tgtEl>
+                                          <p:spTgt spid="3">
+                                            <p:txEl>
+                                              <p:pRg st="2" end="2"/>
+                                            </p:txEl>
+                                          </p:spTgt>
+                                        </p:tgtEl>
+                                        <p:attrNameLst>
+                                          <p:attrName>style.visibility</p:attrName>
+                                        </p:attrNameLst>
+                                      </p:cBhvr>
+                                      <p:to>
+                                        <p:strVal val="visible"/>
+                                      </p:to>
+                                    </p:set>
+                                  </p:childTnLst>
+                                </p:cTn>
+                              </p:par>
+                            </p:childTnLst>
+                          </p:cTn>
+                        </p:par>
+                      </p:childTnLst>
+                    </p:cTn>
+                  </p:par>
+                  <p:par>
+                    <p:cTn id="15" fill="hold">
+                      <p:stCondLst>
+                        <p:cond delay="indefinite"/>
+                      </p:stCondLst>
+                      <p:childTnLst>
+                        <p:par>
+                          <p:cTn id="16" fill="hold">
+                            <p:stCondLst>
+                              <p:cond delay="0"/>
+                            </p:stCondLst>
+                            <p:childTnLst>
+                              <p:par>
+                                <p:cTn id="17" presetID="1" presetClass="entr" presetSubtype="0" fill="hold" grpId="0" nodeType="clickEffect">
+                                  <p:stCondLst>
+                                    <p:cond delay="0"/>
+                                  </p:stCondLst>
+                                  <p:childTnLst>
+                                    <p:set>
+                                      <p:cBhvr>
+                                        <p:cTn id="18" dur="1" fill="hold">
+                                          <p:stCondLst>
+                                            <p:cond delay="0"/>
+                                          </p:stCondLst>
+                                        </p:cTn>
+                                        <p:tgtEl>
+                                          <p:spTgt spid="3">
+                                            <p:txEl>
+                                              <p:pRg st="3" end="3"/>
+                                            </p:txEl>
+                                          </p:spTgt>
+                                        </p:tgtEl>
+                                        <p:attrNameLst>
+                                          <p:attrName>style.visibility</p:attrName>
+                                        </p:attrNameLst>
+                                      </p:cBhvr>
+                                      <p:to>
+                                        <p:strVal val="visible"/>
+                                      </p:to>
+                                    </p:set>
+                                  </p:childTnLst>
+                                </p:cTn>
+                              </p:par>
+                              <p:par>
+                                <p:cTn id="19" presetID="1" presetClass="entr" presetSubtype="0" fill="hold" nodeType="withEffect">
+                                  <p:stCondLst>
+                                    <p:cond delay="0"/>
+                                  </p:stCondLst>
+                                  <p:childTnLst>
+                                    <p:set>
+                                      <p:cBhvr>
+                                        <p:cTn id="20" dur="1" fill="hold">
+                                          <p:stCondLst>
+                                            <p:cond delay="0"/>
+                                          </p:stCondLst>
+                                        </p:cTn>
+                                        <p:tgtEl>
+                                          <p:spTgt spid="1026"/>
+                                        </p:tgtEl>
+                                        <p:attrNameLst>
+                                          <p:attrName>style.visibility</p:attrName>
+                                        </p:attrNameLst>
+                                      </p:cBhvr>
+                                      <p:to>
+                                        <p:strVal val="visible"/>
+                                      </p:to>
+                                    </p:set>
+                                  </p:childTnLst>
+                                </p:cTn>
+                              </p:par>
+                            </p:childTnLst>
+                          </p:cTn>
+                        </p:par>
+                      </p:childTnLst>
+                    </p:cTn>
+                  </p:par>
+                  <p:par>
+                    <p:cTn id="21" fill="hold">
+                      <p:stCondLst>
+                        <p:cond delay="indefinite"/>
+                      </p:stCondLst>
+                      <p:childTnLst>
+                        <p:par>
+                          <p:cTn id="22" fill="hold">
+                            <p:stCondLst>
+                              <p:cond delay="0"/>
+                            </p:stCondLst>
+                            <p:childTnLst>
+                              <p:par>
+                                <p:cTn id="23" presetID="1" presetClass="entr" presetSubtype="0" fill="hold" grpId="0" nodeType="clickEffect">
+                                  <p:stCondLst>
+                                    <p:cond delay="0"/>
+                                  </p:stCondLst>
+                                  <p:childTnLst>
+                                    <p:set>
+                                      <p:cBhvr>
+                                        <p:cTn id="24" dur="1" fill="hold">
+                                          <p:stCondLst>
+                                            <p:cond delay="0"/>
+                                          </p:stCondLst>
+                                        </p:cTn>
+                                        <p:tgtEl>
+                                          <p:spTgt spid="4"/>
+                                        </p:tgtEl>
+                                        <p:attrNameLst>
+                                          <p:attrName>style.visibility</p:attrName>
+                                        </p:attrNameLst>
+                                      </p:cBhvr>
+                                      <p:to>
+                                        <p:strVal val="visible"/>
+                                      </p:to>
+                                    </p:set>
+                                  </p:childTnLst>
+                                </p:cTn>
+                              </p:par>
+                            </p:childTnLst>
+                          </p:cTn>
+                        </p:par>
+                      </p:childTnLst>
+                    </p:cTn>
+                  </p:par>
+                </p:childTnLst>
+              </p:cTn>
+              <p:prevCondLst>
+                <p:cond evt="onPrev" delay="0">
+                  <p:tgtEl>
+                    <p:sldTgt/>
+                  </p:tgtEl>
+                </p:cond>
+              </p:prevCondLst>
+              <p:nextCondLst>
+                <p:cond evt="onNext" delay="0">
+                  <p:tgtEl>
+                    <p:sldTgt/>
+                  </p:tgtEl>
+                </p:cond>
+              </p:nextCondLst>
+            </p:seq>
+          </p:childTnLst>
+        </p:cTn>
       </p:par>
     </p:tnLst>
+    <p:bldLst>
+      <p:bldP spid="3" grpId="0" build="p"/>
+      <p:bldP spid="4" grpId="0"/>
+    </p:bldLst>
   </p:timing>
 </p:sld>
 </file>
@@ -16765,22 +20217,31 @@
             </p:spPr>
             <p:txBody>
               <a:bodyPr>
-                <a:normAutofit lnSpcReduction="10000"/>
+                <a:normAutofit/>
               </a:bodyPr>
               <a:lstStyle/>
               <a:p>
                 <a:r>
-                  <a:rPr lang="en-CA" dirty="0" smtClean="0"/>
-                  <a:t>Starting back at the top of the tree for the weather data: </a:t>
+                  <a:rPr lang="en-CA" b="1" dirty="0"/>
+                  <a:t>O</a:t>
                 </a:r>
                 <a:r>
                   <a:rPr lang="en-CA" b="1" dirty="0" smtClean="0"/>
-                  <a:t>our goal is to split in such a way that we reduce the uncertainty as much as possible </a:t>
+                  <a:t>ur </a:t>
+                </a:r>
+                <a:r>
+                  <a:rPr lang="en-CA" b="1" dirty="0" smtClean="0"/>
+                  <a:t>goal is to split in such a way that we reduce the uncertainty as much as possible </a:t>
                 </a:r>
                 <a:r>
                   <a:rPr lang="en-CA" dirty="0" smtClean="0"/>
-                  <a:t>(greedy approach)</a:t>
+                  <a:t>(greedy approach</a:t>
                 </a:r>
+                <a:r>
+                  <a:rPr lang="en-CA" dirty="0" smtClean="0"/>
+                  <a:t>). </a:t>
+                </a:r>
+                <a:endParaRPr lang="en-CA" dirty="0" smtClean="0"/>
               </a:p>
               <a:p>
                 <a:r>
@@ -16894,7 +20355,7 @@
               <a:blipFill>
                 <a:blip r:embed="rId2"/>
                 <a:stretch>
-                  <a:fillRect l="-1816" t="-5432" r="-1009" b="-1481"/>
+                  <a:fillRect l="-1816" t="-3951" r="-2725"/>
                 </a:stretch>
               </a:blipFill>
             </p:spPr>
@@ -16937,8 +20398,8 @@
           </a:prstGeom>
         </p:spPr>
       </p:pic>
-      <mc:AlternateContent xmlns:mc="http://schemas.openxmlformats.org/markup-compatibility/2006">
-        <mc:Choice xmlns:a14="http://schemas.microsoft.com/office/drawing/2010/main" Requires="a14">
+      <mc:AlternateContent xmlns:mc="http://schemas.openxmlformats.org/markup-compatibility/2006" xmlns:a14="http://schemas.microsoft.com/office/drawing/2010/main">
+        <mc:Choice Requires="a14">
           <p:sp>
             <p:nvSpPr>
               <p:cNvPr id="93" name="TextBox 92"/>
@@ -16961,6 +20422,7 @@
               </a:bodyPr>
               <a:lstStyle/>
               <a:p>
+                <a:pPr/>
                 <a14:m>
                   <m:oMathPara xmlns:m="http://schemas.openxmlformats.org/officeDocument/2006/math">
                     <m:oMathParaPr>
@@ -17037,6 +20499,7 @@
                 </a:endParaRPr>
               </a:p>
               <a:p>
+                <a:pPr/>
                 <a14:m>
                   <m:oMathPara xmlns:m="http://schemas.openxmlformats.org/officeDocument/2006/math">
                     <m:oMathParaPr>
@@ -17057,7 +20520,7 @@
             </p:txBody>
           </p:sp>
         </mc:Choice>
-        <mc:Fallback>
+        <mc:Fallback xmlns="">
           <p:sp>
             <p:nvSpPr>
               <p:cNvPr id="93" name="TextBox 92"/>
@@ -17096,8 +20559,8 @@
           </p:sp>
         </mc:Fallback>
       </mc:AlternateContent>
-      <mc:AlternateContent xmlns:mc="http://schemas.openxmlformats.org/markup-compatibility/2006">
-        <mc:Choice xmlns:a14="http://schemas.microsoft.com/office/drawing/2010/main" Requires="a14">
+      <mc:AlternateContent xmlns:mc="http://schemas.openxmlformats.org/markup-compatibility/2006" xmlns:a14="http://schemas.microsoft.com/office/drawing/2010/main">
+        <mc:Choice Requires="a14">
           <p:sp>
             <p:nvSpPr>
               <p:cNvPr id="94" name="TextBox 93"/>
@@ -17120,6 +20583,7 @@
               </a:bodyPr>
               <a:lstStyle/>
               <a:p>
+                <a:pPr/>
                 <a14:m>
                   <m:oMathPara xmlns:m="http://schemas.openxmlformats.org/officeDocument/2006/math">
                     <m:oMathParaPr>
@@ -17152,7 +20616,7 @@
             </p:txBody>
           </p:sp>
         </mc:Choice>
-        <mc:Fallback>
+        <mc:Fallback xmlns="">
           <p:sp>
             <p:nvSpPr>
               <p:cNvPr id="94" name="TextBox 93"/>
@@ -17245,6 +20709,30 @@
           </a:p>
         </p:txBody>
       </p:sp>
+      <p:pic>
+        <p:nvPicPr>
+          <p:cNvPr id="4" name="Picture 3"/>
+          <p:cNvPicPr>
+            <a:picLocks noChangeAspect="1"/>
+          </p:cNvPicPr>
+          <p:nvPr/>
+        </p:nvPicPr>
+        <p:blipFill>
+          <a:blip r:embed="rId7"/>
+          <a:stretch>
+            <a:fillRect/>
+          </a:stretch>
+        </p:blipFill>
+        <p:spPr>
+          <a:xfrm>
+            <a:off x="3840189" y="3897198"/>
+            <a:ext cx="2692517" cy="1151879"/>
+          </a:xfrm>
+          <a:prstGeom prst="rect">
+            <a:avLst/>
+          </a:prstGeom>
+        </p:spPr>
+      </p:pic>
     </p:spTree>
     <p:extLst>
       <p:ext uri="{BB962C8B-B14F-4D97-AF65-F5344CB8AC3E}">
@@ -17267,9 +20755,6 @@
                     <p:cTn id="3" fill="hold">
                       <p:stCondLst>
                         <p:cond delay="indefinite"/>
-                        <p:cond evt="onBegin" delay="0">
-                          <p:tn val="2"/>
-                        </p:cond>
                       </p:stCondLst>
                       <p:childTnLst>
                         <p:par>
@@ -17279,7 +20764,7 @@
                             </p:stCondLst>
                             <p:childTnLst>
                               <p:par>
-                                <p:cTn id="5" presetID="1" presetClass="entr" presetSubtype="0" fill="hold" nodeType="withEffect">
+                                <p:cTn id="5" presetID="1" presetClass="entr" presetSubtype="0" fill="hold" grpId="0" nodeType="clickEffect">
                                   <p:stCondLst>
                                     <p:cond delay="0"/>
                                   </p:stCondLst>
@@ -17292,7 +20777,294 @@
                                           </p:stCondLst>
                                         </p:cTn>
                                         <p:tgtEl>
+                                          <p:spTgt spid="3">
+                                            <p:txEl>
+                                              <p:pRg st="0" end="0"/>
+                                            </p:txEl>
+                                          </p:spTgt>
+                                        </p:tgtEl>
+                                        <p:attrNameLst>
+                                          <p:attrName>style.visibility</p:attrName>
+                                        </p:attrNameLst>
+                                      </p:cBhvr>
+                                      <p:to>
+                                        <p:strVal val="visible"/>
+                                      </p:to>
+                                    </p:set>
+                                  </p:childTnLst>
+                                </p:cTn>
+                              </p:par>
+                            </p:childTnLst>
+                          </p:cTn>
+                        </p:par>
+                      </p:childTnLst>
+                    </p:cTn>
+                  </p:par>
+                  <p:par>
+                    <p:cTn id="7" fill="hold">
+                      <p:stCondLst>
+                        <p:cond delay="indefinite"/>
+                      </p:stCondLst>
+                      <p:childTnLst>
+                        <p:par>
+                          <p:cTn id="8" fill="hold">
+                            <p:stCondLst>
+                              <p:cond delay="0"/>
+                            </p:stCondLst>
+                            <p:childTnLst>
+                              <p:par>
+                                <p:cTn id="9" presetID="1" presetClass="entr" presetSubtype="0" fill="hold" grpId="0" nodeType="clickEffect">
+                                  <p:stCondLst>
+                                    <p:cond delay="0"/>
+                                  </p:stCondLst>
+                                  <p:childTnLst>
+                                    <p:set>
+                                      <p:cBhvr>
+                                        <p:cTn id="10" dur="1" fill="hold">
+                                          <p:stCondLst>
+                                            <p:cond delay="0"/>
+                                          </p:stCondLst>
+                                        </p:cTn>
+                                        <p:tgtEl>
+                                          <p:spTgt spid="3">
+                                            <p:txEl>
+                                              <p:pRg st="1" end="1"/>
+                                            </p:txEl>
+                                          </p:spTgt>
+                                        </p:tgtEl>
+                                        <p:attrNameLst>
+                                          <p:attrName>style.visibility</p:attrName>
+                                        </p:attrNameLst>
+                                      </p:cBhvr>
+                                      <p:to>
+                                        <p:strVal val="visible"/>
+                                      </p:to>
+                                    </p:set>
+                                  </p:childTnLst>
+                                </p:cTn>
+                              </p:par>
+                              <p:par>
+                                <p:cTn id="11" presetID="1" presetClass="entr" presetSubtype="0" fill="hold" nodeType="withEffect">
+                                  <p:stCondLst>
+                                    <p:cond delay="0"/>
+                                  </p:stCondLst>
+                                  <p:childTnLst>
+                                    <p:set>
+                                      <p:cBhvr>
+                                        <p:cTn id="12" dur="1" fill="hold">
+                                          <p:stCondLst>
+                                            <p:cond delay="0"/>
+                                          </p:stCondLst>
+                                        </p:cTn>
+                                        <p:tgtEl>
                                           <p:spTgt spid="5"/>
+                                        </p:tgtEl>
+                                        <p:attrNameLst>
+                                          <p:attrName>style.visibility</p:attrName>
+                                        </p:attrNameLst>
+                                      </p:cBhvr>
+                                      <p:to>
+                                        <p:strVal val="visible"/>
+                                      </p:to>
+                                    </p:set>
+                                  </p:childTnLst>
+                                </p:cTn>
+                              </p:par>
+                            </p:childTnLst>
+                          </p:cTn>
+                        </p:par>
+                      </p:childTnLst>
+                    </p:cTn>
+                  </p:par>
+                  <p:par>
+                    <p:cTn id="13" fill="hold">
+                      <p:stCondLst>
+                        <p:cond delay="indefinite"/>
+                      </p:stCondLst>
+                      <p:childTnLst>
+                        <p:par>
+                          <p:cTn id="14" fill="hold">
+                            <p:stCondLst>
+                              <p:cond delay="0"/>
+                            </p:stCondLst>
+                            <p:childTnLst>
+                              <p:par>
+                                <p:cTn id="15" presetID="1" presetClass="entr" presetSubtype="0" fill="hold" grpId="0" nodeType="clickEffect">
+                                  <p:stCondLst>
+                                    <p:cond delay="0"/>
+                                  </p:stCondLst>
+                                  <p:childTnLst>
+                                    <p:set>
+                                      <p:cBhvr>
+                                        <p:cTn id="16" dur="1" fill="hold">
+                                          <p:stCondLst>
+                                            <p:cond delay="0"/>
+                                          </p:stCondLst>
+                                        </p:cTn>
+                                        <p:tgtEl>
+                                          <p:spTgt spid="101"/>
+                                        </p:tgtEl>
+                                        <p:attrNameLst>
+                                          <p:attrName>style.visibility</p:attrName>
+                                        </p:attrNameLst>
+                                      </p:cBhvr>
+                                      <p:to>
+                                        <p:strVal val="visible"/>
+                                      </p:to>
+                                    </p:set>
+                                  </p:childTnLst>
+                                </p:cTn>
+                              </p:par>
+                              <p:par>
+                                <p:cTn id="17" presetID="1" presetClass="entr" presetSubtype="0" fill="hold" grpId="0" nodeType="withEffect">
+                                  <p:stCondLst>
+                                    <p:cond delay="0"/>
+                                  </p:stCondLst>
+                                  <p:childTnLst>
+                                    <p:set>
+                                      <p:cBhvr>
+                                        <p:cTn id="18" dur="1" fill="hold">
+                                          <p:stCondLst>
+                                            <p:cond delay="0"/>
+                                          </p:stCondLst>
+                                        </p:cTn>
+                                        <p:tgtEl>
+                                          <p:spTgt spid="93"/>
+                                        </p:tgtEl>
+                                        <p:attrNameLst>
+                                          <p:attrName>style.visibility</p:attrName>
+                                        </p:attrNameLst>
+                                      </p:cBhvr>
+                                      <p:to>
+                                        <p:strVal val="visible"/>
+                                      </p:to>
+                                    </p:set>
+                                  </p:childTnLst>
+                                </p:cTn>
+                              </p:par>
+                            </p:childTnLst>
+                          </p:cTn>
+                        </p:par>
+                      </p:childTnLst>
+                    </p:cTn>
+                  </p:par>
+                  <p:par>
+                    <p:cTn id="19" fill="hold">
+                      <p:stCondLst>
+                        <p:cond delay="indefinite"/>
+                      </p:stCondLst>
+                      <p:childTnLst>
+                        <p:par>
+                          <p:cTn id="20" fill="hold">
+                            <p:stCondLst>
+                              <p:cond delay="0"/>
+                            </p:stCondLst>
+                            <p:childTnLst>
+                              <p:par>
+                                <p:cTn id="21" presetID="1" presetClass="entr" presetSubtype="0" fill="hold" grpId="0" nodeType="clickEffect">
+                                  <p:stCondLst>
+                                    <p:cond delay="0"/>
+                                  </p:stCondLst>
+                                  <p:childTnLst>
+                                    <p:set>
+                                      <p:cBhvr>
+                                        <p:cTn id="22" dur="1" fill="hold">
+                                          <p:stCondLst>
+                                            <p:cond delay="0"/>
+                                          </p:stCondLst>
+                                        </p:cTn>
+                                        <p:tgtEl>
+                                          <p:spTgt spid="94"/>
+                                        </p:tgtEl>
+                                        <p:attrNameLst>
+                                          <p:attrName>style.visibility</p:attrName>
+                                        </p:attrNameLst>
+                                      </p:cBhvr>
+                                      <p:to>
+                                        <p:strVal val="visible"/>
+                                      </p:to>
+                                    </p:set>
+                                  </p:childTnLst>
+                                </p:cTn>
+                              </p:par>
+                            </p:childTnLst>
+                          </p:cTn>
+                        </p:par>
+                      </p:childTnLst>
+                    </p:cTn>
+                  </p:par>
+                  <p:par>
+                    <p:cTn id="23" fill="hold">
+                      <p:stCondLst>
+                        <p:cond delay="indefinite"/>
+                      </p:stCondLst>
+                      <p:childTnLst>
+                        <p:par>
+                          <p:cTn id="24" fill="hold">
+                            <p:stCondLst>
+                              <p:cond delay="0"/>
+                            </p:stCondLst>
+                            <p:childTnLst>
+                              <p:par>
+                                <p:cTn id="25" presetID="1" presetClass="entr" presetSubtype="0" fill="hold" nodeType="clickEffect">
+                                  <p:stCondLst>
+                                    <p:cond delay="0"/>
+                                  </p:stCondLst>
+                                  <p:childTnLst>
+                                    <p:set>
+                                      <p:cBhvr>
+                                        <p:cTn id="26" dur="1" fill="hold">
+                                          <p:stCondLst>
+                                            <p:cond delay="0"/>
+                                          </p:stCondLst>
+                                        </p:cTn>
+                                        <p:tgtEl>
+                                          <p:spTgt spid="100"/>
+                                        </p:tgtEl>
+                                        <p:attrNameLst>
+                                          <p:attrName>style.visibility</p:attrName>
+                                        </p:attrNameLst>
+                                      </p:cBhvr>
+                                      <p:to>
+                                        <p:strVal val="visible"/>
+                                      </p:to>
+                                    </p:set>
+                                  </p:childTnLst>
+                                </p:cTn>
+                              </p:par>
+                            </p:childTnLst>
+                          </p:cTn>
+                        </p:par>
+                      </p:childTnLst>
+                    </p:cTn>
+                  </p:par>
+                  <p:par>
+                    <p:cTn id="27" fill="hold">
+                      <p:stCondLst>
+                        <p:cond delay="indefinite"/>
+                      </p:stCondLst>
+                      <p:childTnLst>
+                        <p:par>
+                          <p:cTn id="28" fill="hold">
+                            <p:stCondLst>
+                              <p:cond delay="0"/>
+                            </p:stCondLst>
+                            <p:childTnLst>
+                              <p:par>
+                                <p:cTn id="29" presetID="1" presetClass="entr" presetSubtype="0" fill="hold" nodeType="clickEffect">
+                                  <p:stCondLst>
+                                    <p:cond delay="0"/>
+                                  </p:stCondLst>
+                                  <p:childTnLst>
+                                    <p:set>
+                                      <p:cBhvr>
+                                        <p:cTn id="30" dur="1" fill="hold">
+                                          <p:stCondLst>
+                                            <p:cond delay="0"/>
+                                          </p:stCondLst>
+                                        </p:cTn>
+                                        <p:tgtEl>
+                                          <p:spTgt spid="4"/>
                                         </p:tgtEl>
                                         <p:attrNameLst>
                                           <p:attrName>style.visibility</p:attrName>
@@ -17332,6 +21104,12 @@
         </p:cTn>
       </p:par>
     </p:tnLst>
+    <p:bldLst>
+      <p:bldP spid="3" grpId="0" build="p"/>
+      <p:bldP spid="93" grpId="0"/>
+      <p:bldP spid="94" grpId="0"/>
+      <p:bldP spid="101" grpId="0"/>
+    </p:bldLst>
   </p:timing>
 </p:sld>
 </file>
@@ -17399,7 +21177,7 @@
         </p:spPr>
         <p:txBody>
           <a:bodyPr>
-            <a:normAutofit lnSpcReduction="10000"/>
+            <a:normAutofit fontScale="92500" lnSpcReduction="10000"/>
           </a:bodyPr>
           <a:lstStyle/>
           <a:p>
@@ -17438,7 +21216,27 @@
           <a:p>
             <a:r>
               <a:rPr lang="en-CA" dirty="0" smtClean="0"/>
-              <a:t>Clearly, we should split on humidity next, leading to two pure leaf nodes (so we recur back to the next value of Outlook which is “Overcast”)</a:t>
+              <a:t>Clearly, we should split on humidity next, leading to two pure leaf nodes </a:t>
+            </a:r>
+            <a:endParaRPr lang="en-CA" dirty="0" smtClean="0"/>
+          </a:p>
+          <a:p>
+            <a:pPr lvl="1"/>
+            <a:r>
+              <a:rPr lang="en-CA" dirty="0" smtClean="0"/>
+              <a:t>(</a:t>
+            </a:r>
+            <a:r>
+              <a:rPr lang="en-CA" dirty="0" smtClean="0"/>
+              <a:t>after that, </a:t>
+            </a:r>
+            <a:r>
+              <a:rPr lang="en-CA" dirty="0" smtClean="0"/>
+              <a:t>we </a:t>
+            </a:r>
+            <a:r>
+              <a:rPr lang="en-CA" dirty="0" smtClean="0"/>
+              <a:t>recur back to the next value of Outlook which is “Overcast”)</a:t>
             </a:r>
           </a:p>
           <a:p>
@@ -17483,9 +21281,351 @@
   <p:timing>
     <p:tnLst>
       <p:par>
-        <p:cTn id="1" dur="indefinite" restart="never" nodeType="tmRoot"/>
+        <p:cTn id="1" dur="indefinite" restart="never" nodeType="tmRoot">
+          <p:childTnLst>
+            <p:seq concurrent="1" nextAc="seek">
+              <p:cTn id="2" dur="indefinite" nodeType="mainSeq">
+                <p:childTnLst>
+                  <p:par>
+                    <p:cTn id="3" fill="hold">
+                      <p:stCondLst>
+                        <p:cond delay="indefinite"/>
+                      </p:stCondLst>
+                      <p:childTnLst>
+                        <p:par>
+                          <p:cTn id="4" fill="hold">
+                            <p:stCondLst>
+                              <p:cond delay="0"/>
+                            </p:stCondLst>
+                            <p:childTnLst>
+                              <p:par>
+                                <p:cTn id="5" presetID="1" presetClass="entr" presetSubtype="0" fill="hold" nodeType="clickEffect">
+                                  <p:stCondLst>
+                                    <p:cond delay="0"/>
+                                  </p:stCondLst>
+                                  <p:childTnLst>
+                                    <p:set>
+                                      <p:cBhvr>
+                                        <p:cTn id="6" dur="1" fill="hold">
+                                          <p:stCondLst>
+                                            <p:cond delay="0"/>
+                                          </p:stCondLst>
+                                        </p:cTn>
+                                        <p:tgtEl>
+                                          <p:spTgt spid="4"/>
+                                        </p:tgtEl>
+                                        <p:attrNameLst>
+                                          <p:attrName>style.visibility</p:attrName>
+                                        </p:attrNameLst>
+                                      </p:cBhvr>
+                                      <p:to>
+                                        <p:strVal val="visible"/>
+                                      </p:to>
+                                    </p:set>
+                                  </p:childTnLst>
+                                </p:cTn>
+                              </p:par>
+                            </p:childTnLst>
+                          </p:cTn>
+                        </p:par>
+                      </p:childTnLst>
+                    </p:cTn>
+                  </p:par>
+                  <p:par>
+                    <p:cTn id="7" fill="hold">
+                      <p:stCondLst>
+                        <p:cond delay="indefinite"/>
+                      </p:stCondLst>
+                      <p:childTnLst>
+                        <p:par>
+                          <p:cTn id="8" fill="hold">
+                            <p:stCondLst>
+                              <p:cond delay="0"/>
+                            </p:stCondLst>
+                            <p:childTnLst>
+                              <p:par>
+                                <p:cTn id="9" presetID="1" presetClass="entr" presetSubtype="0" fill="hold" grpId="0" nodeType="clickEffect">
+                                  <p:stCondLst>
+                                    <p:cond delay="0"/>
+                                  </p:stCondLst>
+                                  <p:childTnLst>
+                                    <p:set>
+                                      <p:cBhvr>
+                                        <p:cTn id="10" dur="1" fill="hold">
+                                          <p:stCondLst>
+                                            <p:cond delay="0"/>
+                                          </p:stCondLst>
+                                        </p:cTn>
+                                        <p:tgtEl>
+                                          <p:spTgt spid="3">
+                                            <p:txEl>
+                                              <p:pRg st="0" end="0"/>
+                                            </p:txEl>
+                                          </p:spTgt>
+                                        </p:tgtEl>
+                                        <p:attrNameLst>
+                                          <p:attrName>style.visibility</p:attrName>
+                                        </p:attrNameLst>
+                                      </p:cBhvr>
+                                      <p:to>
+                                        <p:strVal val="visible"/>
+                                      </p:to>
+                                    </p:set>
+                                  </p:childTnLst>
+                                </p:cTn>
+                              </p:par>
+                            </p:childTnLst>
+                          </p:cTn>
+                        </p:par>
+                      </p:childTnLst>
+                    </p:cTn>
+                  </p:par>
+                  <p:par>
+                    <p:cTn id="11" fill="hold">
+                      <p:stCondLst>
+                        <p:cond delay="indefinite"/>
+                      </p:stCondLst>
+                      <p:childTnLst>
+                        <p:par>
+                          <p:cTn id="12" fill="hold">
+                            <p:stCondLst>
+                              <p:cond delay="0"/>
+                            </p:stCondLst>
+                            <p:childTnLst>
+                              <p:par>
+                                <p:cTn id="13" presetID="1" presetClass="entr" presetSubtype="0" fill="hold" grpId="0" nodeType="clickEffect">
+                                  <p:stCondLst>
+                                    <p:cond delay="0"/>
+                                  </p:stCondLst>
+                                  <p:childTnLst>
+                                    <p:set>
+                                      <p:cBhvr>
+                                        <p:cTn id="14" dur="1" fill="hold">
+                                          <p:stCondLst>
+                                            <p:cond delay="0"/>
+                                          </p:stCondLst>
+                                        </p:cTn>
+                                        <p:tgtEl>
+                                          <p:spTgt spid="3">
+                                            <p:txEl>
+                                              <p:pRg st="1" end="1"/>
+                                            </p:txEl>
+                                          </p:spTgt>
+                                        </p:tgtEl>
+                                        <p:attrNameLst>
+                                          <p:attrName>style.visibility</p:attrName>
+                                        </p:attrNameLst>
+                                      </p:cBhvr>
+                                      <p:to>
+                                        <p:strVal val="visible"/>
+                                      </p:to>
+                                    </p:set>
+                                  </p:childTnLst>
+                                </p:cTn>
+                              </p:par>
+                              <p:par>
+                                <p:cTn id="15" presetID="1" presetClass="entr" presetSubtype="0" fill="hold" grpId="0" nodeType="withEffect">
+                                  <p:stCondLst>
+                                    <p:cond delay="0"/>
+                                  </p:stCondLst>
+                                  <p:childTnLst>
+                                    <p:set>
+                                      <p:cBhvr>
+                                        <p:cTn id="16" dur="1" fill="hold">
+                                          <p:stCondLst>
+                                            <p:cond delay="0"/>
+                                          </p:stCondLst>
+                                        </p:cTn>
+                                        <p:tgtEl>
+                                          <p:spTgt spid="3">
+                                            <p:txEl>
+                                              <p:pRg st="2" end="2"/>
+                                            </p:txEl>
+                                          </p:spTgt>
+                                        </p:tgtEl>
+                                        <p:attrNameLst>
+                                          <p:attrName>style.visibility</p:attrName>
+                                        </p:attrNameLst>
+                                      </p:cBhvr>
+                                      <p:to>
+                                        <p:strVal val="visible"/>
+                                      </p:to>
+                                    </p:set>
+                                  </p:childTnLst>
+                                </p:cTn>
+                              </p:par>
+                              <p:par>
+                                <p:cTn id="17" presetID="1" presetClass="entr" presetSubtype="0" fill="hold" grpId="0" nodeType="withEffect">
+                                  <p:stCondLst>
+                                    <p:cond delay="0"/>
+                                  </p:stCondLst>
+                                  <p:childTnLst>
+                                    <p:set>
+                                      <p:cBhvr>
+                                        <p:cTn id="18" dur="1" fill="hold">
+                                          <p:stCondLst>
+                                            <p:cond delay="0"/>
+                                          </p:stCondLst>
+                                        </p:cTn>
+                                        <p:tgtEl>
+                                          <p:spTgt spid="3">
+                                            <p:txEl>
+                                              <p:pRg st="3" end="3"/>
+                                            </p:txEl>
+                                          </p:spTgt>
+                                        </p:tgtEl>
+                                        <p:attrNameLst>
+                                          <p:attrName>style.visibility</p:attrName>
+                                        </p:attrNameLst>
+                                      </p:cBhvr>
+                                      <p:to>
+                                        <p:strVal val="visible"/>
+                                      </p:to>
+                                    </p:set>
+                                  </p:childTnLst>
+                                </p:cTn>
+                              </p:par>
+                              <p:par>
+                                <p:cTn id="19" presetID="1" presetClass="entr" presetSubtype="0" fill="hold" grpId="0" nodeType="withEffect">
+                                  <p:stCondLst>
+                                    <p:cond delay="0"/>
+                                  </p:stCondLst>
+                                  <p:childTnLst>
+                                    <p:set>
+                                      <p:cBhvr>
+                                        <p:cTn id="20" dur="1" fill="hold">
+                                          <p:stCondLst>
+                                            <p:cond delay="0"/>
+                                          </p:stCondLst>
+                                        </p:cTn>
+                                        <p:tgtEl>
+                                          <p:spTgt spid="3">
+                                            <p:txEl>
+                                              <p:pRg st="4" end="4"/>
+                                            </p:txEl>
+                                          </p:spTgt>
+                                        </p:tgtEl>
+                                        <p:attrNameLst>
+                                          <p:attrName>style.visibility</p:attrName>
+                                        </p:attrNameLst>
+                                      </p:cBhvr>
+                                      <p:to>
+                                        <p:strVal val="visible"/>
+                                      </p:to>
+                                    </p:set>
+                                  </p:childTnLst>
+                                </p:cTn>
+                              </p:par>
+                            </p:childTnLst>
+                          </p:cTn>
+                        </p:par>
+                      </p:childTnLst>
+                    </p:cTn>
+                  </p:par>
+                  <p:par>
+                    <p:cTn id="21" fill="hold">
+                      <p:stCondLst>
+                        <p:cond delay="indefinite"/>
+                      </p:stCondLst>
+                      <p:childTnLst>
+                        <p:par>
+                          <p:cTn id="22" fill="hold">
+                            <p:stCondLst>
+                              <p:cond delay="0"/>
+                            </p:stCondLst>
+                            <p:childTnLst>
+                              <p:par>
+                                <p:cTn id="23" presetID="1" presetClass="entr" presetSubtype="0" fill="hold" grpId="0" nodeType="clickEffect">
+                                  <p:stCondLst>
+                                    <p:cond delay="0"/>
+                                  </p:stCondLst>
+                                  <p:childTnLst>
+                                    <p:set>
+                                      <p:cBhvr>
+                                        <p:cTn id="24" dur="1" fill="hold">
+                                          <p:stCondLst>
+                                            <p:cond delay="0"/>
+                                          </p:stCondLst>
+                                        </p:cTn>
+                                        <p:tgtEl>
+                                          <p:spTgt spid="3">
+                                            <p:txEl>
+                                              <p:pRg st="5" end="5"/>
+                                            </p:txEl>
+                                          </p:spTgt>
+                                        </p:tgtEl>
+                                        <p:attrNameLst>
+                                          <p:attrName>style.visibility</p:attrName>
+                                        </p:attrNameLst>
+                                      </p:cBhvr>
+                                      <p:to>
+                                        <p:strVal val="visible"/>
+                                      </p:to>
+                                    </p:set>
+                                  </p:childTnLst>
+                                </p:cTn>
+                              </p:par>
+                              <p:par>
+                                <p:cTn id="25" presetID="1" presetClass="entr" presetSubtype="0" fill="hold" grpId="0" nodeType="withEffect">
+                                  <p:stCondLst>
+                                    <p:cond delay="0"/>
+                                  </p:stCondLst>
+                                  <p:childTnLst>
+                                    <p:set>
+                                      <p:cBhvr>
+                                        <p:cTn id="26" dur="1" fill="hold">
+                                          <p:stCondLst>
+                                            <p:cond delay="0"/>
+                                          </p:stCondLst>
+                                        </p:cTn>
+                                        <p:tgtEl>
+                                          <p:spTgt spid="3">
+                                            <p:txEl>
+                                              <p:pRg st="6" end="6"/>
+                                            </p:txEl>
+                                          </p:spTgt>
+                                        </p:tgtEl>
+                                        <p:attrNameLst>
+                                          <p:attrName>style.visibility</p:attrName>
+                                        </p:attrNameLst>
+                                      </p:cBhvr>
+                                      <p:to>
+                                        <p:strVal val="visible"/>
+                                      </p:to>
+                                    </p:set>
+                                  </p:childTnLst>
+                                </p:cTn>
+                              </p:par>
+                            </p:childTnLst>
+                          </p:cTn>
+                        </p:par>
+                      </p:childTnLst>
+                    </p:cTn>
+                  </p:par>
+                </p:childTnLst>
+              </p:cTn>
+              <p:prevCondLst>
+                <p:cond evt="onPrev" delay="0">
+                  <p:tgtEl>
+                    <p:sldTgt/>
+                  </p:tgtEl>
+                </p:cond>
+              </p:prevCondLst>
+              <p:nextCondLst>
+                <p:cond evt="onNext" delay="0">
+                  <p:tgtEl>
+                    <p:sldTgt/>
+                  </p:tgtEl>
+                </p:cond>
+              </p:nextCondLst>
+            </p:seq>
+          </p:childTnLst>
+        </p:cTn>
       </p:par>
     </p:tnLst>
+    <p:bldLst>
+      <p:bldP spid="3" grpId="0" build="p"/>
+    </p:bldLst>
   </p:timing>
 </p:sld>
 </file>
@@ -17621,9 +21761,258 @@
   <p:timing>
     <p:tnLst>
       <p:par>
-        <p:cTn id="1" dur="indefinite" restart="never" nodeType="tmRoot"/>
+        <p:cTn id="1" dur="indefinite" restart="never" nodeType="tmRoot">
+          <p:childTnLst>
+            <p:seq concurrent="1" nextAc="seek">
+              <p:cTn id="2" dur="indefinite" nodeType="mainSeq">
+                <p:childTnLst>
+                  <p:par>
+                    <p:cTn id="3" fill="hold">
+                      <p:stCondLst>
+                        <p:cond delay="indefinite"/>
+                      </p:stCondLst>
+                      <p:childTnLst>
+                        <p:par>
+                          <p:cTn id="4" fill="hold">
+                            <p:stCondLst>
+                              <p:cond delay="0"/>
+                            </p:stCondLst>
+                            <p:childTnLst>
+                              <p:par>
+                                <p:cTn id="5" presetID="1" presetClass="entr" presetSubtype="0" fill="hold" nodeType="clickEffect">
+                                  <p:stCondLst>
+                                    <p:cond delay="0"/>
+                                  </p:stCondLst>
+                                  <p:childTnLst>
+                                    <p:set>
+                                      <p:cBhvr>
+                                        <p:cTn id="6" dur="1" fill="hold">
+                                          <p:stCondLst>
+                                            <p:cond delay="0"/>
+                                          </p:stCondLst>
+                                        </p:cTn>
+                                        <p:tgtEl>
+                                          <p:spTgt spid="5"/>
+                                        </p:tgtEl>
+                                        <p:attrNameLst>
+                                          <p:attrName>style.visibility</p:attrName>
+                                        </p:attrNameLst>
+                                      </p:cBhvr>
+                                      <p:to>
+                                        <p:strVal val="visible"/>
+                                      </p:to>
+                                    </p:set>
+                                  </p:childTnLst>
+                                </p:cTn>
+                              </p:par>
+                            </p:childTnLst>
+                          </p:cTn>
+                        </p:par>
+                      </p:childTnLst>
+                    </p:cTn>
+                  </p:par>
+                  <p:par>
+                    <p:cTn id="7" fill="hold">
+                      <p:stCondLst>
+                        <p:cond delay="indefinite"/>
+                      </p:stCondLst>
+                      <p:childTnLst>
+                        <p:par>
+                          <p:cTn id="8" fill="hold">
+                            <p:stCondLst>
+                              <p:cond delay="0"/>
+                            </p:stCondLst>
+                            <p:childTnLst>
+                              <p:par>
+                                <p:cTn id="9" presetID="1" presetClass="entr" presetSubtype="0" fill="hold" grpId="0" nodeType="clickEffect">
+                                  <p:stCondLst>
+                                    <p:cond delay="0"/>
+                                  </p:stCondLst>
+                                  <p:childTnLst>
+                                    <p:set>
+                                      <p:cBhvr>
+                                        <p:cTn id="10" dur="1" fill="hold">
+                                          <p:stCondLst>
+                                            <p:cond delay="0"/>
+                                          </p:stCondLst>
+                                        </p:cTn>
+                                        <p:tgtEl>
+                                          <p:spTgt spid="3">
+                                            <p:txEl>
+                                              <p:pRg st="0" end="0"/>
+                                            </p:txEl>
+                                          </p:spTgt>
+                                        </p:tgtEl>
+                                        <p:attrNameLst>
+                                          <p:attrName>style.visibility</p:attrName>
+                                        </p:attrNameLst>
+                                      </p:cBhvr>
+                                      <p:to>
+                                        <p:strVal val="visible"/>
+                                      </p:to>
+                                    </p:set>
+                                  </p:childTnLst>
+                                </p:cTn>
+                              </p:par>
+                            </p:childTnLst>
+                          </p:cTn>
+                        </p:par>
+                      </p:childTnLst>
+                    </p:cTn>
+                  </p:par>
+                  <p:par>
+                    <p:cTn id="11" fill="hold">
+                      <p:stCondLst>
+                        <p:cond delay="indefinite"/>
+                      </p:stCondLst>
+                      <p:childTnLst>
+                        <p:par>
+                          <p:cTn id="12" fill="hold">
+                            <p:stCondLst>
+                              <p:cond delay="0"/>
+                            </p:stCondLst>
+                            <p:childTnLst>
+                              <p:par>
+                                <p:cTn id="13" presetID="1" presetClass="entr" presetSubtype="0" fill="hold" grpId="0" nodeType="clickEffect">
+                                  <p:stCondLst>
+                                    <p:cond delay="0"/>
+                                  </p:stCondLst>
+                                  <p:childTnLst>
+                                    <p:set>
+                                      <p:cBhvr>
+                                        <p:cTn id="14" dur="1" fill="hold">
+                                          <p:stCondLst>
+                                            <p:cond delay="0"/>
+                                          </p:stCondLst>
+                                        </p:cTn>
+                                        <p:tgtEl>
+                                          <p:spTgt spid="3">
+                                            <p:txEl>
+                                              <p:pRg st="1" end="1"/>
+                                            </p:txEl>
+                                          </p:spTgt>
+                                        </p:tgtEl>
+                                        <p:attrNameLst>
+                                          <p:attrName>style.visibility</p:attrName>
+                                        </p:attrNameLst>
+                                      </p:cBhvr>
+                                      <p:to>
+                                        <p:strVal val="visible"/>
+                                      </p:to>
+                                    </p:set>
+                                  </p:childTnLst>
+                                </p:cTn>
+                              </p:par>
+                              <p:par>
+                                <p:cTn id="15" presetID="1" presetClass="entr" presetSubtype="0" fill="hold" grpId="0" nodeType="withEffect">
+                                  <p:stCondLst>
+                                    <p:cond delay="0"/>
+                                  </p:stCondLst>
+                                  <p:childTnLst>
+                                    <p:set>
+                                      <p:cBhvr>
+                                        <p:cTn id="16" dur="1" fill="hold">
+                                          <p:stCondLst>
+                                            <p:cond delay="0"/>
+                                          </p:stCondLst>
+                                        </p:cTn>
+                                        <p:tgtEl>
+                                          <p:spTgt spid="3">
+                                            <p:txEl>
+                                              <p:pRg st="2" end="2"/>
+                                            </p:txEl>
+                                          </p:spTgt>
+                                        </p:tgtEl>
+                                        <p:attrNameLst>
+                                          <p:attrName>style.visibility</p:attrName>
+                                        </p:attrNameLst>
+                                      </p:cBhvr>
+                                      <p:to>
+                                        <p:strVal val="visible"/>
+                                      </p:to>
+                                    </p:set>
+                                  </p:childTnLst>
+                                </p:cTn>
+                              </p:par>
+                            </p:childTnLst>
+                          </p:cTn>
+                        </p:par>
+                      </p:childTnLst>
+                    </p:cTn>
+                  </p:par>
+                  <p:par>
+                    <p:cTn id="17" fill="hold">
+                      <p:stCondLst>
+                        <p:cond delay="indefinite"/>
+                      </p:stCondLst>
+                      <p:childTnLst>
+                        <p:par>
+                          <p:cTn id="18" fill="hold">
+                            <p:stCondLst>
+                              <p:cond delay="0"/>
+                            </p:stCondLst>
+                            <p:childTnLst>
+                              <p:par>
+                                <p:cTn id="19" presetID="1" presetClass="entr" presetSubtype="0" fill="hold" grpId="0" nodeType="clickEffect">
+                                  <p:stCondLst>
+                                    <p:cond delay="0"/>
+                                  </p:stCondLst>
+                                  <p:childTnLst>
+                                    <p:set>
+                                      <p:cBhvr>
+                                        <p:cTn id="20" dur="1" fill="hold">
+                                          <p:stCondLst>
+                                            <p:cond delay="0"/>
+                                          </p:stCondLst>
+                                        </p:cTn>
+                                        <p:tgtEl>
+                                          <p:spTgt spid="3">
+                                            <p:txEl>
+                                              <p:pRg st="3" end="3"/>
+                                            </p:txEl>
+                                          </p:spTgt>
+                                        </p:tgtEl>
+                                        <p:attrNameLst>
+                                          <p:attrName>style.visibility</p:attrName>
+                                        </p:attrNameLst>
+                                      </p:cBhvr>
+                                      <p:to>
+                                        <p:strVal val="visible"/>
+                                      </p:to>
+                                    </p:set>
+                                  </p:childTnLst>
+                                </p:cTn>
+                              </p:par>
+                            </p:childTnLst>
+                          </p:cTn>
+                        </p:par>
+                      </p:childTnLst>
+                    </p:cTn>
+                  </p:par>
+                </p:childTnLst>
+              </p:cTn>
+              <p:prevCondLst>
+                <p:cond evt="onPrev" delay="0">
+                  <p:tgtEl>
+                    <p:sldTgt/>
+                  </p:tgtEl>
+                </p:cond>
+              </p:prevCondLst>
+              <p:nextCondLst>
+                <p:cond evt="onNext" delay="0">
+                  <p:tgtEl>
+                    <p:sldTgt/>
+                  </p:tgtEl>
+                </p:cond>
+              </p:nextCondLst>
+            </p:seq>
+          </p:childTnLst>
+        </p:cTn>
       </p:par>
     </p:tnLst>
+    <p:bldLst>
+      <p:bldP spid="3" grpId="0" build="p"/>
+    </p:bldLst>
   </p:timing>
 </p:sld>
 </file>

--- a/Lecture_05.pptx
+++ b/Lecture_05.pptx
@@ -6,19 +6,21 @@
   </p:sldMasterIdLst>
   <p:sldIdLst>
     <p:sldId id="256" r:id="rId2"/>
-    <p:sldId id="257" r:id="rId3"/>
-    <p:sldId id="258" r:id="rId4"/>
-    <p:sldId id="259" r:id="rId5"/>
-    <p:sldId id="260" r:id="rId6"/>
-    <p:sldId id="261" r:id="rId7"/>
-    <p:sldId id="262" r:id="rId8"/>
-    <p:sldId id="263" r:id="rId9"/>
-    <p:sldId id="264" r:id="rId10"/>
-    <p:sldId id="266" r:id="rId11"/>
-    <p:sldId id="265" r:id="rId12"/>
-    <p:sldId id="267" r:id="rId13"/>
-    <p:sldId id="268" r:id="rId14"/>
-    <p:sldId id="269" r:id="rId15"/>
+    <p:sldId id="270" r:id="rId3"/>
+    <p:sldId id="257" r:id="rId4"/>
+    <p:sldId id="258" r:id="rId5"/>
+    <p:sldId id="259" r:id="rId6"/>
+    <p:sldId id="260" r:id="rId7"/>
+    <p:sldId id="261" r:id="rId8"/>
+    <p:sldId id="262" r:id="rId9"/>
+    <p:sldId id="263" r:id="rId10"/>
+    <p:sldId id="264" r:id="rId11"/>
+    <p:sldId id="266" r:id="rId12"/>
+    <p:sldId id="265" r:id="rId13"/>
+    <p:sldId id="267" r:id="rId14"/>
+    <p:sldId id="268" r:id="rId15"/>
+    <p:sldId id="271" r:id="rId16"/>
+    <p:sldId id="269" r:id="rId17"/>
   </p:sldIdLst>
   <p:sldSz cx="12192000" cy="6858000"/>
   <p:notesSz cx="6858000" cy="9144000"/>
@@ -256,7 +258,7 @@
           <a:p>
             <a:fld id="{59D48268-5D88-4C4C-93D2-B8F1837ADC84}" type="datetimeFigureOut">
               <a:rPr lang="en-CA" smtClean="0"/>
-              <a:t>2019-09-12</a:t>
+              <a:t>2019-09-13</a:t>
             </a:fld>
             <a:endParaRPr lang="en-CA"/>
           </a:p>
@@ -426,7 +428,7 @@
           <a:p>
             <a:fld id="{59D48268-5D88-4C4C-93D2-B8F1837ADC84}" type="datetimeFigureOut">
               <a:rPr lang="en-CA" smtClean="0"/>
-              <a:t>2019-09-12</a:t>
+              <a:t>2019-09-13</a:t>
             </a:fld>
             <a:endParaRPr lang="en-CA"/>
           </a:p>
@@ -606,7 +608,7 @@
           <a:p>
             <a:fld id="{59D48268-5D88-4C4C-93D2-B8F1837ADC84}" type="datetimeFigureOut">
               <a:rPr lang="en-CA" smtClean="0"/>
-              <a:t>2019-09-12</a:t>
+              <a:t>2019-09-13</a:t>
             </a:fld>
             <a:endParaRPr lang="en-CA"/>
           </a:p>
@@ -776,7 +778,7 @@
           <a:p>
             <a:fld id="{59D48268-5D88-4C4C-93D2-B8F1837ADC84}" type="datetimeFigureOut">
               <a:rPr lang="en-CA" smtClean="0"/>
-              <a:t>2019-09-12</a:t>
+              <a:t>2019-09-13</a:t>
             </a:fld>
             <a:endParaRPr lang="en-CA"/>
           </a:p>
@@ -1022,7 +1024,7 @@
           <a:p>
             <a:fld id="{59D48268-5D88-4C4C-93D2-B8F1837ADC84}" type="datetimeFigureOut">
               <a:rPr lang="en-CA" smtClean="0"/>
-              <a:t>2019-09-12</a:t>
+              <a:t>2019-09-13</a:t>
             </a:fld>
             <a:endParaRPr lang="en-CA"/>
           </a:p>
@@ -1254,7 +1256,7 @@
           <a:p>
             <a:fld id="{59D48268-5D88-4C4C-93D2-B8F1837ADC84}" type="datetimeFigureOut">
               <a:rPr lang="en-CA" smtClean="0"/>
-              <a:t>2019-09-12</a:t>
+              <a:t>2019-09-13</a:t>
             </a:fld>
             <a:endParaRPr lang="en-CA"/>
           </a:p>
@@ -1621,7 +1623,7 @@
           <a:p>
             <a:fld id="{59D48268-5D88-4C4C-93D2-B8F1837ADC84}" type="datetimeFigureOut">
               <a:rPr lang="en-CA" smtClean="0"/>
-              <a:t>2019-09-12</a:t>
+              <a:t>2019-09-13</a:t>
             </a:fld>
             <a:endParaRPr lang="en-CA"/>
           </a:p>
@@ -1739,7 +1741,7 @@
           <a:p>
             <a:fld id="{59D48268-5D88-4C4C-93D2-B8F1837ADC84}" type="datetimeFigureOut">
               <a:rPr lang="en-CA" smtClean="0"/>
-              <a:t>2019-09-12</a:t>
+              <a:t>2019-09-13</a:t>
             </a:fld>
             <a:endParaRPr lang="en-CA"/>
           </a:p>
@@ -1834,7 +1836,7 @@
           <a:p>
             <a:fld id="{59D48268-5D88-4C4C-93D2-B8F1837ADC84}" type="datetimeFigureOut">
               <a:rPr lang="en-CA" smtClean="0"/>
-              <a:t>2019-09-12</a:t>
+              <a:t>2019-09-13</a:t>
             </a:fld>
             <a:endParaRPr lang="en-CA"/>
           </a:p>
@@ -2111,7 +2113,7 @@
           <a:p>
             <a:fld id="{59D48268-5D88-4C4C-93D2-B8F1837ADC84}" type="datetimeFigureOut">
               <a:rPr lang="en-CA" smtClean="0"/>
-              <a:t>2019-09-12</a:t>
+              <a:t>2019-09-13</a:t>
             </a:fld>
             <a:endParaRPr lang="en-CA"/>
           </a:p>
@@ -2364,7 +2366,7 @@
           <a:p>
             <a:fld id="{59D48268-5D88-4C4C-93D2-B8F1837ADC84}" type="datetimeFigureOut">
               <a:rPr lang="en-CA" smtClean="0"/>
-              <a:t>2019-09-12</a:t>
+              <a:t>2019-09-13</a:t>
             </a:fld>
             <a:endParaRPr lang="en-CA"/>
           </a:p>
@@ -2577,7 +2579,7 @@
           <a:p>
             <a:fld id="{59D48268-5D88-4C4C-93D2-B8F1837ADC84}" type="datetimeFigureOut">
               <a:rPr lang="en-CA" smtClean="0"/>
-              <a:t>2019-09-12</a:t>
+              <a:t>2019-09-13</a:t>
             </a:fld>
             <a:endParaRPr lang="en-CA"/>
           </a:p>
@@ -3056,6 +3058,393 @@
 </file>
 
 <file path=ppt/slides/slide10.xml><?xml version="1.0" encoding="utf-8"?>
+<p:sld xmlns:a="http://schemas.openxmlformats.org/drawingml/2006/main" xmlns:r="http://schemas.openxmlformats.org/officeDocument/2006/relationships" xmlns:p="http://schemas.openxmlformats.org/presentationml/2006/main">
+  <p:cSld>
+    <p:spTree>
+      <p:nvGrpSpPr>
+        <p:cNvPr id="1" name=""/>
+        <p:cNvGrpSpPr/>
+        <p:nvPr/>
+      </p:nvGrpSpPr>
+      <p:grpSpPr>
+        <a:xfrm>
+          <a:off x="0" y="0"/>
+          <a:ext cx="0" cy="0"/>
+          <a:chOff x="0" y="0"/>
+          <a:chExt cx="0" cy="0"/>
+        </a:xfrm>
+      </p:grpSpPr>
+      <p:sp>
+        <p:nvSpPr>
+          <p:cNvPr id="2" name="Title 1"/>
+          <p:cNvSpPr>
+            <a:spLocks noGrp="1"/>
+          </p:cNvSpPr>
+          <p:nvPr>
+            <p:ph type="title"/>
+          </p:nvPr>
+        </p:nvSpPr>
+        <p:spPr>
+          <a:xfrm>
+            <a:off x="-1" y="0"/>
+            <a:ext cx="10695709" cy="789709"/>
+          </a:xfrm>
+        </p:spPr>
+        <p:txBody>
+          <a:bodyPr/>
+          <a:lstStyle/>
+          <a:p>
+            <a:r>
+              <a:rPr lang="en-CA" dirty="0" smtClean="0"/>
+              <a:t>Final Decision Tree for weather data</a:t>
+            </a:r>
+            <a:endParaRPr lang="en-CA" dirty="0"/>
+          </a:p>
+        </p:txBody>
+      </p:sp>
+      <p:sp>
+        <p:nvSpPr>
+          <p:cNvPr id="3" name="Content Placeholder 2"/>
+          <p:cNvSpPr>
+            <a:spLocks noGrp="1"/>
+          </p:cNvSpPr>
+          <p:nvPr>
+            <p:ph idx="1"/>
+          </p:nvPr>
+        </p:nvSpPr>
+        <p:spPr>
+          <a:xfrm>
+            <a:off x="339436" y="1325563"/>
+            <a:ext cx="4537364" cy="5089223"/>
+          </a:xfrm>
+        </p:spPr>
+        <p:txBody>
+          <a:bodyPr>
+            <a:normAutofit lnSpcReduction="10000"/>
+          </a:bodyPr>
+          <a:lstStyle/>
+          <a:p>
+            <a:r>
+              <a:rPr lang="en-CA" dirty="0" smtClean="0"/>
+              <a:t>Ideally process will terminate when all leaf nodes are pure</a:t>
+            </a:r>
+          </a:p>
+          <a:p>
+            <a:r>
+              <a:rPr lang="en-CA" dirty="0" smtClean="0"/>
+              <a:t>This may not always be the case because training data may contain instances with identical attributes but different classes </a:t>
+            </a:r>
+          </a:p>
+          <a:p>
+            <a:pPr lvl="1"/>
+            <a:r>
+              <a:rPr lang="en-CA" dirty="0" smtClean="0"/>
+              <a:t>Due to noisy data or unrecorded attributes</a:t>
+            </a:r>
+          </a:p>
+          <a:p>
+            <a:r>
+              <a:rPr lang="en-CA" dirty="0" smtClean="0"/>
+              <a:t>Stop when data cannot be split any further, or the information gain is zero</a:t>
+            </a:r>
+            <a:endParaRPr lang="en-CA" dirty="0"/>
+          </a:p>
+        </p:txBody>
+      </p:sp>
+      <p:pic>
+        <p:nvPicPr>
+          <p:cNvPr id="5" name="Picture 4"/>
+          <p:cNvPicPr>
+            <a:picLocks noChangeAspect="1"/>
+          </p:cNvPicPr>
+          <p:nvPr/>
+        </p:nvPicPr>
+        <p:blipFill>
+          <a:blip r:embed="rId2"/>
+          <a:stretch>
+            <a:fillRect/>
+          </a:stretch>
+        </p:blipFill>
+        <p:spPr>
+          <a:xfrm>
+            <a:off x="5098472" y="1196845"/>
+            <a:ext cx="6871855" cy="4539371"/>
+          </a:xfrm>
+          <a:prstGeom prst="rect">
+            <a:avLst/>
+          </a:prstGeom>
+        </p:spPr>
+      </p:pic>
+    </p:spTree>
+    <p:extLst>
+      <p:ext uri="{BB962C8B-B14F-4D97-AF65-F5344CB8AC3E}">
+        <p14:creationId xmlns:p14="http://schemas.microsoft.com/office/powerpoint/2010/main" val="2229733782"/>
+      </p:ext>
+    </p:extLst>
+  </p:cSld>
+  <p:clrMapOvr>
+    <a:masterClrMapping/>
+  </p:clrMapOvr>
+  <p:timing>
+    <p:tnLst>
+      <p:par>
+        <p:cTn id="1" dur="indefinite" restart="never" nodeType="tmRoot">
+          <p:childTnLst>
+            <p:seq concurrent="1" nextAc="seek">
+              <p:cTn id="2" dur="indefinite" nodeType="mainSeq">
+                <p:childTnLst>
+                  <p:par>
+                    <p:cTn id="3" fill="hold">
+                      <p:stCondLst>
+                        <p:cond delay="indefinite"/>
+                      </p:stCondLst>
+                      <p:childTnLst>
+                        <p:par>
+                          <p:cTn id="4" fill="hold">
+                            <p:stCondLst>
+                              <p:cond delay="0"/>
+                            </p:stCondLst>
+                            <p:childTnLst>
+                              <p:par>
+                                <p:cTn id="5" presetID="1" presetClass="entr" presetSubtype="0" fill="hold" nodeType="clickEffect">
+                                  <p:stCondLst>
+                                    <p:cond delay="0"/>
+                                  </p:stCondLst>
+                                  <p:childTnLst>
+                                    <p:set>
+                                      <p:cBhvr>
+                                        <p:cTn id="6" dur="1" fill="hold">
+                                          <p:stCondLst>
+                                            <p:cond delay="0"/>
+                                          </p:stCondLst>
+                                        </p:cTn>
+                                        <p:tgtEl>
+                                          <p:spTgt spid="5"/>
+                                        </p:tgtEl>
+                                        <p:attrNameLst>
+                                          <p:attrName>style.visibility</p:attrName>
+                                        </p:attrNameLst>
+                                      </p:cBhvr>
+                                      <p:to>
+                                        <p:strVal val="visible"/>
+                                      </p:to>
+                                    </p:set>
+                                  </p:childTnLst>
+                                </p:cTn>
+                              </p:par>
+                            </p:childTnLst>
+                          </p:cTn>
+                        </p:par>
+                      </p:childTnLst>
+                    </p:cTn>
+                  </p:par>
+                  <p:par>
+                    <p:cTn id="7" fill="hold">
+                      <p:stCondLst>
+                        <p:cond delay="indefinite"/>
+                      </p:stCondLst>
+                      <p:childTnLst>
+                        <p:par>
+                          <p:cTn id="8" fill="hold">
+                            <p:stCondLst>
+                              <p:cond delay="0"/>
+                            </p:stCondLst>
+                            <p:childTnLst>
+                              <p:par>
+                                <p:cTn id="9" presetID="1" presetClass="entr" presetSubtype="0" fill="hold" grpId="0" nodeType="clickEffect">
+                                  <p:stCondLst>
+                                    <p:cond delay="0"/>
+                                  </p:stCondLst>
+                                  <p:childTnLst>
+                                    <p:set>
+                                      <p:cBhvr>
+                                        <p:cTn id="10" dur="1" fill="hold">
+                                          <p:stCondLst>
+                                            <p:cond delay="0"/>
+                                          </p:stCondLst>
+                                        </p:cTn>
+                                        <p:tgtEl>
+                                          <p:spTgt spid="3">
+                                            <p:txEl>
+                                              <p:pRg st="0" end="0"/>
+                                            </p:txEl>
+                                          </p:spTgt>
+                                        </p:tgtEl>
+                                        <p:attrNameLst>
+                                          <p:attrName>style.visibility</p:attrName>
+                                        </p:attrNameLst>
+                                      </p:cBhvr>
+                                      <p:to>
+                                        <p:strVal val="visible"/>
+                                      </p:to>
+                                    </p:set>
+                                  </p:childTnLst>
+                                </p:cTn>
+                              </p:par>
+                            </p:childTnLst>
+                          </p:cTn>
+                        </p:par>
+                      </p:childTnLst>
+                    </p:cTn>
+                  </p:par>
+                  <p:par>
+                    <p:cTn id="11" fill="hold">
+                      <p:stCondLst>
+                        <p:cond delay="indefinite"/>
+                      </p:stCondLst>
+                      <p:childTnLst>
+                        <p:par>
+                          <p:cTn id="12" fill="hold">
+                            <p:stCondLst>
+                              <p:cond delay="0"/>
+                            </p:stCondLst>
+                            <p:childTnLst>
+                              <p:par>
+                                <p:cTn id="13" presetID="1" presetClass="entr" presetSubtype="0" fill="hold" grpId="0" nodeType="clickEffect">
+                                  <p:stCondLst>
+                                    <p:cond delay="0"/>
+                                  </p:stCondLst>
+                                  <p:childTnLst>
+                                    <p:set>
+                                      <p:cBhvr>
+                                        <p:cTn id="14" dur="1" fill="hold">
+                                          <p:stCondLst>
+                                            <p:cond delay="0"/>
+                                          </p:stCondLst>
+                                        </p:cTn>
+                                        <p:tgtEl>
+                                          <p:spTgt spid="3">
+                                            <p:txEl>
+                                              <p:pRg st="1" end="1"/>
+                                            </p:txEl>
+                                          </p:spTgt>
+                                        </p:tgtEl>
+                                        <p:attrNameLst>
+                                          <p:attrName>style.visibility</p:attrName>
+                                        </p:attrNameLst>
+                                      </p:cBhvr>
+                                      <p:to>
+                                        <p:strVal val="visible"/>
+                                      </p:to>
+                                    </p:set>
+                                  </p:childTnLst>
+                                </p:cTn>
+                              </p:par>
+                              <p:par>
+                                <p:cTn id="15" presetID="1" presetClass="entr" presetSubtype="0" fill="hold" grpId="0" nodeType="withEffect">
+                                  <p:stCondLst>
+                                    <p:cond delay="0"/>
+                                  </p:stCondLst>
+                                  <p:childTnLst>
+                                    <p:set>
+                                      <p:cBhvr>
+                                        <p:cTn id="16" dur="1" fill="hold">
+                                          <p:stCondLst>
+                                            <p:cond delay="0"/>
+                                          </p:stCondLst>
+                                        </p:cTn>
+                                        <p:tgtEl>
+                                          <p:spTgt spid="3">
+                                            <p:txEl>
+                                              <p:pRg st="2" end="2"/>
+                                            </p:txEl>
+                                          </p:spTgt>
+                                        </p:tgtEl>
+                                        <p:attrNameLst>
+                                          <p:attrName>style.visibility</p:attrName>
+                                        </p:attrNameLst>
+                                      </p:cBhvr>
+                                      <p:to>
+                                        <p:strVal val="visible"/>
+                                      </p:to>
+                                    </p:set>
+                                  </p:childTnLst>
+                                </p:cTn>
+                              </p:par>
+                            </p:childTnLst>
+                          </p:cTn>
+                        </p:par>
+                      </p:childTnLst>
+                    </p:cTn>
+                  </p:par>
+                  <p:par>
+                    <p:cTn id="17" fill="hold">
+                      <p:stCondLst>
+                        <p:cond delay="indefinite"/>
+                      </p:stCondLst>
+                      <p:childTnLst>
+                        <p:par>
+                          <p:cTn id="18" fill="hold">
+                            <p:stCondLst>
+                              <p:cond delay="0"/>
+                            </p:stCondLst>
+                            <p:childTnLst>
+                              <p:par>
+                                <p:cTn id="19" presetID="1" presetClass="entr" presetSubtype="0" fill="hold" grpId="0" nodeType="clickEffect">
+                                  <p:stCondLst>
+                                    <p:cond delay="0"/>
+                                  </p:stCondLst>
+                                  <p:childTnLst>
+                                    <p:set>
+                                      <p:cBhvr>
+                                        <p:cTn id="20" dur="1" fill="hold">
+                                          <p:stCondLst>
+                                            <p:cond delay="0"/>
+                                          </p:stCondLst>
+                                        </p:cTn>
+                                        <p:tgtEl>
+                                          <p:spTgt spid="3">
+                                            <p:txEl>
+                                              <p:pRg st="3" end="3"/>
+                                            </p:txEl>
+                                          </p:spTgt>
+                                        </p:tgtEl>
+                                        <p:attrNameLst>
+                                          <p:attrName>style.visibility</p:attrName>
+                                        </p:attrNameLst>
+                                      </p:cBhvr>
+                                      <p:to>
+                                        <p:strVal val="visible"/>
+                                      </p:to>
+                                    </p:set>
+                                  </p:childTnLst>
+                                </p:cTn>
+                              </p:par>
+                            </p:childTnLst>
+                          </p:cTn>
+                        </p:par>
+                      </p:childTnLst>
+                    </p:cTn>
+                  </p:par>
+                </p:childTnLst>
+              </p:cTn>
+              <p:prevCondLst>
+                <p:cond evt="onPrev" delay="0">
+                  <p:tgtEl>
+                    <p:sldTgt/>
+                  </p:tgtEl>
+                </p:cond>
+              </p:prevCondLst>
+              <p:nextCondLst>
+                <p:cond evt="onNext" delay="0">
+                  <p:tgtEl>
+                    <p:sldTgt/>
+                  </p:tgtEl>
+                </p:cond>
+              </p:nextCondLst>
+            </p:seq>
+          </p:childTnLst>
+        </p:cTn>
+      </p:par>
+    </p:tnLst>
+    <p:bldLst>
+      <p:bldP spid="3" grpId="0" build="p"/>
+    </p:bldLst>
+  </p:timing>
+</p:sld>
+</file>
+
+<file path=ppt/slides/slide11.xml><?xml version="1.0" encoding="utf-8"?>
 <p:sld xmlns:a="http://schemas.openxmlformats.org/drawingml/2006/main" xmlns:r="http://schemas.openxmlformats.org/officeDocument/2006/relationships" xmlns:p="http://schemas.openxmlformats.org/presentationml/2006/main">
   <p:cSld>
     <p:spTree>
@@ -6410,7 +6799,7 @@
 </p:sld>
 </file>
 
-<file path=ppt/slides/slide11.xml><?xml version="1.0" encoding="utf-8"?>
+<file path=ppt/slides/slide12.xml><?xml version="1.0" encoding="utf-8"?>
 <p:sld xmlns:a="http://schemas.openxmlformats.org/drawingml/2006/main" xmlns:r="http://schemas.openxmlformats.org/officeDocument/2006/relationships" xmlns:p="http://schemas.openxmlformats.org/presentationml/2006/main">
   <p:cSld>
     <p:spTree>
@@ -12464,7 +12853,7 @@
 </p:sld>
 </file>
 
-<file path=ppt/slides/slide12.xml><?xml version="1.0" encoding="utf-8"?>
+<file path=ppt/slides/slide13.xml><?xml version="1.0" encoding="utf-8"?>
 <p:sld xmlns:a="http://schemas.openxmlformats.org/drawingml/2006/main" xmlns:r="http://schemas.openxmlformats.org/officeDocument/2006/relationships" xmlns:p="http://schemas.openxmlformats.org/presentationml/2006/main">
   <p:cSld>
     <p:spTree>
@@ -12565,12 +12954,124 @@
                         </m:ctrlPr>
                       </m:dPr>
                       <m:e>
+                        <m:f>
+                          <m:fPr>
+                            <m:ctrlPr>
+                              <a:rPr lang="en-CA" b="0" i="1" smtClean="0">
+                                <a:latin typeface="Cambria Math" panose="02040503050406030204" pitchFamily="18" charset="0"/>
+                              </a:rPr>
+                            </m:ctrlPr>
+                          </m:fPr>
+                          <m:num>
+                            <m:r>
+                              <a:rPr lang="en-CA" b="0" i="1" smtClean="0">
+                                <a:latin typeface="Cambria Math" panose="02040503050406030204" pitchFamily="18" charset="0"/>
+                              </a:rPr>
+                              <m:t>1</m:t>
+                            </m:r>
+                          </m:num>
+                          <m:den>
+                            <m:r>
+                              <a:rPr lang="en-CA" b="0" i="1" smtClean="0">
+                                <a:latin typeface="Cambria Math" panose="02040503050406030204" pitchFamily="18" charset="0"/>
+                              </a:rPr>
+                              <m:t>14</m:t>
+                            </m:r>
+                          </m:den>
+                        </m:f>
                         <m:r>
                           <a:rPr lang="en-CA" b="0" i="1" smtClean="0">
                             <a:latin typeface="Cambria Math" panose="02040503050406030204" pitchFamily="18" charset="0"/>
                           </a:rPr>
-                          <m:t>[1,1,1…1]</m:t>
+                          <m:t>,</m:t>
                         </m:r>
+                        <m:f>
+                          <m:fPr>
+                            <m:ctrlPr>
+                              <a:rPr lang="en-CA" b="0" i="1" smtClean="0">
+                                <a:latin typeface="Cambria Math" panose="02040503050406030204" pitchFamily="18" charset="0"/>
+                              </a:rPr>
+                            </m:ctrlPr>
+                          </m:fPr>
+                          <m:num>
+                            <m:r>
+                              <a:rPr lang="en-CA" b="0" i="1" smtClean="0">
+                                <a:latin typeface="Cambria Math" panose="02040503050406030204" pitchFamily="18" charset="0"/>
+                              </a:rPr>
+                              <m:t>1</m:t>
+                            </m:r>
+                          </m:num>
+                          <m:den>
+                            <m:r>
+                              <a:rPr lang="en-CA" b="0" i="1" smtClean="0">
+                                <a:latin typeface="Cambria Math" panose="02040503050406030204" pitchFamily="18" charset="0"/>
+                              </a:rPr>
+                              <m:t>14</m:t>
+                            </m:r>
+                          </m:den>
+                        </m:f>
+                        <m:r>
+                          <a:rPr lang="en-CA" b="0" i="1" smtClean="0">
+                            <a:latin typeface="Cambria Math" panose="02040503050406030204" pitchFamily="18" charset="0"/>
+                          </a:rPr>
+                          <m:t>,</m:t>
+                        </m:r>
+                        <m:f>
+                          <m:fPr>
+                            <m:ctrlPr>
+                              <a:rPr lang="en-CA" b="0" i="1" smtClean="0">
+                                <a:latin typeface="Cambria Math" panose="02040503050406030204" pitchFamily="18" charset="0"/>
+                              </a:rPr>
+                            </m:ctrlPr>
+                          </m:fPr>
+                          <m:num>
+                            <m:r>
+                              <a:rPr lang="en-CA" b="0" i="1" smtClean="0">
+                                <a:latin typeface="Cambria Math" panose="02040503050406030204" pitchFamily="18" charset="0"/>
+                              </a:rPr>
+                              <m:t>1</m:t>
+                            </m:r>
+                          </m:num>
+                          <m:den>
+                            <m:r>
+                              <a:rPr lang="en-CA" b="0" i="1" smtClean="0">
+                                <a:latin typeface="Cambria Math" panose="02040503050406030204" pitchFamily="18" charset="0"/>
+                              </a:rPr>
+                              <m:t>14</m:t>
+                            </m:r>
+                          </m:den>
+                        </m:f>
+                        <m:r>
+                          <a:rPr lang="en-CA" b="0" i="1" smtClean="0">
+                            <a:latin typeface="Cambria Math" panose="02040503050406030204" pitchFamily="18" charset="0"/>
+                          </a:rPr>
+                          <m:t>…</m:t>
+                        </m:r>
+                        <m:f>
+                          <m:fPr>
+                            <m:ctrlPr>
+                              <a:rPr lang="en-CA" b="0" i="1" smtClean="0">
+                                <a:latin typeface="Cambria Math" panose="02040503050406030204" pitchFamily="18" charset="0"/>
+                              </a:rPr>
+                            </m:ctrlPr>
+                          </m:fPr>
+                          <m:num>
+                            <m:r>
+                              <a:rPr lang="en-CA" b="0" i="1" smtClean="0">
+                                <a:latin typeface="Cambria Math" panose="02040503050406030204" pitchFamily="18" charset="0"/>
+                              </a:rPr>
+                              <m:t>1</m:t>
+                            </m:r>
+                          </m:num>
+                          <m:den>
+                            <m:r>
+                              <a:rPr lang="en-CA" b="0" i="1" smtClean="0">
+                                <a:latin typeface="Cambria Math" panose="02040503050406030204" pitchFamily="18" charset="0"/>
+                              </a:rPr>
+                              <m:t>14</m:t>
+                            </m:r>
+                          </m:den>
+                        </m:f>
                       </m:e>
                     </m:d>
                     <m:r>
@@ -12666,27 +13167,20 @@
                       <a:rPr lang="en-CA" b="0" i="1" smtClean="0">
                         <a:latin typeface="Cambria Math" panose="02040503050406030204" pitchFamily="18" charset="0"/>
                       </a:rPr>
-                      <m:t>14</m:t>
+                      <m:t>=3.807</m:t>
                     </m:r>
                   </m:oMath>
                 </a14:m>
                 <a:endParaRPr lang="en-CA" b="0" dirty="0" smtClean="0"/>
               </a:p>
               <a:p>
-                <a:pPr lvl="1"/>
                 <a:r>
-                  <a:rPr lang="en-CA" dirty="0"/>
-                  <a:t> </a:t>
+                  <a:rPr lang="en-CA" dirty="0" smtClean="0"/>
+                  <a:t>Takes </a:t>
                 </a:r>
                 <a:r>
                   <a:rPr lang="en-CA" dirty="0" smtClean="0"/>
-                  <a:t>= 3.807 bits (because there are 14 instances)</a:t>
-                </a:r>
-              </a:p>
-              <a:p>
-                <a:r>
-                  <a:rPr lang="en-CA" dirty="0" smtClean="0"/>
-                  <a:t>Takes into account the number of bits needed to determine to which branch each instance is assigned, more branches = more info needed</a:t>
+                  <a:t>into account the number of bits needed to determine to which branch each instance is assigned, more branches = more info needed</a:t>
                 </a:r>
               </a:p>
               <a:p>
@@ -12725,7 +13219,7 @@
               <a:blipFill>
                 <a:blip r:embed="rId2"/>
                 <a:stretch>
-                  <a:fillRect l="-928" t="-3501" b="-3922"/>
+                  <a:fillRect l="-928" t="-3501"/>
                 </a:stretch>
               </a:blipFill>
             </p:spPr>
@@ -12903,15 +13397,33 @@
                                   </p:childTnLst>
                                 </p:cTn>
                               </p:par>
+                            </p:childTnLst>
+                          </p:cTn>
+                        </p:par>
+                      </p:childTnLst>
+                    </p:cTn>
+                  </p:par>
+                  <p:par>
+                    <p:cTn id="15" fill="hold">
+                      <p:stCondLst>
+                        <p:cond delay="indefinite"/>
+                      </p:stCondLst>
+                      <p:childTnLst>
+                        <p:par>
+                          <p:cTn id="16" fill="hold">
+                            <p:stCondLst>
+                              <p:cond delay="0"/>
+                            </p:stCondLst>
+                            <p:childTnLst>
                               <p:par>
-                                <p:cTn id="15" presetID="1" presetClass="entr" presetSubtype="0" fill="hold" grpId="0" nodeType="withEffect">
+                                <p:cTn id="17" presetID="1" presetClass="entr" presetSubtype="0" fill="hold" grpId="0" nodeType="clickEffect">
                                   <p:stCondLst>
                                     <p:cond delay="0"/>
                                   </p:stCondLst>
                                   <p:childTnLst>
                                     <p:set>
                                       <p:cBhvr>
-                                        <p:cTn id="16" dur="1" fill="hold">
+                                        <p:cTn id="18" dur="1" fill="hold">
                                           <p:stCondLst>
                                             <p:cond delay="0"/>
                                           </p:stCondLst>
@@ -12941,26 +13453,26 @@
                     </p:cTn>
                   </p:par>
                   <p:par>
-                    <p:cTn id="17" fill="hold">
+                    <p:cTn id="19" fill="hold">
                       <p:stCondLst>
                         <p:cond delay="indefinite"/>
                       </p:stCondLst>
                       <p:childTnLst>
                         <p:par>
-                          <p:cTn id="18" fill="hold">
+                          <p:cTn id="20" fill="hold">
                             <p:stCondLst>
                               <p:cond delay="0"/>
                             </p:stCondLst>
                             <p:childTnLst>
                               <p:par>
-                                <p:cTn id="19" presetID="1" presetClass="entr" presetSubtype="0" fill="hold" grpId="0" nodeType="clickEffect">
+                                <p:cTn id="21" presetID="1" presetClass="entr" presetSubtype="0" fill="hold" grpId="0" nodeType="clickEffect">
                                   <p:stCondLst>
                                     <p:cond delay="0"/>
                                   </p:stCondLst>
                                   <p:childTnLst>
                                     <p:set>
                                       <p:cBhvr>
-                                        <p:cTn id="20" dur="1" fill="hold">
+                                        <p:cTn id="22" dur="1" fill="hold">
                                           <p:stCondLst>
                                             <p:cond delay="0"/>
                                           </p:stCondLst>
@@ -12990,26 +13502,26 @@
                     </p:cTn>
                   </p:par>
                   <p:par>
-                    <p:cTn id="21" fill="hold">
+                    <p:cTn id="23" fill="hold">
                       <p:stCondLst>
                         <p:cond delay="indefinite"/>
                       </p:stCondLst>
                       <p:childTnLst>
                         <p:par>
-                          <p:cTn id="22" fill="hold">
+                          <p:cTn id="24" fill="hold">
                             <p:stCondLst>
                               <p:cond delay="0"/>
                             </p:stCondLst>
                             <p:childTnLst>
                               <p:par>
-                                <p:cTn id="23" presetID="1" presetClass="entr" presetSubtype="0" fill="hold" grpId="0" nodeType="clickEffect">
+                                <p:cTn id="25" presetID="1" presetClass="entr" presetSubtype="0" fill="hold" grpId="0" nodeType="clickEffect">
                                   <p:stCondLst>
                                     <p:cond delay="0"/>
                                   </p:stCondLst>
                                   <p:childTnLst>
                                     <p:set>
                                       <p:cBhvr>
-                                        <p:cTn id="24" dur="1" fill="hold">
+                                        <p:cTn id="26" dur="1" fill="hold">
                                           <p:stCondLst>
                                             <p:cond delay="0"/>
                                           </p:stCondLst>
@@ -13039,26 +13551,26 @@
                     </p:cTn>
                   </p:par>
                   <p:par>
-                    <p:cTn id="25" fill="hold">
+                    <p:cTn id="27" fill="hold">
                       <p:stCondLst>
                         <p:cond delay="indefinite"/>
                       </p:stCondLst>
                       <p:childTnLst>
                         <p:par>
-                          <p:cTn id="26" fill="hold">
+                          <p:cTn id="28" fill="hold">
                             <p:stCondLst>
                               <p:cond delay="0"/>
                             </p:stCondLst>
                             <p:childTnLst>
                               <p:par>
-                                <p:cTn id="27" presetID="1" presetClass="entr" presetSubtype="0" fill="hold" grpId="0" nodeType="clickEffect">
+                                <p:cTn id="29" presetID="1" presetClass="entr" presetSubtype="0" fill="hold" grpId="0" nodeType="clickEffect">
                                   <p:stCondLst>
                                     <p:cond delay="0"/>
                                   </p:stCondLst>
                                   <p:childTnLst>
                                     <p:set>
                                       <p:cBhvr>
-                                        <p:cTn id="28" dur="1" fill="hold">
+                                        <p:cTn id="30" dur="1" fill="hold">
                                           <p:stCondLst>
                                             <p:cond delay="0"/>
                                           </p:stCondLst>
@@ -13067,55 +13579,6 @@
                                           <p:spTgt spid="3">
                                             <p:txEl>
                                               <p:pRg st="6" end="6"/>
-                                            </p:txEl>
-                                          </p:spTgt>
-                                        </p:tgtEl>
-                                        <p:attrNameLst>
-                                          <p:attrName>style.visibility</p:attrName>
-                                        </p:attrNameLst>
-                                      </p:cBhvr>
-                                      <p:to>
-                                        <p:strVal val="visible"/>
-                                      </p:to>
-                                    </p:set>
-                                  </p:childTnLst>
-                                </p:cTn>
-                              </p:par>
-                            </p:childTnLst>
-                          </p:cTn>
-                        </p:par>
-                      </p:childTnLst>
-                    </p:cTn>
-                  </p:par>
-                  <p:par>
-                    <p:cTn id="29" fill="hold">
-                      <p:stCondLst>
-                        <p:cond delay="indefinite"/>
-                      </p:stCondLst>
-                      <p:childTnLst>
-                        <p:par>
-                          <p:cTn id="30" fill="hold">
-                            <p:stCondLst>
-                              <p:cond delay="0"/>
-                            </p:stCondLst>
-                            <p:childTnLst>
-                              <p:par>
-                                <p:cTn id="31" presetID="1" presetClass="entr" presetSubtype="0" fill="hold" grpId="0" nodeType="clickEffect">
-                                  <p:stCondLst>
-                                    <p:cond delay="0"/>
-                                  </p:stCondLst>
-                                  <p:childTnLst>
-                                    <p:set>
-                                      <p:cBhvr>
-                                        <p:cTn id="32" dur="1" fill="hold">
-                                          <p:stCondLst>
-                                            <p:cond delay="0"/>
-                                          </p:stCondLst>
-                                        </p:cTn>
-                                        <p:tgtEl>
-                                          <p:spTgt spid="3">
-                                            <p:txEl>
-                                              <p:pRg st="7" end="7"/>
                                             </p:txEl>
                                           </p:spTgt>
                                         </p:tgtEl>
@@ -13164,7 +13627,7 @@
 </p:sld>
 </file>
 
-<file path=ppt/slides/slide13.xml><?xml version="1.0" encoding="utf-8"?>
+<file path=ppt/slides/slide14.xml><?xml version="1.0" encoding="utf-8"?>
 <p:sld xmlns:a="http://schemas.openxmlformats.org/drawingml/2006/main" xmlns:r="http://schemas.openxmlformats.org/officeDocument/2006/relationships" xmlns:p="http://schemas.openxmlformats.org/presentationml/2006/main">
   <p:cSld>
     <p:spTree>
@@ -13272,7 +13735,1031 @@
 </p:sld>
 </file>
 
-<file path=ppt/slides/slide14.xml><?xml version="1.0" encoding="utf-8"?>
+<file path=ppt/slides/slide15.xml><?xml version="1.0" encoding="utf-8"?>
+<p:sld xmlns:a="http://schemas.openxmlformats.org/drawingml/2006/main" xmlns:r="http://schemas.openxmlformats.org/officeDocument/2006/relationships" xmlns:p="http://schemas.openxmlformats.org/presentationml/2006/main">
+  <p:cSld>
+    <p:spTree>
+      <p:nvGrpSpPr>
+        <p:cNvPr id="1" name=""/>
+        <p:cNvGrpSpPr/>
+        <p:nvPr/>
+      </p:nvGrpSpPr>
+      <p:grpSpPr>
+        <a:xfrm>
+          <a:off x="0" y="0"/>
+          <a:ext cx="0" cy="0"/>
+          <a:chOff x="0" y="0"/>
+          <a:chExt cx="0" cy="0"/>
+        </a:xfrm>
+      </p:grpSpPr>
+      <p:sp>
+        <p:nvSpPr>
+          <p:cNvPr id="2" name="Title 1"/>
+          <p:cNvSpPr>
+            <a:spLocks noGrp="1"/>
+          </p:cNvSpPr>
+          <p:nvPr>
+            <p:ph type="title"/>
+          </p:nvPr>
+        </p:nvSpPr>
+        <p:spPr/>
+        <p:txBody>
+          <a:bodyPr/>
+          <a:lstStyle/>
+          <a:p>
+            <a:r>
+              <a:rPr lang="en-CA" dirty="0" smtClean="0"/>
+              <a:t>Other measures of “node purity”</a:t>
+            </a:r>
+            <a:endParaRPr lang="en-CA" dirty="0"/>
+          </a:p>
+        </p:txBody>
+      </p:sp>
+      <mc:AlternateContent xmlns:mc="http://schemas.openxmlformats.org/markup-compatibility/2006">
+        <mc:Choice xmlns:a14="http://schemas.microsoft.com/office/drawing/2010/main" Requires="a14">
+          <p:sp>
+            <p:nvSpPr>
+              <p:cNvPr id="3" name="Content Placeholder 2"/>
+              <p:cNvSpPr>
+                <a:spLocks noGrp="1"/>
+              </p:cNvSpPr>
+              <p:nvPr>
+                <p:ph idx="1"/>
+              </p:nvPr>
+            </p:nvSpPr>
+            <p:spPr>
+              <a:xfrm>
+                <a:off x="838200" y="1825625"/>
+                <a:ext cx="10515600" cy="4862558"/>
+              </a:xfrm>
+            </p:spPr>
+            <p:txBody>
+              <a:bodyPr/>
+              <a:lstStyle/>
+              <a:p>
+                <a14:m>
+                  <m:oMath xmlns:m="http://schemas.openxmlformats.org/officeDocument/2006/math">
+                    <m:r>
+                      <a:rPr lang="en-CA" b="0" i="1" smtClean="0">
+                        <a:latin typeface="Cambria Math" panose="02040503050406030204" pitchFamily="18" charset="0"/>
+                      </a:rPr>
+                      <m:t>𝐸𝑛𝑡𝑟𝑜𝑝𝑦</m:t>
+                    </m:r>
+                    <m:r>
+                      <a:rPr lang="en-CA" b="0" i="1" smtClean="0">
+                        <a:latin typeface="Cambria Math" panose="02040503050406030204" pitchFamily="18" charset="0"/>
+                      </a:rPr>
+                      <m:t>=−</m:t>
+                    </m:r>
+                    <m:nary>
+                      <m:naryPr>
+                        <m:chr m:val="∑"/>
+                        <m:supHide m:val="on"/>
+                        <m:ctrlPr>
+                          <a:rPr lang="en-CA" b="0" i="1" smtClean="0">
+                            <a:latin typeface="Cambria Math" panose="02040503050406030204" pitchFamily="18" charset="0"/>
+                          </a:rPr>
+                        </m:ctrlPr>
+                      </m:naryPr>
+                      <m:sub>
+                        <m:r>
+                          <m:rPr>
+                            <m:brk m:alnAt="7"/>
+                          </m:rPr>
+                          <a:rPr lang="en-CA" b="0" i="1" smtClean="0">
+                            <a:latin typeface="Cambria Math" panose="02040503050406030204" pitchFamily="18" charset="0"/>
+                          </a:rPr>
+                          <m:t>𝑖</m:t>
+                        </m:r>
+                      </m:sub>
+                      <m:sup/>
+                      <m:e>
+                        <m:r>
+                          <a:rPr lang="en-CA" b="0" i="1" smtClean="0">
+                            <a:latin typeface="Cambria Math" panose="02040503050406030204" pitchFamily="18" charset="0"/>
+                          </a:rPr>
+                          <m:t>𝑃</m:t>
+                        </m:r>
+                        <m:r>
+                          <a:rPr lang="en-CA" b="0" i="1" baseline="-25000" smtClean="0">
+                            <a:latin typeface="Cambria Math" panose="02040503050406030204" pitchFamily="18" charset="0"/>
+                          </a:rPr>
+                          <m:t>𝑖</m:t>
+                        </m:r>
+                        <m:r>
+                          <a:rPr lang="en-CA" b="0" i="1" smtClean="0">
+                            <a:latin typeface="Cambria Math" panose="02040503050406030204" pitchFamily="18" charset="0"/>
+                          </a:rPr>
+                          <m:t>𝑙𝑜𝑔𝑃</m:t>
+                        </m:r>
+                        <m:r>
+                          <a:rPr lang="en-CA" b="0" i="1" baseline="-25000" smtClean="0">
+                            <a:latin typeface="Cambria Math" panose="02040503050406030204" pitchFamily="18" charset="0"/>
+                          </a:rPr>
+                          <m:t>𝑖</m:t>
+                        </m:r>
+                      </m:e>
+                    </m:nary>
+                  </m:oMath>
+                </a14:m>
+                <a:endParaRPr lang="en-CA" dirty="0" smtClean="0"/>
+              </a:p>
+              <a:p>
+                <a14:m>
+                  <m:oMath xmlns:m="http://schemas.openxmlformats.org/officeDocument/2006/math">
+                    <m:r>
+                      <a:rPr lang="en-CA" b="0" i="1" smtClean="0">
+                        <a:latin typeface="Cambria Math" panose="02040503050406030204" pitchFamily="18" charset="0"/>
+                      </a:rPr>
+                      <m:t>𝐺𝑖𝑛𝑖</m:t>
+                    </m:r>
+                    <m:r>
+                      <a:rPr lang="en-CA" b="0" i="1" smtClean="0">
+                        <a:latin typeface="Cambria Math" panose="02040503050406030204" pitchFamily="18" charset="0"/>
+                      </a:rPr>
+                      <m:t>=1−</m:t>
+                    </m:r>
+                    <m:nary>
+                      <m:naryPr>
+                        <m:chr m:val="∑"/>
+                        <m:supHide m:val="on"/>
+                        <m:ctrlPr>
+                          <a:rPr lang="en-CA" b="0" i="1" smtClean="0">
+                            <a:latin typeface="Cambria Math" panose="02040503050406030204" pitchFamily="18" charset="0"/>
+                          </a:rPr>
+                        </m:ctrlPr>
+                      </m:naryPr>
+                      <m:sub>
+                        <m:r>
+                          <m:rPr>
+                            <m:brk m:alnAt="7"/>
+                          </m:rPr>
+                          <a:rPr lang="en-CA" b="0" i="1" smtClean="0">
+                            <a:latin typeface="Cambria Math" panose="02040503050406030204" pitchFamily="18" charset="0"/>
+                          </a:rPr>
+                          <m:t>𝑖</m:t>
+                        </m:r>
+                      </m:sub>
+                      <m:sup/>
+                      <m:e>
+                        <m:sSubSup>
+                          <m:sSubSupPr>
+                            <m:ctrlPr>
+                              <a:rPr lang="en-CA" b="0" i="1" smtClean="0">
+                                <a:latin typeface="Cambria Math" panose="02040503050406030204" pitchFamily="18" charset="0"/>
+                              </a:rPr>
+                            </m:ctrlPr>
+                          </m:sSubSupPr>
+                          <m:e>
+                            <m:r>
+                              <a:rPr lang="en-CA" b="0" i="1" smtClean="0">
+                                <a:latin typeface="Cambria Math" panose="02040503050406030204" pitchFamily="18" charset="0"/>
+                              </a:rPr>
+                              <m:t>𝑃</m:t>
+                            </m:r>
+                          </m:e>
+                          <m:sub>
+                            <m:r>
+                              <a:rPr lang="en-CA" b="0" i="1" smtClean="0">
+                                <a:latin typeface="Cambria Math" panose="02040503050406030204" pitchFamily="18" charset="0"/>
+                              </a:rPr>
+                              <m:t>𝑖</m:t>
+                            </m:r>
+                          </m:sub>
+                          <m:sup>
+                            <m:r>
+                              <a:rPr lang="en-CA" b="0" i="1" smtClean="0">
+                                <a:latin typeface="Cambria Math" panose="02040503050406030204" pitchFamily="18" charset="0"/>
+                              </a:rPr>
+                              <m:t>2</m:t>
+                            </m:r>
+                          </m:sup>
+                        </m:sSubSup>
+                      </m:e>
+                    </m:nary>
+                  </m:oMath>
+                </a14:m>
+                <a:endParaRPr lang="en-CA" dirty="0"/>
+              </a:p>
+              <a:p>
+                <a14:m>
+                  <m:oMath xmlns:m="http://schemas.openxmlformats.org/officeDocument/2006/math">
+                    <m:r>
+                      <a:rPr lang="en-CA" i="1">
+                        <a:latin typeface="Cambria Math" panose="02040503050406030204" pitchFamily="18" charset="0"/>
+                      </a:rPr>
+                      <m:t>𝐸𝑛𝑡𝑟𝑜𝑝𝑦</m:t>
+                    </m:r>
+                    <m:d>
+                      <m:dPr>
+                        <m:ctrlPr>
+                          <a:rPr lang="en-CA" i="1">
+                            <a:latin typeface="Cambria Math" panose="02040503050406030204" pitchFamily="18" charset="0"/>
+                          </a:rPr>
+                        </m:ctrlPr>
+                      </m:dPr>
+                      <m:e>
+                        <m:f>
+                          <m:fPr>
+                            <m:ctrlPr>
+                              <a:rPr lang="en-CA" i="1">
+                                <a:latin typeface="Cambria Math" panose="02040503050406030204" pitchFamily="18" charset="0"/>
+                              </a:rPr>
+                            </m:ctrlPr>
+                          </m:fPr>
+                          <m:num>
+                            <m:r>
+                              <a:rPr lang="en-CA" i="1">
+                                <a:latin typeface="Cambria Math" panose="02040503050406030204" pitchFamily="18" charset="0"/>
+                              </a:rPr>
+                              <m:t>9</m:t>
+                            </m:r>
+                          </m:num>
+                          <m:den>
+                            <m:r>
+                              <a:rPr lang="en-CA" i="1">
+                                <a:latin typeface="Cambria Math" panose="02040503050406030204" pitchFamily="18" charset="0"/>
+                              </a:rPr>
+                              <m:t>14</m:t>
+                            </m:r>
+                          </m:den>
+                        </m:f>
+                        <m:r>
+                          <a:rPr lang="en-CA" i="1">
+                            <a:latin typeface="Cambria Math" panose="02040503050406030204" pitchFamily="18" charset="0"/>
+                          </a:rPr>
+                          <m:t>,</m:t>
+                        </m:r>
+                        <m:f>
+                          <m:fPr>
+                            <m:ctrlPr>
+                              <a:rPr lang="en-CA" i="1">
+                                <a:latin typeface="Cambria Math" panose="02040503050406030204" pitchFamily="18" charset="0"/>
+                              </a:rPr>
+                            </m:ctrlPr>
+                          </m:fPr>
+                          <m:num>
+                            <m:r>
+                              <a:rPr lang="en-CA" i="1">
+                                <a:latin typeface="Cambria Math" panose="02040503050406030204" pitchFamily="18" charset="0"/>
+                              </a:rPr>
+                              <m:t>5</m:t>
+                            </m:r>
+                          </m:num>
+                          <m:den>
+                            <m:r>
+                              <a:rPr lang="en-CA" i="1">
+                                <a:latin typeface="Cambria Math" panose="02040503050406030204" pitchFamily="18" charset="0"/>
+                              </a:rPr>
+                              <m:t>14</m:t>
+                            </m:r>
+                          </m:den>
+                        </m:f>
+                      </m:e>
+                    </m:d>
+                    <m:r>
+                      <a:rPr lang="en-CA" i="1">
+                        <a:latin typeface="Cambria Math" panose="02040503050406030204" pitchFamily="18" charset="0"/>
+                      </a:rPr>
+                      <m:t>=0.940</m:t>
+                    </m:r>
+                  </m:oMath>
+                </a14:m>
+                <a:endParaRPr lang="en-CA" dirty="0"/>
+              </a:p>
+              <a:p>
+                <a14:m>
+                  <m:oMath xmlns:m="http://schemas.openxmlformats.org/officeDocument/2006/math">
+                    <m:r>
+                      <a:rPr lang="en-CA" b="0" i="1" smtClean="0">
+                        <a:latin typeface="Cambria Math" panose="02040503050406030204" pitchFamily="18" charset="0"/>
+                      </a:rPr>
+                      <m:t>𝐺𝑖𝑛𝑖</m:t>
+                    </m:r>
+                    <m:d>
+                      <m:dPr>
+                        <m:ctrlPr>
+                          <a:rPr lang="en-CA" b="0" i="1" smtClean="0">
+                            <a:latin typeface="Cambria Math" panose="02040503050406030204" pitchFamily="18" charset="0"/>
+                          </a:rPr>
+                        </m:ctrlPr>
+                      </m:dPr>
+                      <m:e>
+                        <m:f>
+                          <m:fPr>
+                            <m:ctrlPr>
+                              <a:rPr lang="en-CA" b="0" i="1" smtClean="0">
+                                <a:latin typeface="Cambria Math" panose="02040503050406030204" pitchFamily="18" charset="0"/>
+                              </a:rPr>
+                            </m:ctrlPr>
+                          </m:fPr>
+                          <m:num>
+                            <m:r>
+                              <a:rPr lang="en-CA" b="0" i="1" smtClean="0">
+                                <a:latin typeface="Cambria Math" panose="02040503050406030204" pitchFamily="18" charset="0"/>
+                              </a:rPr>
+                              <m:t>9</m:t>
+                            </m:r>
+                          </m:num>
+                          <m:den>
+                            <m:r>
+                              <a:rPr lang="en-CA" b="0" i="1" smtClean="0">
+                                <a:latin typeface="Cambria Math" panose="02040503050406030204" pitchFamily="18" charset="0"/>
+                              </a:rPr>
+                              <m:t>14</m:t>
+                            </m:r>
+                          </m:den>
+                        </m:f>
+                        <m:r>
+                          <a:rPr lang="en-CA" b="0" i="1" smtClean="0">
+                            <a:latin typeface="Cambria Math" panose="02040503050406030204" pitchFamily="18" charset="0"/>
+                          </a:rPr>
+                          <m:t>,</m:t>
+                        </m:r>
+                        <m:f>
+                          <m:fPr>
+                            <m:ctrlPr>
+                              <a:rPr lang="en-CA" b="0" i="1" smtClean="0">
+                                <a:latin typeface="Cambria Math" panose="02040503050406030204" pitchFamily="18" charset="0"/>
+                              </a:rPr>
+                            </m:ctrlPr>
+                          </m:fPr>
+                          <m:num>
+                            <m:r>
+                              <a:rPr lang="en-CA" b="0" i="1" smtClean="0">
+                                <a:latin typeface="Cambria Math" panose="02040503050406030204" pitchFamily="18" charset="0"/>
+                              </a:rPr>
+                              <m:t>5</m:t>
+                            </m:r>
+                          </m:num>
+                          <m:den>
+                            <m:r>
+                              <a:rPr lang="en-CA" b="0" i="1" smtClean="0">
+                                <a:latin typeface="Cambria Math" panose="02040503050406030204" pitchFamily="18" charset="0"/>
+                              </a:rPr>
+                              <m:t>14</m:t>
+                            </m:r>
+                          </m:den>
+                        </m:f>
+                      </m:e>
+                    </m:d>
+                    <m:r>
+                      <a:rPr lang="en-CA" b="0" i="1" smtClean="0">
+                        <a:latin typeface="Cambria Math" panose="02040503050406030204" pitchFamily="18" charset="0"/>
+                      </a:rPr>
+                      <m:t>= </m:t>
+                    </m:r>
+                  </m:oMath>
+                </a14:m>
+                <a:r>
+                  <a:rPr lang="en-CA" dirty="0" smtClean="0"/>
+                  <a:t>0.4592</a:t>
+                </a:r>
+              </a:p>
+              <a:p>
+                <a14:m>
+                  <m:oMath xmlns:m="http://schemas.openxmlformats.org/officeDocument/2006/math">
+                    <m:r>
+                      <a:rPr lang="en-CA" i="1">
+                        <a:latin typeface="Cambria Math" panose="02040503050406030204" pitchFamily="18" charset="0"/>
+                      </a:rPr>
+                      <m:t>𝐸𝑛𝑡𝑟𝑜𝑝𝑦</m:t>
+                    </m:r>
+                    <m:d>
+                      <m:dPr>
+                        <m:ctrlPr>
+                          <a:rPr lang="en-CA" i="1">
+                            <a:latin typeface="Cambria Math" panose="02040503050406030204" pitchFamily="18" charset="0"/>
+                          </a:rPr>
+                        </m:ctrlPr>
+                      </m:dPr>
+                      <m:e>
+                        <m:f>
+                          <m:fPr>
+                            <m:ctrlPr>
+                              <a:rPr lang="en-CA" i="1">
+                                <a:latin typeface="Cambria Math" panose="02040503050406030204" pitchFamily="18" charset="0"/>
+                              </a:rPr>
+                            </m:ctrlPr>
+                          </m:fPr>
+                          <m:num>
+                            <m:r>
+                              <a:rPr lang="en-CA" b="0" i="1" smtClean="0">
+                                <a:latin typeface="Cambria Math" panose="02040503050406030204" pitchFamily="18" charset="0"/>
+                              </a:rPr>
+                              <m:t>1</m:t>
+                            </m:r>
+                          </m:num>
+                          <m:den>
+                            <m:r>
+                              <a:rPr lang="en-CA" i="1">
+                                <a:latin typeface="Cambria Math" panose="02040503050406030204" pitchFamily="18" charset="0"/>
+                              </a:rPr>
+                              <m:t>1</m:t>
+                            </m:r>
+                            <m:r>
+                              <a:rPr lang="en-CA" b="0" i="1" smtClean="0">
+                                <a:latin typeface="Cambria Math" panose="02040503050406030204" pitchFamily="18" charset="0"/>
+                              </a:rPr>
+                              <m:t>0</m:t>
+                            </m:r>
+                          </m:den>
+                        </m:f>
+                        <m:r>
+                          <a:rPr lang="en-CA" i="1">
+                            <a:latin typeface="Cambria Math" panose="02040503050406030204" pitchFamily="18" charset="0"/>
+                          </a:rPr>
+                          <m:t>,</m:t>
+                        </m:r>
+                        <m:f>
+                          <m:fPr>
+                            <m:ctrlPr>
+                              <a:rPr lang="en-CA" i="1">
+                                <a:latin typeface="Cambria Math" panose="02040503050406030204" pitchFamily="18" charset="0"/>
+                              </a:rPr>
+                            </m:ctrlPr>
+                          </m:fPr>
+                          <m:num>
+                            <m:r>
+                              <a:rPr lang="en-CA" b="0" i="1" smtClean="0">
+                                <a:latin typeface="Cambria Math" panose="02040503050406030204" pitchFamily="18" charset="0"/>
+                              </a:rPr>
+                              <m:t>9</m:t>
+                            </m:r>
+                          </m:num>
+                          <m:den>
+                            <m:r>
+                              <a:rPr lang="en-CA" i="1">
+                                <a:latin typeface="Cambria Math" panose="02040503050406030204" pitchFamily="18" charset="0"/>
+                              </a:rPr>
+                              <m:t>1</m:t>
+                            </m:r>
+                            <m:r>
+                              <a:rPr lang="en-CA" b="0" i="1" smtClean="0">
+                                <a:latin typeface="Cambria Math" panose="02040503050406030204" pitchFamily="18" charset="0"/>
+                              </a:rPr>
+                              <m:t>0</m:t>
+                            </m:r>
+                          </m:den>
+                        </m:f>
+                      </m:e>
+                    </m:d>
+                    <m:r>
+                      <a:rPr lang="en-CA" i="1">
+                        <a:latin typeface="Cambria Math" panose="02040503050406030204" pitchFamily="18" charset="0"/>
+                      </a:rPr>
+                      <m:t>=0.</m:t>
+                    </m:r>
+                    <m:r>
+                      <a:rPr lang="en-CA" b="0" i="1" smtClean="0">
+                        <a:latin typeface="Cambria Math" panose="02040503050406030204" pitchFamily="18" charset="0"/>
+                      </a:rPr>
+                      <m:t>469</m:t>
+                    </m:r>
+                  </m:oMath>
+                </a14:m>
+                <a:endParaRPr lang="en-CA" dirty="0"/>
+              </a:p>
+              <a:p>
+                <a14:m>
+                  <m:oMath xmlns:m="http://schemas.openxmlformats.org/officeDocument/2006/math">
+                    <m:r>
+                      <a:rPr lang="en-CA" i="1">
+                        <a:latin typeface="Cambria Math" panose="02040503050406030204" pitchFamily="18" charset="0"/>
+                      </a:rPr>
+                      <m:t>𝐺𝑖𝑛𝑖</m:t>
+                    </m:r>
+                    <m:d>
+                      <m:dPr>
+                        <m:ctrlPr>
+                          <a:rPr lang="en-CA" i="1">
+                            <a:latin typeface="Cambria Math" panose="02040503050406030204" pitchFamily="18" charset="0"/>
+                          </a:rPr>
+                        </m:ctrlPr>
+                      </m:dPr>
+                      <m:e>
+                        <m:f>
+                          <m:fPr>
+                            <m:ctrlPr>
+                              <a:rPr lang="en-CA" i="1">
+                                <a:latin typeface="Cambria Math" panose="02040503050406030204" pitchFamily="18" charset="0"/>
+                              </a:rPr>
+                            </m:ctrlPr>
+                          </m:fPr>
+                          <m:num>
+                            <m:r>
+                              <a:rPr lang="en-CA" b="0" i="1" smtClean="0">
+                                <a:latin typeface="Cambria Math" panose="02040503050406030204" pitchFamily="18" charset="0"/>
+                              </a:rPr>
+                              <m:t>1</m:t>
+                            </m:r>
+                          </m:num>
+                          <m:den>
+                            <m:r>
+                              <a:rPr lang="en-CA" i="1">
+                                <a:latin typeface="Cambria Math" panose="02040503050406030204" pitchFamily="18" charset="0"/>
+                              </a:rPr>
+                              <m:t>1</m:t>
+                            </m:r>
+                            <m:r>
+                              <a:rPr lang="en-CA" b="0" i="1" smtClean="0">
+                                <a:latin typeface="Cambria Math" panose="02040503050406030204" pitchFamily="18" charset="0"/>
+                              </a:rPr>
+                              <m:t>0</m:t>
+                            </m:r>
+                          </m:den>
+                        </m:f>
+                        <m:r>
+                          <a:rPr lang="en-CA" i="1">
+                            <a:latin typeface="Cambria Math" panose="02040503050406030204" pitchFamily="18" charset="0"/>
+                          </a:rPr>
+                          <m:t>,</m:t>
+                        </m:r>
+                        <m:f>
+                          <m:fPr>
+                            <m:ctrlPr>
+                              <a:rPr lang="en-CA" i="1">
+                                <a:latin typeface="Cambria Math" panose="02040503050406030204" pitchFamily="18" charset="0"/>
+                              </a:rPr>
+                            </m:ctrlPr>
+                          </m:fPr>
+                          <m:num>
+                            <m:r>
+                              <a:rPr lang="en-CA" b="0" i="1" smtClean="0">
+                                <a:latin typeface="Cambria Math" panose="02040503050406030204" pitchFamily="18" charset="0"/>
+                              </a:rPr>
+                              <m:t>9</m:t>
+                            </m:r>
+                          </m:num>
+                          <m:den>
+                            <m:r>
+                              <a:rPr lang="en-CA" i="1">
+                                <a:latin typeface="Cambria Math" panose="02040503050406030204" pitchFamily="18" charset="0"/>
+                              </a:rPr>
+                              <m:t>1</m:t>
+                            </m:r>
+                            <m:r>
+                              <a:rPr lang="en-CA" b="0" i="1" smtClean="0">
+                                <a:latin typeface="Cambria Math" panose="02040503050406030204" pitchFamily="18" charset="0"/>
+                              </a:rPr>
+                              <m:t>0</m:t>
+                            </m:r>
+                          </m:den>
+                        </m:f>
+                      </m:e>
+                    </m:d>
+                    <m:r>
+                      <a:rPr lang="en-CA" i="1">
+                        <a:latin typeface="Cambria Math" panose="02040503050406030204" pitchFamily="18" charset="0"/>
+                      </a:rPr>
+                      <m:t>= </m:t>
+                    </m:r>
+                  </m:oMath>
+                </a14:m>
+                <a:r>
+                  <a:rPr lang="en-CA" dirty="0" smtClean="0"/>
+                  <a:t>0.18</a:t>
+                </a:r>
+                <a:endParaRPr lang="en-CA" dirty="0"/>
+              </a:p>
+              <a:p>
+                <a:r>
+                  <a:rPr lang="en-CA" dirty="0" smtClean="0"/>
+                  <a:t>Why use Gini? Its much faster (doesn’t need to compute log)</a:t>
+                </a:r>
+                <a:endParaRPr lang="en-CA" dirty="0"/>
+              </a:p>
+            </p:txBody>
+          </p:sp>
+        </mc:Choice>
+        <mc:Fallback>
+          <p:sp>
+            <p:nvSpPr>
+              <p:cNvPr id="3" name="Content Placeholder 2"/>
+              <p:cNvSpPr>
+                <a:spLocks noGrp="1" noRot="1" noChangeAspect="1" noMove="1" noResize="1" noEditPoints="1" noAdjustHandles="1" noChangeArrowheads="1" noChangeShapeType="1" noTextEdit="1"/>
+              </p:cNvSpPr>
+              <p:nvPr>
+                <p:ph idx="1"/>
+              </p:nvPr>
+            </p:nvSpPr>
+            <p:spPr>
+              <a:xfrm>
+                <a:off x="838200" y="1825625"/>
+                <a:ext cx="10515600" cy="4862558"/>
+              </a:xfrm>
+              <a:blipFill>
+                <a:blip r:embed="rId2"/>
+                <a:stretch>
+                  <a:fillRect l="-1043"/>
+                </a:stretch>
+              </a:blipFill>
+            </p:spPr>
+            <p:txBody>
+              <a:bodyPr/>
+              <a:lstStyle/>
+              <a:p>
+                <a:r>
+                  <a:rPr lang="en-CA">
+                    <a:noFill/>
+                  </a:rPr>
+                  <a:t> </a:t>
+                </a:r>
+              </a:p>
+            </p:txBody>
+          </p:sp>
+        </mc:Fallback>
+      </mc:AlternateContent>
+    </p:spTree>
+    <p:extLst>
+      <p:ext uri="{BB962C8B-B14F-4D97-AF65-F5344CB8AC3E}">
+        <p14:creationId xmlns:p14="http://schemas.microsoft.com/office/powerpoint/2010/main" val="1991600833"/>
+      </p:ext>
+    </p:extLst>
+  </p:cSld>
+  <p:clrMapOvr>
+    <a:masterClrMapping/>
+  </p:clrMapOvr>
+  <p:timing>
+    <p:tnLst>
+      <p:par>
+        <p:cTn id="1" dur="indefinite" restart="never" nodeType="tmRoot">
+          <p:childTnLst>
+            <p:seq concurrent="1" nextAc="seek">
+              <p:cTn id="2" dur="indefinite" nodeType="mainSeq">
+                <p:childTnLst>
+                  <p:par>
+                    <p:cTn id="3" fill="hold">
+                      <p:stCondLst>
+                        <p:cond delay="indefinite"/>
+                      </p:stCondLst>
+                      <p:childTnLst>
+                        <p:par>
+                          <p:cTn id="4" fill="hold">
+                            <p:stCondLst>
+                              <p:cond delay="0"/>
+                            </p:stCondLst>
+                            <p:childTnLst>
+                              <p:par>
+                                <p:cTn id="5" presetID="1" presetClass="entr" presetSubtype="0" fill="hold" grpId="0" nodeType="clickEffect">
+                                  <p:stCondLst>
+                                    <p:cond delay="0"/>
+                                  </p:stCondLst>
+                                  <p:childTnLst>
+                                    <p:set>
+                                      <p:cBhvr>
+                                        <p:cTn id="6" dur="1" fill="hold">
+                                          <p:stCondLst>
+                                            <p:cond delay="0"/>
+                                          </p:stCondLst>
+                                        </p:cTn>
+                                        <p:tgtEl>
+                                          <p:spTgt spid="3">
+                                            <p:txEl>
+                                              <p:pRg st="0" end="0"/>
+                                            </p:txEl>
+                                          </p:spTgt>
+                                        </p:tgtEl>
+                                        <p:attrNameLst>
+                                          <p:attrName>style.visibility</p:attrName>
+                                        </p:attrNameLst>
+                                      </p:cBhvr>
+                                      <p:to>
+                                        <p:strVal val="visible"/>
+                                      </p:to>
+                                    </p:set>
+                                  </p:childTnLst>
+                                </p:cTn>
+                              </p:par>
+                            </p:childTnLst>
+                          </p:cTn>
+                        </p:par>
+                      </p:childTnLst>
+                    </p:cTn>
+                  </p:par>
+                  <p:par>
+                    <p:cTn id="7" fill="hold">
+                      <p:stCondLst>
+                        <p:cond delay="indefinite"/>
+                      </p:stCondLst>
+                      <p:childTnLst>
+                        <p:par>
+                          <p:cTn id="8" fill="hold">
+                            <p:stCondLst>
+                              <p:cond delay="0"/>
+                            </p:stCondLst>
+                            <p:childTnLst>
+                              <p:par>
+                                <p:cTn id="9" presetID="1" presetClass="entr" presetSubtype="0" fill="hold" grpId="0" nodeType="clickEffect">
+                                  <p:stCondLst>
+                                    <p:cond delay="0"/>
+                                  </p:stCondLst>
+                                  <p:childTnLst>
+                                    <p:set>
+                                      <p:cBhvr>
+                                        <p:cTn id="10" dur="1" fill="hold">
+                                          <p:stCondLst>
+                                            <p:cond delay="0"/>
+                                          </p:stCondLst>
+                                        </p:cTn>
+                                        <p:tgtEl>
+                                          <p:spTgt spid="3">
+                                            <p:txEl>
+                                              <p:pRg st="1" end="1"/>
+                                            </p:txEl>
+                                          </p:spTgt>
+                                        </p:tgtEl>
+                                        <p:attrNameLst>
+                                          <p:attrName>style.visibility</p:attrName>
+                                        </p:attrNameLst>
+                                      </p:cBhvr>
+                                      <p:to>
+                                        <p:strVal val="visible"/>
+                                      </p:to>
+                                    </p:set>
+                                  </p:childTnLst>
+                                </p:cTn>
+                              </p:par>
+                            </p:childTnLst>
+                          </p:cTn>
+                        </p:par>
+                      </p:childTnLst>
+                    </p:cTn>
+                  </p:par>
+                  <p:par>
+                    <p:cTn id="11" fill="hold">
+                      <p:stCondLst>
+                        <p:cond delay="indefinite"/>
+                      </p:stCondLst>
+                      <p:childTnLst>
+                        <p:par>
+                          <p:cTn id="12" fill="hold">
+                            <p:stCondLst>
+                              <p:cond delay="0"/>
+                            </p:stCondLst>
+                            <p:childTnLst>
+                              <p:par>
+                                <p:cTn id="13" presetID="1" presetClass="entr" presetSubtype="0" fill="hold" grpId="0" nodeType="clickEffect">
+                                  <p:stCondLst>
+                                    <p:cond delay="0"/>
+                                  </p:stCondLst>
+                                  <p:childTnLst>
+                                    <p:set>
+                                      <p:cBhvr>
+                                        <p:cTn id="14" dur="1" fill="hold">
+                                          <p:stCondLst>
+                                            <p:cond delay="0"/>
+                                          </p:stCondLst>
+                                        </p:cTn>
+                                        <p:tgtEl>
+                                          <p:spTgt spid="3">
+                                            <p:txEl>
+                                              <p:pRg st="2" end="2"/>
+                                            </p:txEl>
+                                          </p:spTgt>
+                                        </p:tgtEl>
+                                        <p:attrNameLst>
+                                          <p:attrName>style.visibility</p:attrName>
+                                        </p:attrNameLst>
+                                      </p:cBhvr>
+                                      <p:to>
+                                        <p:strVal val="visible"/>
+                                      </p:to>
+                                    </p:set>
+                                  </p:childTnLst>
+                                </p:cTn>
+                              </p:par>
+                            </p:childTnLst>
+                          </p:cTn>
+                        </p:par>
+                      </p:childTnLst>
+                    </p:cTn>
+                  </p:par>
+                  <p:par>
+                    <p:cTn id="15" fill="hold">
+                      <p:stCondLst>
+                        <p:cond delay="indefinite"/>
+                      </p:stCondLst>
+                      <p:childTnLst>
+                        <p:par>
+                          <p:cTn id="16" fill="hold">
+                            <p:stCondLst>
+                              <p:cond delay="0"/>
+                            </p:stCondLst>
+                            <p:childTnLst>
+                              <p:par>
+                                <p:cTn id="17" presetID="1" presetClass="entr" presetSubtype="0" fill="hold" grpId="0" nodeType="clickEffect">
+                                  <p:stCondLst>
+                                    <p:cond delay="0"/>
+                                  </p:stCondLst>
+                                  <p:childTnLst>
+                                    <p:set>
+                                      <p:cBhvr>
+                                        <p:cTn id="18" dur="1" fill="hold">
+                                          <p:stCondLst>
+                                            <p:cond delay="0"/>
+                                          </p:stCondLst>
+                                        </p:cTn>
+                                        <p:tgtEl>
+                                          <p:spTgt spid="3">
+                                            <p:txEl>
+                                              <p:pRg st="3" end="3"/>
+                                            </p:txEl>
+                                          </p:spTgt>
+                                        </p:tgtEl>
+                                        <p:attrNameLst>
+                                          <p:attrName>style.visibility</p:attrName>
+                                        </p:attrNameLst>
+                                      </p:cBhvr>
+                                      <p:to>
+                                        <p:strVal val="visible"/>
+                                      </p:to>
+                                    </p:set>
+                                  </p:childTnLst>
+                                </p:cTn>
+                              </p:par>
+                            </p:childTnLst>
+                          </p:cTn>
+                        </p:par>
+                      </p:childTnLst>
+                    </p:cTn>
+                  </p:par>
+                  <p:par>
+                    <p:cTn id="19" fill="hold">
+                      <p:stCondLst>
+                        <p:cond delay="indefinite"/>
+                      </p:stCondLst>
+                      <p:childTnLst>
+                        <p:par>
+                          <p:cTn id="20" fill="hold">
+                            <p:stCondLst>
+                              <p:cond delay="0"/>
+                            </p:stCondLst>
+                            <p:childTnLst>
+                              <p:par>
+                                <p:cTn id="21" presetID="1" presetClass="entr" presetSubtype="0" fill="hold" grpId="0" nodeType="clickEffect">
+                                  <p:stCondLst>
+                                    <p:cond delay="0"/>
+                                  </p:stCondLst>
+                                  <p:childTnLst>
+                                    <p:set>
+                                      <p:cBhvr>
+                                        <p:cTn id="22" dur="1" fill="hold">
+                                          <p:stCondLst>
+                                            <p:cond delay="0"/>
+                                          </p:stCondLst>
+                                        </p:cTn>
+                                        <p:tgtEl>
+                                          <p:spTgt spid="3">
+                                            <p:txEl>
+                                              <p:pRg st="4" end="4"/>
+                                            </p:txEl>
+                                          </p:spTgt>
+                                        </p:tgtEl>
+                                        <p:attrNameLst>
+                                          <p:attrName>style.visibility</p:attrName>
+                                        </p:attrNameLst>
+                                      </p:cBhvr>
+                                      <p:to>
+                                        <p:strVal val="visible"/>
+                                      </p:to>
+                                    </p:set>
+                                  </p:childTnLst>
+                                </p:cTn>
+                              </p:par>
+                            </p:childTnLst>
+                          </p:cTn>
+                        </p:par>
+                      </p:childTnLst>
+                    </p:cTn>
+                  </p:par>
+                  <p:par>
+                    <p:cTn id="23" fill="hold">
+                      <p:stCondLst>
+                        <p:cond delay="indefinite"/>
+                      </p:stCondLst>
+                      <p:childTnLst>
+                        <p:par>
+                          <p:cTn id="24" fill="hold">
+                            <p:stCondLst>
+                              <p:cond delay="0"/>
+                            </p:stCondLst>
+                            <p:childTnLst>
+                              <p:par>
+                                <p:cTn id="25" presetID="1" presetClass="entr" presetSubtype="0" fill="hold" grpId="0" nodeType="clickEffect">
+                                  <p:stCondLst>
+                                    <p:cond delay="0"/>
+                                  </p:stCondLst>
+                                  <p:childTnLst>
+                                    <p:set>
+                                      <p:cBhvr>
+                                        <p:cTn id="26" dur="1" fill="hold">
+                                          <p:stCondLst>
+                                            <p:cond delay="0"/>
+                                          </p:stCondLst>
+                                        </p:cTn>
+                                        <p:tgtEl>
+                                          <p:spTgt spid="3">
+                                            <p:txEl>
+                                              <p:pRg st="5" end="5"/>
+                                            </p:txEl>
+                                          </p:spTgt>
+                                        </p:tgtEl>
+                                        <p:attrNameLst>
+                                          <p:attrName>style.visibility</p:attrName>
+                                        </p:attrNameLst>
+                                      </p:cBhvr>
+                                      <p:to>
+                                        <p:strVal val="visible"/>
+                                      </p:to>
+                                    </p:set>
+                                  </p:childTnLst>
+                                </p:cTn>
+                              </p:par>
+                            </p:childTnLst>
+                          </p:cTn>
+                        </p:par>
+                      </p:childTnLst>
+                    </p:cTn>
+                  </p:par>
+                  <p:par>
+                    <p:cTn id="27" fill="hold">
+                      <p:stCondLst>
+                        <p:cond delay="indefinite"/>
+                      </p:stCondLst>
+                      <p:childTnLst>
+                        <p:par>
+                          <p:cTn id="28" fill="hold">
+                            <p:stCondLst>
+                              <p:cond delay="0"/>
+                            </p:stCondLst>
+                            <p:childTnLst>
+                              <p:par>
+                                <p:cTn id="29" presetID="1" presetClass="entr" presetSubtype="0" fill="hold" grpId="0" nodeType="clickEffect">
+                                  <p:stCondLst>
+                                    <p:cond delay="0"/>
+                                  </p:stCondLst>
+                                  <p:childTnLst>
+                                    <p:set>
+                                      <p:cBhvr>
+                                        <p:cTn id="30" dur="1" fill="hold">
+                                          <p:stCondLst>
+                                            <p:cond delay="0"/>
+                                          </p:stCondLst>
+                                        </p:cTn>
+                                        <p:tgtEl>
+                                          <p:spTgt spid="3">
+                                            <p:txEl>
+                                              <p:pRg st="6" end="6"/>
+                                            </p:txEl>
+                                          </p:spTgt>
+                                        </p:tgtEl>
+                                        <p:attrNameLst>
+                                          <p:attrName>style.visibility</p:attrName>
+                                        </p:attrNameLst>
+                                      </p:cBhvr>
+                                      <p:to>
+                                        <p:strVal val="visible"/>
+                                      </p:to>
+                                    </p:set>
+                                  </p:childTnLst>
+                                </p:cTn>
+                              </p:par>
+                            </p:childTnLst>
+                          </p:cTn>
+                        </p:par>
+                      </p:childTnLst>
+                    </p:cTn>
+                  </p:par>
+                </p:childTnLst>
+              </p:cTn>
+              <p:prevCondLst>
+                <p:cond evt="onPrev" delay="0">
+                  <p:tgtEl>
+                    <p:sldTgt/>
+                  </p:tgtEl>
+                </p:cond>
+              </p:prevCondLst>
+              <p:nextCondLst>
+                <p:cond evt="onNext" delay="0">
+                  <p:tgtEl>
+                    <p:sldTgt/>
+                  </p:tgtEl>
+                </p:cond>
+              </p:nextCondLst>
+            </p:seq>
+          </p:childTnLst>
+        </p:cTn>
+      </p:par>
+    </p:tnLst>
+    <p:bldLst>
+      <p:bldP spid="3" grpId="0" build="p"/>
+    </p:bldLst>
+  </p:timing>
+</p:sld>
+</file>
+
+<file path=ppt/slides/slide16.xml><?xml version="1.0" encoding="utf-8"?>
 <p:sld xmlns:a="http://schemas.openxmlformats.org/drawingml/2006/main" xmlns:r="http://schemas.openxmlformats.org/officeDocument/2006/relationships" xmlns:p="http://schemas.openxmlformats.org/presentationml/2006/main">
   <p:cSld>
     <p:spTree>
@@ -13350,20 +14837,64 @@
           <a:p>
             <a:r>
               <a:rPr lang="en-CA" dirty="0" smtClean="0"/>
-              <a:t>Instead, convert data to one-hot encoding (zeros and ones)</a:t>
+              <a:t>Iris </a:t>
+            </a:r>
+            <a:r>
+              <a:rPr lang="en-CA" dirty="0" smtClean="0"/>
+              <a:t>data </a:t>
+            </a:r>
+            <a:endParaRPr lang="en-CA" dirty="0" smtClean="0"/>
+          </a:p>
+          <a:p>
+            <a:r>
+              <a:rPr lang="en-CA" dirty="0" smtClean="0"/>
+              <a:t>Other datasets: </a:t>
+            </a:r>
+            <a:r>
+              <a:rPr lang="en-CA" dirty="0">
+                <a:hlinkClick r:id="rId3"/>
+              </a:rPr>
+              <a:t>https://scikit-learn.org/stable/datasets/index.html</a:t>
+            </a:r>
+            <a:endParaRPr lang="en-CA" dirty="0" smtClean="0"/>
+          </a:p>
+          <a:p>
+            <a:pPr lvl="1"/>
+            <a:r>
+              <a:rPr lang="en-CA" dirty="0" smtClean="0"/>
+              <a:t>Iris, digits, wine, breast cancer (classification datasets)</a:t>
             </a:r>
           </a:p>
           <a:p>
             <a:r>
               <a:rPr lang="en-CA" dirty="0" smtClean="0"/>
-              <a:t>Weather data</a:t>
+              <a:t>Test out Decision trees on these datasets, and visualize the raw data using </a:t>
             </a:r>
+            <a:r>
+              <a:rPr lang="en-CA" dirty="0" err="1" smtClean="0"/>
+              <a:t>matplotlib</a:t>
+            </a:r>
+            <a:r>
+              <a:rPr lang="en-CA" dirty="0" smtClean="0"/>
+              <a:t> (</a:t>
+            </a:r>
+            <a:r>
+              <a:rPr lang="en-CA" dirty="0" err="1" smtClean="0"/>
+              <a:t>pyplot.plot</a:t>
+            </a:r>
+            <a:r>
+              <a:rPr lang="en-CA" dirty="0" smtClean="0"/>
+              <a:t>) </a:t>
+            </a:r>
+            <a:endParaRPr lang="en-CA" dirty="0" smtClean="0"/>
           </a:p>
           <a:p>
-            <a:r>
-              <a:rPr lang="en-CA" dirty="0" smtClean="0"/>
-              <a:t>Iris data </a:t>
-            </a:r>
+            <a:pPr marL="0" indent="0">
+              <a:buNone/>
+            </a:pPr>
+            <a:endParaRPr lang="en-CA" dirty="0" smtClean="0"/>
+          </a:p>
+          <a:p>
             <a:endParaRPr lang="en-CA" dirty="0"/>
           </a:p>
         </p:txBody>
@@ -13389,6 +14920,175 @@
 </file>
 
 <file path=ppt/slides/slide2.xml><?xml version="1.0" encoding="utf-8"?>
+<p:sld xmlns:a="http://schemas.openxmlformats.org/drawingml/2006/main" xmlns:r="http://schemas.openxmlformats.org/officeDocument/2006/relationships" xmlns:p="http://schemas.openxmlformats.org/presentationml/2006/main">
+  <p:cSld>
+    <p:spTree>
+      <p:nvGrpSpPr>
+        <p:cNvPr id="1" name=""/>
+        <p:cNvGrpSpPr/>
+        <p:nvPr/>
+      </p:nvGrpSpPr>
+      <p:grpSpPr>
+        <a:xfrm>
+          <a:off x="0" y="0"/>
+          <a:ext cx="0" cy="0"/>
+          <a:chOff x="0" y="0"/>
+          <a:chExt cx="0" cy="0"/>
+        </a:xfrm>
+      </p:grpSpPr>
+      <p:sp>
+        <p:nvSpPr>
+          <p:cNvPr id="2" name="Title 1"/>
+          <p:cNvSpPr>
+            <a:spLocks noGrp="1"/>
+          </p:cNvSpPr>
+          <p:nvPr>
+            <p:ph type="title"/>
+          </p:nvPr>
+        </p:nvSpPr>
+        <p:spPr/>
+        <p:txBody>
+          <a:bodyPr/>
+          <a:lstStyle/>
+          <a:p>
+            <a:r>
+              <a:rPr lang="en-CA" dirty="0" smtClean="0"/>
+              <a:t>Administrative slide</a:t>
+            </a:r>
+            <a:endParaRPr lang="en-CA" dirty="0"/>
+          </a:p>
+        </p:txBody>
+      </p:sp>
+      <p:sp>
+        <p:nvSpPr>
+          <p:cNvPr id="3" name="Content Placeholder 2"/>
+          <p:cNvSpPr>
+            <a:spLocks noGrp="1"/>
+          </p:cNvSpPr>
+          <p:nvPr>
+            <p:ph idx="1"/>
+          </p:nvPr>
+        </p:nvSpPr>
+        <p:spPr>
+          <a:xfrm>
+            <a:off x="209006" y="1825625"/>
+            <a:ext cx="11795760" cy="4351338"/>
+          </a:xfrm>
+        </p:spPr>
+        <p:txBody>
+          <a:bodyPr/>
+          <a:lstStyle/>
+          <a:p>
+            <a:r>
+              <a:rPr lang="en-CA" dirty="0" smtClean="0"/>
+              <a:t>Assignment 1 (chapters 1-4.6 inclusive)</a:t>
+            </a:r>
+          </a:p>
+          <a:p>
+            <a:pPr lvl="1"/>
+            <a:r>
+              <a:rPr lang="en-CA" dirty="0" smtClean="0"/>
+              <a:t>1R, Naïve Bayes, Decision Trees (today), Rules (next Monday), Linear Models (next Wed)</a:t>
+            </a:r>
+          </a:p>
+          <a:p>
+            <a:pPr lvl="1"/>
+            <a:r>
+              <a:rPr lang="en-CA" dirty="0" smtClean="0"/>
+              <a:t>algorithmic problems with toy datasets, conceptual problems</a:t>
+            </a:r>
+          </a:p>
+          <a:p>
+            <a:pPr lvl="1"/>
+            <a:r>
+              <a:rPr lang="en-CA" dirty="0" smtClean="0"/>
+              <a:t>Released </a:t>
+            </a:r>
+            <a:r>
+              <a:rPr lang="en-CA" dirty="0"/>
+              <a:t>M</a:t>
+            </a:r>
+            <a:r>
+              <a:rPr lang="en-CA" dirty="0" smtClean="0"/>
+              <a:t>onday September 16</a:t>
+            </a:r>
+            <a:r>
+              <a:rPr lang="en-CA" baseline="30000" dirty="0" smtClean="0"/>
+              <a:t>th</a:t>
+            </a:r>
+            <a:r>
+              <a:rPr lang="en-CA" dirty="0" smtClean="0"/>
+              <a:t> , due Wednesday October 2</a:t>
+            </a:r>
+            <a:r>
+              <a:rPr lang="en-CA" baseline="30000" dirty="0" smtClean="0"/>
+              <a:t>nd</a:t>
+            </a:r>
+            <a:r>
+              <a:rPr lang="en-CA" dirty="0" smtClean="0"/>
+              <a:t> </a:t>
+            </a:r>
+          </a:p>
+          <a:p>
+            <a:r>
+              <a:rPr lang="en-CA" dirty="0" smtClean="0"/>
+              <a:t>Midterm – same as Assignment 1</a:t>
+            </a:r>
+          </a:p>
+          <a:p>
+            <a:pPr lvl="1"/>
+            <a:r>
+              <a:rPr lang="en-CA" dirty="0" smtClean="0"/>
+              <a:t>Will take place Wednesday October 9</a:t>
+            </a:r>
+            <a:r>
+              <a:rPr lang="en-CA" baseline="30000" dirty="0" smtClean="0"/>
+              <a:t>th</a:t>
+            </a:r>
+            <a:r>
+              <a:rPr lang="en-CA" dirty="0" smtClean="0"/>
+              <a:t> </a:t>
+            </a:r>
+          </a:p>
+          <a:p>
+            <a:r>
+              <a:rPr lang="en-CA" dirty="0"/>
+              <a:t>S</a:t>
+            </a:r>
+            <a:r>
+              <a:rPr lang="en-CA" dirty="0" smtClean="0"/>
+              <a:t>lides on Moodle after each lecture (read book if you want preview)</a:t>
+            </a:r>
+          </a:p>
+          <a:p>
+            <a:endParaRPr lang="en-CA" dirty="0" smtClean="0"/>
+          </a:p>
+          <a:p>
+            <a:endParaRPr lang="en-CA" dirty="0"/>
+          </a:p>
+        </p:txBody>
+      </p:sp>
+    </p:spTree>
+    <p:extLst>
+      <p:ext uri="{BB962C8B-B14F-4D97-AF65-F5344CB8AC3E}">
+        <p14:creationId xmlns:p14="http://schemas.microsoft.com/office/powerpoint/2010/main" val="2042607266"/>
+      </p:ext>
+    </p:extLst>
+  </p:cSld>
+  <p:clrMapOvr>
+    <a:masterClrMapping/>
+  </p:clrMapOvr>
+  <p:timing>
+    <p:tnLst>
+      <p:par>
+        <p:cTn id="1" dur="indefinite" restart="never" nodeType="tmRoot"/>
+      </p:par>
+    </p:tnLst>
+  </p:timing>
+</p:sld>
+</file>
+
+<file path=ppt/slides/slide3.xml><?xml version="1.0" encoding="utf-8"?>
 <p:sld xmlns:a="http://schemas.openxmlformats.org/drawingml/2006/main" xmlns:r="http://schemas.openxmlformats.org/officeDocument/2006/relationships" xmlns:p="http://schemas.openxmlformats.org/presentationml/2006/main">
   <p:cSld>
     <p:spTree>
@@ -13493,10 +15193,10 @@
           </a:p>
           <a:p>
             <a:r>
-              <a:rPr lang="en-CA" dirty="0" smtClean="0"/>
+              <a:rPr lang="en-CA" b="1" dirty="0" smtClean="0"/>
               <a:t>How to determine which attribute to split on?</a:t>
             </a:r>
-            <a:endParaRPr lang="en-CA" dirty="0"/>
+            <a:endParaRPr lang="en-CA" b="1" dirty="0"/>
           </a:p>
         </p:txBody>
       </p:sp>
@@ -13895,7 +15595,7 @@
 </p:sld>
 </file>
 
-<file path=ppt/slides/slide3.xml><?xml version="1.0" encoding="utf-8"?>
+<file path=ppt/slides/slide4.xml><?xml version="1.0" encoding="utf-8"?>
 <p:sld xmlns:a="http://schemas.openxmlformats.org/drawingml/2006/main" xmlns:r="http://schemas.openxmlformats.org/officeDocument/2006/relationships" xmlns:p="http://schemas.openxmlformats.org/presentationml/2006/main">
   <p:cSld>
     <p:spTree>
@@ -13962,14 +15662,27 @@
           <a:p>
             <a:r>
               <a:rPr lang="en-CA" dirty="0" smtClean="0"/>
-              <a:t>Which split is best?</a:t>
+              <a:t>Which split is best</a:t>
+            </a:r>
+            <a:r>
+              <a:rPr lang="en-CA" dirty="0" smtClean="0"/>
+              <a:t>? </a:t>
             </a:r>
           </a:p>
           <a:p>
             <a:r>
               <a:rPr lang="en-CA" dirty="0" smtClean="0"/>
-              <a:t>Hint: we seek small trees</a:t>
+              <a:t>Hint</a:t>
             </a:r>
+            <a:r>
+              <a:rPr lang="en-CA" dirty="0" smtClean="0"/>
+              <a:t>: we seek small </a:t>
+            </a:r>
+            <a:r>
+              <a:rPr lang="en-CA" dirty="0" smtClean="0"/>
+              <a:t>(short) trees</a:t>
+            </a:r>
+            <a:endParaRPr lang="en-CA" dirty="0" smtClean="0"/>
           </a:p>
           <a:p>
             <a:r>
@@ -14307,7 +16020,7 @@
 </p:sld>
 </file>
 
-<file path=ppt/slides/slide4.xml><?xml version="1.0" encoding="utf-8"?>
+<file path=ppt/slides/slide5.xml><?xml version="1.0" encoding="utf-8"?>
 <p:sld xmlns:a="http://schemas.openxmlformats.org/drawingml/2006/main" xmlns:r="http://schemas.openxmlformats.org/officeDocument/2006/relationships" xmlns:p="http://schemas.openxmlformats.org/presentationml/2006/main">
   <p:cSld>
     <p:spTree>
@@ -14341,11 +16054,7 @@
           <a:p>
             <a:r>
               <a:rPr lang="en-CA" dirty="0" smtClean="0"/>
-              <a:t>How to measure purit</a:t>
-            </a:r>
-            <a:r>
-              <a:rPr lang="en-CA" dirty="0" smtClean="0"/>
-              <a:t>y of split</a:t>
+              <a:t>How to measure purity of split</a:t>
             </a:r>
             <a:endParaRPr lang="en-CA" dirty="0"/>
           </a:p>
@@ -14375,7 +16084,15 @@
           <a:p>
             <a:r>
               <a:rPr lang="en-CA" dirty="0" smtClean="0"/>
-              <a:t>We want a measure that does the following:</a:t>
+              <a:t>We want a </a:t>
+            </a:r>
+            <a:r>
+              <a:rPr lang="en-CA" dirty="0" smtClean="0"/>
+              <a:t>measure of information that </a:t>
+            </a:r>
+            <a:r>
+              <a:rPr lang="en-CA" dirty="0" smtClean="0"/>
+              <a:t>does the following:</a:t>
             </a:r>
           </a:p>
           <a:p>
@@ -14393,8 +16110,13 @@
           <a:p>
             <a:r>
               <a:rPr lang="en-CA" i="1" dirty="0" smtClean="0"/>
-              <a:t>3) applicable to multiclass situations (not just 2 classes)</a:t>
+              <a:t>3) applicable to multiclass situations (not just 2 </a:t>
             </a:r>
+            <a:r>
+              <a:rPr lang="en-CA" i="1" dirty="0" smtClean="0"/>
+              <a:t>classes Yes/No)</a:t>
+            </a:r>
+            <a:endParaRPr lang="en-CA" i="1" dirty="0" smtClean="0"/>
           </a:p>
           <a:p>
             <a:r>
@@ -14411,28 +16133,41 @@
           <a:p>
             <a:r>
               <a:rPr lang="en-CA" dirty="0" smtClean="0"/>
-              <a:t>Suppose we have an attribute with 3 values: (outlook)</a:t>
+              <a:t>Suppose we have an attribute with 3 values: </a:t>
+            </a:r>
+            <a:endParaRPr lang="en-CA" dirty="0" smtClean="0"/>
+          </a:p>
+          <a:p>
+            <a:pPr lvl="1"/>
+            <a:r>
+              <a:rPr lang="en-CA" dirty="0" smtClean="0"/>
+              <a:t>A </a:t>
+            </a:r>
+            <a:r>
+              <a:rPr lang="en-CA" dirty="0" smtClean="0"/>
+              <a:t>(2 instances), </a:t>
             </a:r>
           </a:p>
           <a:p>
             <a:pPr lvl="1"/>
             <a:r>
               <a:rPr lang="en-CA" dirty="0" smtClean="0"/>
-              <a:t>Sunny (2 instances), </a:t>
+              <a:t>B </a:t>
+            </a:r>
+            <a:r>
+              <a:rPr lang="en-CA" dirty="0" smtClean="0"/>
+              <a:t>(3 instances), </a:t>
             </a:r>
           </a:p>
           <a:p>
             <a:pPr lvl="1"/>
             <a:r>
               <a:rPr lang="en-CA" dirty="0" smtClean="0"/>
-              <a:t>Overcast (3 instances), </a:t>
+              <a:t>C (4 </a:t>
             </a:r>
-          </a:p>
-          <a:p>
-            <a:pPr lvl="1"/>
             <a:r>
               <a:rPr lang="en-CA" dirty="0" smtClean="0"/>
-              <a:t>Rainy(4 instances)</a:t>
+              <a:t>instances)</a:t>
             </a:r>
           </a:p>
           <a:p>
@@ -16283,7 +18018,7 @@
 </p:sld>
 </file>
 
-<file path=ppt/slides/slide5.xml><?xml version="1.0" encoding="utf-8"?>
+<file path=ppt/slides/slide6.xml><?xml version="1.0" encoding="utf-8"?>
 <p:sld xmlns:a="http://schemas.openxmlformats.org/drawingml/2006/main" xmlns:r="http://schemas.openxmlformats.org/officeDocument/2006/relationships" xmlns:p="http://schemas.openxmlformats.org/presentationml/2006/main">
   <p:cSld>
     <p:spTree>
@@ -16342,7 +18077,7 @@
             </p:nvSpPr>
             <p:spPr>
               <a:xfrm>
-                <a:off x="838200" y="1095811"/>
+                <a:off x="838200" y="1435447"/>
                 <a:ext cx="10515600" cy="4351338"/>
               </a:xfrm>
             </p:spPr>
@@ -16433,7 +18168,19 @@
                       <a:rPr lang="en-CA" b="0" i="1" smtClean="0">
                         <a:latin typeface="Cambria Math" panose="02040503050406030204" pitchFamily="18" charset="0"/>
                       </a:rPr>
-                      <m:t>𝑙𝑜𝑔𝑝</m:t>
+                      <m:t>𝑙𝑜𝑔</m:t>
+                    </m:r>
+                    <m:r>
+                      <a:rPr lang="en-CA" b="0" i="1" baseline="-25000" smtClean="0">
+                        <a:latin typeface="Cambria Math" panose="02040503050406030204" pitchFamily="18" charset="0"/>
+                      </a:rPr>
+                      <m:t>2</m:t>
+                    </m:r>
+                    <m:r>
+                      <a:rPr lang="en-CA" b="0" i="1" smtClean="0">
+                        <a:latin typeface="Cambria Math" panose="02040503050406030204" pitchFamily="18" charset="0"/>
+                      </a:rPr>
+                      <m:t>𝑝</m:t>
                     </m:r>
                     <m:r>
                       <a:rPr lang="en-CA" b="0" i="1" baseline="-25000" smtClean="0">
@@ -16463,7 +18210,19 @@
                       <a:rPr lang="en-CA" b="0" i="1" smtClean="0">
                         <a:latin typeface="Cambria Math" panose="02040503050406030204" pitchFamily="18" charset="0"/>
                       </a:rPr>
-                      <m:t>𝑙𝑜𝑔𝑝</m:t>
+                      <m:t>𝑙𝑜𝑔</m:t>
+                    </m:r>
+                    <m:r>
+                      <a:rPr lang="en-CA" b="0" i="1" baseline="-25000" smtClean="0">
+                        <a:latin typeface="Cambria Math" panose="02040503050406030204" pitchFamily="18" charset="0"/>
+                      </a:rPr>
+                      <m:t>2</m:t>
+                    </m:r>
+                    <m:r>
+                      <a:rPr lang="en-CA" b="0" i="1" smtClean="0">
+                        <a:latin typeface="Cambria Math" panose="02040503050406030204" pitchFamily="18" charset="0"/>
+                      </a:rPr>
+                      <m:t>𝑝</m:t>
                     </m:r>
                     <m:r>
                       <a:rPr lang="en-CA" b="0" i="1" baseline="-25000" smtClean="0">
@@ -16481,7 +18240,19 @@
                       <a:rPr lang="en-CA" b="0" i="1" smtClean="0">
                         <a:latin typeface="Cambria Math" panose="02040503050406030204" pitchFamily="18" charset="0"/>
                       </a:rPr>
-                      <m:t>𝑝𝑛𝑙𝑜𝑔𝑝𝑛</m:t>
+                      <m:t>𝑝𝑛𝑙𝑜𝑔</m:t>
+                    </m:r>
+                    <m:r>
+                      <a:rPr lang="en-CA" b="0" i="1" baseline="-25000" smtClean="0">
+                        <a:latin typeface="Cambria Math" panose="02040503050406030204" pitchFamily="18" charset="0"/>
+                      </a:rPr>
+                      <m:t>2</m:t>
+                    </m:r>
+                    <m:r>
+                      <a:rPr lang="en-CA" b="0" i="1" smtClean="0">
+                        <a:latin typeface="Cambria Math" panose="02040503050406030204" pitchFamily="18" charset="0"/>
+                      </a:rPr>
+                      <m:t>𝑝𝑛</m:t>
                     </m:r>
                     <m:r>
                       <a:rPr lang="en-CA" b="0" i="1" smtClean="0">
@@ -16491,14 +18262,6 @@
                     </m:r>
                   </m:oMath>
                 </a14:m>
-                <a:endParaRPr lang="en-CA" dirty="0" smtClean="0"/>
-              </a:p>
-              <a:p>
-                <a:pPr lvl="1"/>
-                <a:r>
-                  <a:rPr lang="en-CA" dirty="0" smtClean="0"/>
-                  <a:t>Measured in units of bits</a:t>
-                </a:r>
                 <a:endParaRPr lang="en-CA" dirty="0" smtClean="0"/>
               </a:p>
               <a:p>
@@ -17351,7 +19114,7 @@
             </p:nvSpPr>
             <p:spPr>
               <a:xfrm>
-                <a:off x="838200" y="1095811"/>
+                <a:off x="838200" y="1435447"/>
                 <a:ext cx="10515600" cy="4351338"/>
               </a:xfrm>
               <a:blipFill>
@@ -18269,15 +20032,33 @@
                                   </p:childTnLst>
                                 </p:cTn>
                               </p:par>
+                            </p:childTnLst>
+                          </p:cTn>
+                        </p:par>
+                      </p:childTnLst>
+                    </p:cTn>
+                  </p:par>
+                  <p:par>
+                    <p:cTn id="7" fill="hold">
+                      <p:stCondLst>
+                        <p:cond delay="indefinite"/>
+                      </p:stCondLst>
+                      <p:childTnLst>
+                        <p:par>
+                          <p:cTn id="8" fill="hold">
+                            <p:stCondLst>
+                              <p:cond delay="0"/>
+                            </p:stCondLst>
+                            <p:childTnLst>
                               <p:par>
-                                <p:cTn id="7" presetID="1" presetClass="entr" presetSubtype="0" fill="hold" grpId="0" nodeType="withEffect">
+                                <p:cTn id="9" presetID="1" presetClass="entr" presetSubtype="0" fill="hold" grpId="0" nodeType="clickEffect">
                                   <p:stCondLst>
                                     <p:cond delay="0"/>
                                   </p:stCondLst>
                                   <p:childTnLst>
                                     <p:set>
                                       <p:cBhvr>
-                                        <p:cTn id="8" dur="1" fill="hold">
+                                        <p:cTn id="10" dur="1" fill="hold">
                                           <p:stCondLst>
                                             <p:cond delay="0"/>
                                           </p:stCondLst>
@@ -18307,26 +20088,26 @@
                     </p:cTn>
                   </p:par>
                   <p:par>
-                    <p:cTn id="9" fill="hold">
+                    <p:cTn id="11" fill="hold">
                       <p:stCondLst>
                         <p:cond delay="indefinite"/>
                       </p:stCondLst>
                       <p:childTnLst>
                         <p:par>
-                          <p:cTn id="10" fill="hold">
+                          <p:cTn id="12" fill="hold">
                             <p:stCondLst>
                               <p:cond delay="0"/>
                             </p:stCondLst>
                             <p:childTnLst>
                               <p:par>
-                                <p:cTn id="11" presetID="1" presetClass="entr" presetSubtype="0" fill="hold" grpId="0" nodeType="clickEffect">
+                                <p:cTn id="13" presetID="1" presetClass="entr" presetSubtype="0" fill="hold" grpId="0" nodeType="clickEffect">
                                   <p:stCondLst>
                                     <p:cond delay="0"/>
                                   </p:stCondLst>
                                   <p:childTnLst>
                                     <p:set>
                                       <p:cBhvr>
-                                        <p:cTn id="12" dur="1" fill="hold">
+                                        <p:cTn id="14" dur="1" fill="hold">
                                           <p:stCondLst>
                                             <p:cond delay="0"/>
                                           </p:stCondLst>
@@ -18356,26 +20137,26 @@
                     </p:cTn>
                   </p:par>
                   <p:par>
-                    <p:cTn id="13" fill="hold">
+                    <p:cTn id="15" fill="hold">
                       <p:stCondLst>
                         <p:cond delay="indefinite"/>
                       </p:stCondLst>
                       <p:childTnLst>
                         <p:par>
-                          <p:cTn id="14" fill="hold">
+                          <p:cTn id="16" fill="hold">
                             <p:stCondLst>
                               <p:cond delay="0"/>
                             </p:stCondLst>
                             <p:childTnLst>
                               <p:par>
-                                <p:cTn id="15" presetID="1" presetClass="entr" presetSubtype="0" fill="hold" grpId="0" nodeType="clickEffect">
+                                <p:cTn id="17" presetID="1" presetClass="entr" presetSubtype="0" fill="hold" grpId="0" nodeType="clickEffect">
                                   <p:stCondLst>
                                     <p:cond delay="0"/>
                                   </p:stCondLst>
                                   <p:childTnLst>
                                     <p:set>
                                       <p:cBhvr>
-                                        <p:cTn id="16" dur="1" fill="hold">
+                                        <p:cTn id="18" dur="1" fill="hold">
                                           <p:stCondLst>
                                             <p:cond delay="0"/>
                                           </p:stCondLst>
@@ -18405,36 +20186,32 @@
                     </p:cTn>
                   </p:par>
                   <p:par>
-                    <p:cTn id="17" fill="hold">
+                    <p:cTn id="19" fill="hold">
                       <p:stCondLst>
                         <p:cond delay="indefinite"/>
                       </p:stCondLst>
                       <p:childTnLst>
                         <p:par>
-                          <p:cTn id="18" fill="hold">
+                          <p:cTn id="20" fill="hold">
                             <p:stCondLst>
                               <p:cond delay="0"/>
                             </p:stCondLst>
                             <p:childTnLst>
                               <p:par>
-                                <p:cTn id="19" presetID="1" presetClass="entr" presetSubtype="0" fill="hold" grpId="0" nodeType="clickEffect">
+                                <p:cTn id="21" presetID="1" presetClass="entr" presetSubtype="0" fill="hold" grpId="0" nodeType="clickEffect">
                                   <p:stCondLst>
                                     <p:cond delay="0"/>
                                   </p:stCondLst>
                                   <p:childTnLst>
                                     <p:set>
                                       <p:cBhvr>
-                                        <p:cTn id="20" dur="1" fill="hold">
+                                        <p:cTn id="22" dur="1" fill="hold">
                                           <p:stCondLst>
                                             <p:cond delay="0"/>
                                           </p:stCondLst>
                                         </p:cTn>
                                         <p:tgtEl>
-                                          <p:spTgt spid="3">
-                                            <p:txEl>
-                                              <p:pRg st="4" end="4"/>
-                                            </p:txEl>
-                                          </p:spTgt>
+                                          <p:spTgt spid="6"/>
                                         </p:tgtEl>
                                         <p:attrNameLst>
                                           <p:attrName>style.visibility</p:attrName>
@@ -18447,26 +20224,8 @@
                                   </p:childTnLst>
                                 </p:cTn>
                               </p:par>
-                            </p:childTnLst>
-                          </p:cTn>
-                        </p:par>
-                      </p:childTnLst>
-                    </p:cTn>
-                  </p:par>
-                  <p:par>
-                    <p:cTn id="21" fill="hold">
-                      <p:stCondLst>
-                        <p:cond delay="indefinite"/>
-                      </p:stCondLst>
-                      <p:childTnLst>
-                        <p:par>
-                          <p:cTn id="22" fill="hold">
-                            <p:stCondLst>
-                              <p:cond delay="0"/>
-                            </p:stCondLst>
-                            <p:childTnLst>
                               <p:par>
-                                <p:cTn id="23" presetID="1" presetClass="entr" presetSubtype="0" fill="hold" grpId="0" nodeType="clickEffect">
+                                <p:cTn id="23" presetID="1" presetClass="entr" presetSubtype="0" fill="hold" grpId="0" nodeType="withEffect">
                                   <p:stCondLst>
                                     <p:cond delay="0"/>
                                   </p:stCondLst>
@@ -18479,7 +20238,7 @@
                                           </p:stCondLst>
                                         </p:cTn>
                                         <p:tgtEl>
-                                          <p:spTgt spid="6"/>
+                                          <p:spTgt spid="7"/>
                                         </p:tgtEl>
                                         <p:attrNameLst>
                                           <p:attrName>style.visibility</p:attrName>
@@ -18506,7 +20265,7 @@
                                           </p:stCondLst>
                                         </p:cTn>
                                         <p:tgtEl>
-                                          <p:spTgt spid="7"/>
+                                          <p:spTgt spid="8"/>
                                         </p:tgtEl>
                                         <p:attrNameLst>
                                           <p:attrName>style.visibility</p:attrName>
@@ -18533,7 +20292,7 @@
                                           </p:stCondLst>
                                         </p:cTn>
                                         <p:tgtEl>
-                                          <p:spTgt spid="8"/>
+                                          <p:spTgt spid="9"/>
                                         </p:tgtEl>
                                         <p:attrNameLst>
                                           <p:attrName>style.visibility</p:attrName>
@@ -18547,7 +20306,7 @@
                                 </p:cTn>
                               </p:par>
                               <p:par>
-                                <p:cTn id="29" presetID="1" presetClass="entr" presetSubtype="0" fill="hold" grpId="0" nodeType="withEffect">
+                                <p:cTn id="29" presetID="1" presetClass="entr" presetSubtype="0" fill="hold" nodeType="withEffect">
                                   <p:stCondLst>
                                     <p:cond delay="0"/>
                                   </p:stCondLst>
@@ -18560,7 +20319,7 @@
                                           </p:stCondLst>
                                         </p:cTn>
                                         <p:tgtEl>
-                                          <p:spTgt spid="9"/>
+                                          <p:spTgt spid="10"/>
                                         </p:tgtEl>
                                         <p:attrNameLst>
                                           <p:attrName>style.visibility</p:attrName>
@@ -18587,7 +20346,7 @@
                                           </p:stCondLst>
                                         </p:cTn>
                                         <p:tgtEl>
-                                          <p:spTgt spid="10"/>
+                                          <p:spTgt spid="11"/>
                                         </p:tgtEl>
                                         <p:attrNameLst>
                                           <p:attrName>style.visibility</p:attrName>
@@ -18614,7 +20373,7 @@
                                           </p:stCondLst>
                                         </p:cTn>
                                         <p:tgtEl>
-                                          <p:spTgt spid="11"/>
+                                          <p:spTgt spid="12"/>
                                         </p:tgtEl>
                                         <p:attrNameLst>
                                           <p:attrName>style.visibility</p:attrName>
@@ -18628,7 +20387,7 @@
                                 </p:cTn>
                               </p:par>
                               <p:par>
-                                <p:cTn id="35" presetID="1" presetClass="entr" presetSubtype="0" fill="hold" nodeType="withEffect">
+                                <p:cTn id="35" presetID="1" presetClass="entr" presetSubtype="0" fill="hold" grpId="0" nodeType="withEffect">
                                   <p:stCondLst>
                                     <p:cond delay="0"/>
                                   </p:stCondLst>
@@ -18641,7 +20400,7 @@
                                           </p:stCondLst>
                                         </p:cTn>
                                         <p:tgtEl>
-                                          <p:spTgt spid="12"/>
+                                          <p:spTgt spid="13"/>
                                         </p:tgtEl>
                                         <p:attrNameLst>
                                           <p:attrName>style.visibility</p:attrName>
@@ -18668,7 +20427,7 @@
                                           </p:stCondLst>
                                         </p:cTn>
                                         <p:tgtEl>
-                                          <p:spTgt spid="13"/>
+                                          <p:spTgt spid="14"/>
                                         </p:tgtEl>
                                         <p:attrNameLst>
                                           <p:attrName>style.visibility</p:attrName>
@@ -18695,7 +20454,7 @@
                                           </p:stCondLst>
                                         </p:cTn>
                                         <p:tgtEl>
-                                          <p:spTgt spid="14"/>
+                                          <p:spTgt spid="15"/>
                                         </p:tgtEl>
                                         <p:attrNameLst>
                                           <p:attrName>style.visibility</p:attrName>
@@ -18722,7 +20481,7 @@
                                           </p:stCondLst>
                                         </p:cTn>
                                         <p:tgtEl>
-                                          <p:spTgt spid="15"/>
+                                          <p:spTgt spid="16"/>
                                         </p:tgtEl>
                                         <p:attrNameLst>
                                           <p:attrName>style.visibility</p:attrName>
@@ -18749,7 +20508,7 @@
                                           </p:stCondLst>
                                         </p:cTn>
                                         <p:tgtEl>
-                                          <p:spTgt spid="16"/>
+                                          <p:spTgt spid="17"/>
                                         </p:tgtEl>
                                         <p:attrNameLst>
                                           <p:attrName>style.visibility</p:attrName>
@@ -18763,7 +20522,7 @@
                                 </p:cTn>
                               </p:par>
                               <p:par>
-                                <p:cTn id="45" presetID="1" presetClass="entr" presetSubtype="0" fill="hold" grpId="0" nodeType="withEffect">
+                                <p:cTn id="45" presetID="1" presetClass="entr" presetSubtype="0" fill="hold" nodeType="withEffect">
                                   <p:stCondLst>
                                     <p:cond delay="0"/>
                                   </p:stCondLst>
@@ -18776,7 +20535,7 @@
                                           </p:stCondLst>
                                         </p:cTn>
                                         <p:tgtEl>
-                                          <p:spTgt spid="17"/>
+                                          <p:spTgt spid="18"/>
                                         </p:tgtEl>
                                         <p:attrNameLst>
                                           <p:attrName>style.visibility</p:attrName>
@@ -18803,7 +20562,7 @@
                                           </p:stCondLst>
                                         </p:cTn>
                                         <p:tgtEl>
-                                          <p:spTgt spid="18"/>
+                                          <p:spTgt spid="19"/>
                                         </p:tgtEl>
                                         <p:attrNameLst>
                                           <p:attrName>style.visibility</p:attrName>
@@ -18830,7 +20589,7 @@
                                           </p:stCondLst>
                                         </p:cTn>
                                         <p:tgtEl>
-                                          <p:spTgt spid="19"/>
+                                          <p:spTgt spid="20"/>
                                         </p:tgtEl>
                                         <p:attrNameLst>
                                           <p:attrName>style.visibility</p:attrName>
@@ -18857,7 +20616,7 @@
                                           </p:stCondLst>
                                         </p:cTn>
                                         <p:tgtEl>
-                                          <p:spTgt spid="20"/>
+                                          <p:spTgt spid="21"/>
                                         </p:tgtEl>
                                         <p:attrNameLst>
                                           <p:attrName>style.visibility</p:attrName>
@@ -18871,7 +20630,7 @@
                                 </p:cTn>
                               </p:par>
                               <p:par>
-                                <p:cTn id="53" presetID="1" presetClass="entr" presetSubtype="0" fill="hold" nodeType="withEffect">
+                                <p:cTn id="53" presetID="1" presetClass="entr" presetSubtype="0" fill="hold" grpId="0" nodeType="withEffect">
                                   <p:stCondLst>
                                     <p:cond delay="0"/>
                                   </p:stCondLst>
@@ -18884,7 +20643,7 @@
                                           </p:stCondLst>
                                         </p:cTn>
                                         <p:tgtEl>
-                                          <p:spTgt spid="21"/>
+                                          <p:spTgt spid="22"/>
                                         </p:tgtEl>
                                         <p:attrNameLst>
                                           <p:attrName>style.visibility</p:attrName>
@@ -18911,7 +20670,7 @@
                                           </p:stCondLst>
                                         </p:cTn>
                                         <p:tgtEl>
-                                          <p:spTgt spid="22"/>
+                                          <p:spTgt spid="23"/>
                                         </p:tgtEl>
                                         <p:attrNameLst>
                                           <p:attrName>style.visibility</p:attrName>
@@ -18938,7 +20697,7 @@
                                           </p:stCondLst>
                                         </p:cTn>
                                         <p:tgtEl>
-                                          <p:spTgt spid="23"/>
+                                          <p:spTgt spid="24"/>
                                         </p:tgtEl>
                                         <p:attrNameLst>
                                           <p:attrName>style.visibility</p:attrName>
@@ -18952,7 +20711,7 @@
                                 </p:cTn>
                               </p:par>
                               <p:par>
-                                <p:cTn id="59" presetID="1" presetClass="entr" presetSubtype="0" fill="hold" grpId="0" nodeType="withEffect">
+                                <p:cTn id="59" presetID="1" presetClass="entr" presetSubtype="0" fill="hold" nodeType="withEffect">
                                   <p:stCondLst>
                                     <p:cond delay="0"/>
                                   </p:stCondLst>
@@ -18965,7 +20724,7 @@
                                           </p:stCondLst>
                                         </p:cTn>
                                         <p:tgtEl>
-                                          <p:spTgt spid="24"/>
+                                          <p:spTgt spid="25"/>
                                         </p:tgtEl>
                                         <p:attrNameLst>
                                           <p:attrName>style.visibility</p:attrName>
@@ -18992,7 +20751,7 @@
                                           </p:stCondLst>
                                         </p:cTn>
                                         <p:tgtEl>
-                                          <p:spTgt spid="25"/>
+                                          <p:spTgt spid="29"/>
                                         </p:tgtEl>
                                         <p:attrNameLst>
                                           <p:attrName>style.visibility</p:attrName>
@@ -19005,21 +20764,39 @@
                                   </p:childTnLst>
                                 </p:cTn>
                               </p:par>
+                            </p:childTnLst>
+                          </p:cTn>
+                        </p:par>
+                      </p:childTnLst>
+                    </p:cTn>
+                  </p:par>
+                  <p:par>
+                    <p:cTn id="63" fill="hold">
+                      <p:stCondLst>
+                        <p:cond delay="indefinite"/>
+                      </p:stCondLst>
+                      <p:childTnLst>
+                        <p:par>
+                          <p:cTn id="64" fill="hold">
+                            <p:stCondLst>
+                              <p:cond delay="0"/>
+                            </p:stCondLst>
+                            <p:childTnLst>
                               <p:par>
-                                <p:cTn id="63" presetID="1" presetClass="entr" presetSubtype="0" fill="hold" nodeType="withEffect">
+                                <p:cTn id="65" presetID="1" presetClass="entr" presetSubtype="0" fill="hold" nodeType="clickEffect">
                                   <p:stCondLst>
                                     <p:cond delay="0"/>
                                   </p:stCondLst>
                                   <p:childTnLst>
                                     <p:set>
                                       <p:cBhvr>
-                                        <p:cTn id="64" dur="1" fill="hold">
+                                        <p:cTn id="66" dur="1" fill="hold">
                                           <p:stCondLst>
                                             <p:cond delay="0"/>
                                           </p:stCondLst>
                                         </p:cTn>
                                         <p:tgtEl>
-                                          <p:spTgt spid="29"/>
+                                          <p:spTgt spid="5"/>
                                         </p:tgtEl>
                                         <p:attrNameLst>
                                           <p:attrName>style.visibility</p:attrName>
@@ -19078,7 +20855,7 @@
 </p:sld>
 </file>
 
-<file path=ppt/slides/slide6.xml><?xml version="1.0" encoding="utf-8"?>
+<file path=ppt/slides/slide7.xml><?xml version="1.0" encoding="utf-8"?>
 <p:sld xmlns:a="http://schemas.openxmlformats.org/drawingml/2006/main" xmlns:r="http://schemas.openxmlformats.org/officeDocument/2006/relationships" xmlns:p="http://schemas.openxmlformats.org/presentationml/2006/main">
   <p:cSld>
     <p:spTree>
@@ -19118,8 +20895,8 @@
           </a:p>
         </p:txBody>
       </p:sp>
-      <mc:AlternateContent xmlns:mc="http://schemas.openxmlformats.org/markup-compatibility/2006" xmlns:a14="http://schemas.microsoft.com/office/drawing/2010/main">
-        <mc:Choice Requires="a14">
+      <mc:AlternateContent xmlns:mc="http://schemas.openxmlformats.org/markup-compatibility/2006">
+        <mc:Choice xmlns:a14="http://schemas.microsoft.com/office/drawing/2010/main" Requires="a14">
           <p:sp>
             <p:nvSpPr>
               <p:cNvPr id="3" name="Content Placeholder 2"/>
@@ -19728,8 +21505,20 @@
                 </a:br>
                 <a:r>
                   <a:rPr lang="en-CA" dirty="0" smtClean="0"/>
-                  <a:t>fair coin toss gives us 1 bit of information</a:t>
+                  <a:t>fair coin toss gives us 1 bit of </a:t>
                 </a:r>
+                <a:r>
+                  <a:rPr lang="en-CA" dirty="0" smtClean="0"/>
+                  <a:t>information</a:t>
+                </a:r>
+              </a:p>
+              <a:p>
+                <a:pPr lvl="1"/>
+                <a:r>
+                  <a:rPr lang="en-CA" dirty="0" smtClean="0"/>
+                  <a:t>Entropy is measured in bits</a:t>
+                </a:r>
+                <a:endParaRPr lang="en-CA" dirty="0" smtClean="0"/>
               </a:p>
               <a:p>
                 <a:endParaRPr lang="en-CA" dirty="0"/>
@@ -19737,7 +21526,7 @@
             </p:txBody>
           </p:sp>
         </mc:Choice>
-        <mc:Fallback xmlns="">
+        <mc:Fallback>
           <p:sp>
             <p:nvSpPr>
               <p:cNvPr id="3" name="Content Placeholder 2"/>
@@ -19840,6 +21629,30 @@
               </a14:hiddenFill>
             </a:ext>
           </a:extLst>
+        </p:spPr>
+      </p:pic>
+      <p:pic>
+        <p:nvPicPr>
+          <p:cNvPr id="7" name="Picture 6"/>
+          <p:cNvPicPr>
+            <a:picLocks noChangeAspect="1"/>
+          </p:cNvPicPr>
+          <p:nvPr/>
+        </p:nvPicPr>
+        <p:blipFill>
+          <a:blip r:embed="rId4"/>
+          <a:stretch>
+            <a:fillRect/>
+          </a:stretch>
+        </p:blipFill>
+        <p:spPr>
+          <a:xfrm>
+            <a:off x="10267406" y="0"/>
+            <a:ext cx="1924594" cy="1946026"/>
+          </a:xfrm>
+          <a:prstGeom prst="rect">
+            <a:avLst/>
+          </a:prstGeom>
         </p:spPr>
       </p:pic>
     </p:spTree>
@@ -20051,7 +21864,7 @@
                                 </p:cTn>
                               </p:par>
                               <p:par>
-                                <p:cTn id="19" presetID="1" presetClass="entr" presetSubtype="0" fill="hold" nodeType="withEffect">
+                                <p:cTn id="19" presetID="1" presetClass="entr" presetSubtype="0" fill="hold" grpId="0" nodeType="withEffect">
                                   <p:stCondLst>
                                     <p:cond delay="0"/>
                                   </p:stCondLst>
@@ -20059,6 +21872,37 @@
                                     <p:set>
                                       <p:cBhvr>
                                         <p:cTn id="20" dur="1" fill="hold">
+                                          <p:stCondLst>
+                                            <p:cond delay="0"/>
+                                          </p:stCondLst>
+                                        </p:cTn>
+                                        <p:tgtEl>
+                                          <p:spTgt spid="3">
+                                            <p:txEl>
+                                              <p:pRg st="4" end="4"/>
+                                            </p:txEl>
+                                          </p:spTgt>
+                                        </p:tgtEl>
+                                        <p:attrNameLst>
+                                          <p:attrName>style.visibility</p:attrName>
+                                        </p:attrNameLst>
+                                      </p:cBhvr>
+                                      <p:to>
+                                        <p:strVal val="visible"/>
+                                      </p:to>
+                                    </p:set>
+                                  </p:childTnLst>
+                                </p:cTn>
+                              </p:par>
+                              <p:par>
+                                <p:cTn id="21" presetID="1" presetClass="entr" presetSubtype="0" fill="hold" nodeType="withEffect">
+                                  <p:stCondLst>
+                                    <p:cond delay="0"/>
+                                  </p:stCondLst>
+                                  <p:childTnLst>
+                                    <p:set>
+                                      <p:cBhvr>
+                                        <p:cTn id="22" dur="1" fill="hold">
                                           <p:stCondLst>
                                             <p:cond delay="0"/>
                                           </p:stCondLst>
@@ -20084,26 +21928,26 @@
                     </p:cTn>
                   </p:par>
                   <p:par>
-                    <p:cTn id="21" fill="hold">
+                    <p:cTn id="23" fill="hold">
                       <p:stCondLst>
                         <p:cond delay="indefinite"/>
                       </p:stCondLst>
                       <p:childTnLst>
                         <p:par>
-                          <p:cTn id="22" fill="hold">
+                          <p:cTn id="24" fill="hold">
                             <p:stCondLst>
                               <p:cond delay="0"/>
                             </p:stCondLst>
                             <p:childTnLst>
                               <p:par>
-                                <p:cTn id="23" presetID="1" presetClass="entr" presetSubtype="0" fill="hold" grpId="0" nodeType="clickEffect">
+                                <p:cTn id="25" presetID="1" presetClass="entr" presetSubtype="0" fill="hold" grpId="0" nodeType="clickEffect">
                                   <p:stCondLst>
                                     <p:cond delay="0"/>
                                   </p:stCondLst>
                                   <p:childTnLst>
                                     <p:set>
                                       <p:cBhvr>
-                                        <p:cTn id="24" dur="1" fill="hold">
+                                        <p:cTn id="26" dur="1" fill="hold">
                                           <p:stCondLst>
                                             <p:cond delay="0"/>
                                           </p:stCondLst>
@@ -20157,7 +22001,7 @@
 </p:sld>
 </file>
 
-<file path=ppt/slides/slide7.xml><?xml version="1.0" encoding="utf-8"?>
+<file path=ppt/slides/slide8.xml><?xml version="1.0" encoding="utf-8"?>
 <p:sld xmlns:a="http://schemas.openxmlformats.org/drawingml/2006/main" xmlns:r="http://schemas.openxmlformats.org/officeDocument/2006/relationships" xmlns:p="http://schemas.openxmlformats.org/presentationml/2006/main">
   <p:cSld>
     <p:spTree>
@@ -20184,7 +22028,12 @@
             <p:ph type="title"/>
           </p:nvPr>
         </p:nvSpPr>
-        <p:spPr/>
+        <p:spPr>
+          <a:xfrm>
+            <a:off x="250372" y="78894"/>
+            <a:ext cx="5831773" cy="1325563"/>
+          </a:xfrm>
+        </p:spPr>
         <p:txBody>
           <a:bodyPr/>
           <a:lstStyle/>
@@ -20227,15 +22076,19 @@
                 </a:r>
                 <a:r>
                   <a:rPr lang="en-CA" b="1" dirty="0" smtClean="0"/>
-                  <a:t>ur </a:t>
-                </a:r>
-                <a:r>
-                  <a:rPr lang="en-CA" b="1" dirty="0" smtClean="0"/>
-                  <a:t>goal is to split in such a way that we reduce the uncertainty as much as possible </a:t>
+                  <a:t>ur goal is to split in such a way that we reduce the uncertainty as much as possible </a:t>
                 </a:r>
                 <a:r>
                   <a:rPr lang="en-CA" dirty="0" smtClean="0"/>
-                  <a:t>(greedy approach</a:t>
+                  <a:t>(greedy </a:t>
+                </a:r>
+                <a:r>
+                  <a:rPr lang="en-CA" dirty="0" smtClean="0"/>
+                  <a:t>approach – ID3 </a:t>
+                </a:r>
+                <a:r>
+                  <a:rPr lang="en-CA" dirty="0" err="1" smtClean="0"/>
+                  <a:t>algo</a:t>
                 </a:r>
                 <a:r>
                   <a:rPr lang="en-CA" dirty="0" smtClean="0"/>
@@ -20398,8 +22251,8 @@
           </a:prstGeom>
         </p:spPr>
       </p:pic>
-      <mc:AlternateContent xmlns:mc="http://schemas.openxmlformats.org/markup-compatibility/2006" xmlns:a14="http://schemas.microsoft.com/office/drawing/2010/main">
-        <mc:Choice Requires="a14">
+      <mc:AlternateContent xmlns:mc="http://schemas.openxmlformats.org/markup-compatibility/2006">
+        <mc:Choice xmlns:a14="http://schemas.microsoft.com/office/drawing/2010/main" Requires="a14">
           <p:sp>
             <p:nvSpPr>
               <p:cNvPr id="93" name="TextBox 92"/>
@@ -20408,8 +22261,8 @@
             </p:nvSpPr>
             <p:spPr>
               <a:xfrm>
-                <a:off x="623456" y="5282631"/>
-                <a:ext cx="3616035" cy="893514"/>
+                <a:off x="0" y="3864992"/>
+                <a:ext cx="6335486" cy="2346861"/>
               </a:xfrm>
               <a:prstGeom prst="rect">
                 <a:avLst/>
@@ -20421,6 +22274,333 @@
                 <a:spAutoFit/>
               </a:bodyPr>
               <a:lstStyle/>
+              <a:p>
+                <a:pPr/>
+                <a14:m>
+                  <m:oMathPara xmlns:m="http://schemas.openxmlformats.org/officeDocument/2006/math">
+                    <m:oMathParaPr>
+                      <m:jc m:val="centerGroup"/>
+                    </m:oMathParaPr>
+                    <m:oMath xmlns:m="http://schemas.openxmlformats.org/officeDocument/2006/math">
+                      <m:f>
+                        <m:fPr>
+                          <m:ctrlPr>
+                            <a:rPr lang="en-CA" b="0" i="1" smtClean="0">
+                              <a:latin typeface="Cambria Math" panose="02040503050406030204" pitchFamily="18" charset="0"/>
+                            </a:rPr>
+                          </m:ctrlPr>
+                        </m:fPr>
+                        <m:num>
+                          <m:r>
+                            <a:rPr lang="en-CA" b="0" i="1" smtClean="0">
+                              <a:latin typeface="Cambria Math" panose="02040503050406030204" pitchFamily="18" charset="0"/>
+                            </a:rPr>
+                            <m:t>5</m:t>
+                          </m:r>
+                        </m:num>
+                        <m:den>
+                          <m:r>
+                            <a:rPr lang="en-CA" b="0" i="1" smtClean="0">
+                              <a:latin typeface="Cambria Math" panose="02040503050406030204" pitchFamily="18" charset="0"/>
+                            </a:rPr>
+                            <m:t>14</m:t>
+                          </m:r>
+                        </m:den>
+                      </m:f>
+                      <m:r>
+                        <a:rPr lang="en-CA" b="0" i="1" smtClean="0">
+                          <a:latin typeface="Cambria Math" panose="02040503050406030204" pitchFamily="18" charset="0"/>
+                        </a:rPr>
+                        <m:t>𝐸𝑛𝑡𝑟𝑜𝑝𝑦</m:t>
+                      </m:r>
+                      <m:d>
+                        <m:dPr>
+                          <m:ctrlPr>
+                            <a:rPr lang="en-CA" b="0" i="1" smtClean="0">
+                              <a:latin typeface="Cambria Math" panose="02040503050406030204" pitchFamily="18" charset="0"/>
+                            </a:rPr>
+                          </m:ctrlPr>
+                        </m:dPr>
+                        <m:e>
+                          <m:f>
+                            <m:fPr>
+                              <m:ctrlPr>
+                                <a:rPr lang="en-CA" b="0" i="1" smtClean="0">
+                                  <a:latin typeface="Cambria Math" panose="02040503050406030204" pitchFamily="18" charset="0"/>
+                                </a:rPr>
+                              </m:ctrlPr>
+                            </m:fPr>
+                            <m:num>
+                              <m:r>
+                                <a:rPr lang="en-CA" b="0" i="1" smtClean="0">
+                                  <a:latin typeface="Cambria Math" panose="02040503050406030204" pitchFamily="18" charset="0"/>
+                                </a:rPr>
+                                <m:t>2</m:t>
+                              </m:r>
+                            </m:num>
+                            <m:den>
+                              <m:r>
+                                <a:rPr lang="en-CA" b="0" i="1" smtClean="0">
+                                  <a:latin typeface="Cambria Math" panose="02040503050406030204" pitchFamily="18" charset="0"/>
+                                </a:rPr>
+                                <m:t>5</m:t>
+                              </m:r>
+                            </m:den>
+                          </m:f>
+                          <m:r>
+                            <a:rPr lang="en-CA" b="0" i="1" smtClean="0">
+                              <a:latin typeface="Cambria Math" panose="02040503050406030204" pitchFamily="18" charset="0"/>
+                            </a:rPr>
+                            <m:t>,</m:t>
+                          </m:r>
+                          <m:f>
+                            <m:fPr>
+                              <m:ctrlPr>
+                                <a:rPr lang="en-CA" b="0" i="1" smtClean="0">
+                                  <a:latin typeface="Cambria Math" panose="02040503050406030204" pitchFamily="18" charset="0"/>
+                                </a:rPr>
+                              </m:ctrlPr>
+                            </m:fPr>
+                            <m:num>
+                              <m:r>
+                                <a:rPr lang="en-CA" b="0" i="1" smtClean="0">
+                                  <a:latin typeface="Cambria Math" panose="02040503050406030204" pitchFamily="18" charset="0"/>
+                                </a:rPr>
+                                <m:t>3</m:t>
+                              </m:r>
+                            </m:num>
+                            <m:den>
+                              <m:r>
+                                <a:rPr lang="en-CA" b="0" i="1" smtClean="0">
+                                  <a:latin typeface="Cambria Math" panose="02040503050406030204" pitchFamily="18" charset="0"/>
+                                </a:rPr>
+                                <m:t>5</m:t>
+                              </m:r>
+                            </m:den>
+                          </m:f>
+                        </m:e>
+                      </m:d>
+                      <m:r>
+                        <a:rPr lang="en-CA" b="0" i="1" smtClean="0">
+                          <a:latin typeface="Cambria Math" panose="02040503050406030204" pitchFamily="18" charset="0"/>
+                        </a:rPr>
+                        <m:t>+</m:t>
+                      </m:r>
+                      <m:f>
+                        <m:fPr>
+                          <m:ctrlPr>
+                            <a:rPr lang="en-CA" b="0" i="1" smtClean="0">
+                              <a:latin typeface="Cambria Math" panose="02040503050406030204" pitchFamily="18" charset="0"/>
+                            </a:rPr>
+                          </m:ctrlPr>
+                        </m:fPr>
+                        <m:num>
+                          <m:r>
+                            <a:rPr lang="en-CA" b="0" i="1" smtClean="0">
+                              <a:latin typeface="Cambria Math" panose="02040503050406030204" pitchFamily="18" charset="0"/>
+                            </a:rPr>
+                            <m:t>4</m:t>
+                          </m:r>
+                        </m:num>
+                        <m:den>
+                          <m:r>
+                            <a:rPr lang="en-CA" b="0" i="1" smtClean="0">
+                              <a:latin typeface="Cambria Math" panose="02040503050406030204" pitchFamily="18" charset="0"/>
+                            </a:rPr>
+                            <m:t>14</m:t>
+                          </m:r>
+                        </m:den>
+                      </m:f>
+                      <m:r>
+                        <a:rPr lang="en-CA" b="0" i="1" smtClean="0">
+                          <a:latin typeface="Cambria Math" panose="02040503050406030204" pitchFamily="18" charset="0"/>
+                        </a:rPr>
+                        <m:t>𝐸𝑛𝑡𝑟𝑜𝑝𝑦</m:t>
+                      </m:r>
+                      <m:d>
+                        <m:dPr>
+                          <m:ctrlPr>
+                            <a:rPr lang="en-CA" b="0" i="1" smtClean="0">
+                              <a:latin typeface="Cambria Math" panose="02040503050406030204" pitchFamily="18" charset="0"/>
+                            </a:rPr>
+                          </m:ctrlPr>
+                        </m:dPr>
+                        <m:e>
+                          <m:f>
+                            <m:fPr>
+                              <m:ctrlPr>
+                                <a:rPr lang="en-CA" b="0" i="1" smtClean="0">
+                                  <a:latin typeface="Cambria Math" panose="02040503050406030204" pitchFamily="18" charset="0"/>
+                                </a:rPr>
+                              </m:ctrlPr>
+                            </m:fPr>
+                            <m:num>
+                              <m:r>
+                                <a:rPr lang="en-CA" b="0" i="1" smtClean="0">
+                                  <a:latin typeface="Cambria Math" panose="02040503050406030204" pitchFamily="18" charset="0"/>
+                                </a:rPr>
+                                <m:t>0</m:t>
+                              </m:r>
+                            </m:num>
+                            <m:den>
+                              <m:r>
+                                <a:rPr lang="en-CA" b="0" i="1" smtClean="0">
+                                  <a:latin typeface="Cambria Math" panose="02040503050406030204" pitchFamily="18" charset="0"/>
+                                </a:rPr>
+                                <m:t>4</m:t>
+                              </m:r>
+                            </m:den>
+                          </m:f>
+                          <m:r>
+                            <a:rPr lang="en-CA" b="0" i="1" smtClean="0">
+                              <a:latin typeface="Cambria Math" panose="02040503050406030204" pitchFamily="18" charset="0"/>
+                            </a:rPr>
+                            <m:t>,</m:t>
+                          </m:r>
+                          <m:f>
+                            <m:fPr>
+                              <m:ctrlPr>
+                                <a:rPr lang="en-CA" b="0" i="1" smtClean="0">
+                                  <a:latin typeface="Cambria Math" panose="02040503050406030204" pitchFamily="18" charset="0"/>
+                                </a:rPr>
+                              </m:ctrlPr>
+                            </m:fPr>
+                            <m:num>
+                              <m:r>
+                                <a:rPr lang="en-CA" b="0" i="1" smtClean="0">
+                                  <a:latin typeface="Cambria Math" panose="02040503050406030204" pitchFamily="18" charset="0"/>
+                                </a:rPr>
+                                <m:t>4</m:t>
+                              </m:r>
+                            </m:num>
+                            <m:den>
+                              <m:r>
+                                <a:rPr lang="en-CA" b="0" i="1" smtClean="0">
+                                  <a:latin typeface="Cambria Math" panose="02040503050406030204" pitchFamily="18" charset="0"/>
+                                </a:rPr>
+                                <m:t>4</m:t>
+                              </m:r>
+                            </m:den>
+                          </m:f>
+                        </m:e>
+                      </m:d>
+                      <m:r>
+                        <a:rPr lang="en-CA" b="0" i="1" smtClean="0">
+                          <a:latin typeface="Cambria Math" panose="02040503050406030204" pitchFamily="18" charset="0"/>
+                        </a:rPr>
+                        <m:t>+</m:t>
+                      </m:r>
+                      <m:f>
+                        <m:fPr>
+                          <m:ctrlPr>
+                            <a:rPr lang="en-CA" b="0" i="1" smtClean="0">
+                              <a:latin typeface="Cambria Math" panose="02040503050406030204" pitchFamily="18" charset="0"/>
+                            </a:rPr>
+                          </m:ctrlPr>
+                        </m:fPr>
+                        <m:num>
+                          <m:r>
+                            <a:rPr lang="en-CA" b="0" i="1" smtClean="0">
+                              <a:latin typeface="Cambria Math" panose="02040503050406030204" pitchFamily="18" charset="0"/>
+                            </a:rPr>
+                            <m:t>5</m:t>
+                          </m:r>
+                        </m:num>
+                        <m:den>
+                          <m:r>
+                            <a:rPr lang="en-CA" b="0" i="1" smtClean="0">
+                              <a:latin typeface="Cambria Math" panose="02040503050406030204" pitchFamily="18" charset="0"/>
+                            </a:rPr>
+                            <m:t>14</m:t>
+                          </m:r>
+                        </m:den>
+                      </m:f>
+                      <m:r>
+                        <a:rPr lang="en-CA" b="0" i="1" smtClean="0">
+                          <a:latin typeface="Cambria Math" panose="02040503050406030204" pitchFamily="18" charset="0"/>
+                        </a:rPr>
+                        <m:t>𝐸𝑛𝑡𝑟𝑜𝑝𝑦</m:t>
+                      </m:r>
+                      <m:d>
+                        <m:dPr>
+                          <m:ctrlPr>
+                            <a:rPr lang="en-CA" b="0" i="1" smtClean="0">
+                              <a:latin typeface="Cambria Math" panose="02040503050406030204" pitchFamily="18" charset="0"/>
+                            </a:rPr>
+                          </m:ctrlPr>
+                        </m:dPr>
+                        <m:e>
+                          <m:f>
+                            <m:fPr>
+                              <m:ctrlPr>
+                                <a:rPr lang="en-CA" b="0" i="1" smtClean="0">
+                                  <a:latin typeface="Cambria Math" panose="02040503050406030204" pitchFamily="18" charset="0"/>
+                                </a:rPr>
+                              </m:ctrlPr>
+                            </m:fPr>
+                            <m:num>
+                              <m:r>
+                                <a:rPr lang="en-CA" b="0" i="1" smtClean="0">
+                                  <a:latin typeface="Cambria Math" panose="02040503050406030204" pitchFamily="18" charset="0"/>
+                                </a:rPr>
+                                <m:t>3</m:t>
+                              </m:r>
+                            </m:num>
+                            <m:den>
+                              <m:r>
+                                <a:rPr lang="en-CA" b="0" i="1" smtClean="0">
+                                  <a:latin typeface="Cambria Math" panose="02040503050406030204" pitchFamily="18" charset="0"/>
+                                </a:rPr>
+                                <m:t>5</m:t>
+                              </m:r>
+                            </m:den>
+                          </m:f>
+                          <m:r>
+                            <a:rPr lang="en-CA" b="0" i="1" smtClean="0">
+                              <a:latin typeface="Cambria Math" panose="02040503050406030204" pitchFamily="18" charset="0"/>
+                            </a:rPr>
+                            <m:t>,</m:t>
+                          </m:r>
+                          <m:f>
+                            <m:fPr>
+                              <m:ctrlPr>
+                                <a:rPr lang="en-CA" b="0" i="1" smtClean="0">
+                                  <a:latin typeface="Cambria Math" panose="02040503050406030204" pitchFamily="18" charset="0"/>
+                                </a:rPr>
+                              </m:ctrlPr>
+                            </m:fPr>
+                            <m:num>
+                              <m:r>
+                                <a:rPr lang="en-CA" b="0" i="1" smtClean="0">
+                                  <a:latin typeface="Cambria Math" panose="02040503050406030204" pitchFamily="18" charset="0"/>
+                                </a:rPr>
+                                <m:t>5</m:t>
+                              </m:r>
+                            </m:num>
+                            <m:den>
+                              <m:r>
+                                <a:rPr lang="en-CA" b="0" i="1" smtClean="0">
+                                  <a:latin typeface="Cambria Math" panose="02040503050406030204" pitchFamily="18" charset="0"/>
+                                </a:rPr>
+                                <m:t>5</m:t>
+                              </m:r>
+                            </m:den>
+                          </m:f>
+                        </m:e>
+                      </m:d>
+                    </m:oMath>
+                  </m:oMathPara>
+                </a14:m>
+                <a:endParaRPr lang="en-CA" b="0" i="1" dirty="0" smtClean="0">
+                  <a:latin typeface="Cambria Math" panose="02040503050406030204" pitchFamily="18" charset="0"/>
+                </a:endParaRPr>
+              </a:p>
+              <a:p>
+                <a:pPr/>
+                <a:endParaRPr lang="en-CA" b="0" i="1" dirty="0" smtClean="0">
+                  <a:latin typeface="Cambria Math" panose="02040503050406030204" pitchFamily="18" charset="0"/>
+                </a:endParaRPr>
+              </a:p>
               <a:p>
                 <a:pPr/>
                 <a14:m>
@@ -20500,6 +22680,18 @@
               </a:p>
               <a:p>
                 <a:pPr/>
+                <a:endParaRPr lang="en-CA" b="0" i="1" dirty="0" smtClean="0">
+                  <a:latin typeface="Cambria Math" panose="02040503050406030204" pitchFamily="18" charset="0"/>
+                </a:endParaRPr>
+              </a:p>
+              <a:p>
+                <a:pPr/>
+                <a:endParaRPr lang="en-CA" b="0" i="1" dirty="0" smtClean="0">
+                  <a:latin typeface="Cambria Math" panose="02040503050406030204" pitchFamily="18" charset="0"/>
+                </a:endParaRPr>
+              </a:p>
+              <a:p>
+                <a:pPr/>
                 <a14:m>
                   <m:oMathPara xmlns:m="http://schemas.openxmlformats.org/officeDocument/2006/math">
                     <m:oMathParaPr>
@@ -20520,7 +22712,7 @@
             </p:txBody>
           </p:sp>
         </mc:Choice>
-        <mc:Fallback xmlns="">
+        <mc:Fallback>
           <p:sp>
             <p:nvSpPr>
               <p:cNvPr id="93" name="TextBox 92"/>
@@ -20531,8 +22723,8 @@
             </p:nvSpPr>
             <p:spPr>
               <a:xfrm>
-                <a:off x="623456" y="5282631"/>
-                <a:ext cx="3616035" cy="893514"/>
+                <a:off x="0" y="3864992"/>
+                <a:ext cx="6335486" cy="2346861"/>
               </a:xfrm>
               <a:prstGeom prst="rect">
                 <a:avLst/>
@@ -20559,8 +22751,8 @@
           </p:sp>
         </mc:Fallback>
       </mc:AlternateContent>
-      <mc:AlternateContent xmlns:mc="http://schemas.openxmlformats.org/markup-compatibility/2006" xmlns:a14="http://schemas.microsoft.com/office/drawing/2010/main">
-        <mc:Choice Requires="a14">
+      <mc:AlternateContent xmlns:mc="http://schemas.openxmlformats.org/markup-compatibility/2006">
+        <mc:Choice xmlns:a14="http://schemas.microsoft.com/office/drawing/2010/main" Requires="a14">
           <p:sp>
             <p:nvSpPr>
               <p:cNvPr id="94" name="TextBox 93"/>
@@ -20569,7 +22761,7 @@
             </p:nvSpPr>
             <p:spPr>
               <a:xfrm>
-                <a:off x="2505332" y="5851358"/>
+                <a:off x="10738" y="5586863"/>
                 <a:ext cx="3950886" cy="369332"/>
               </a:xfrm>
               <a:prstGeom prst="rect">
@@ -20616,7 +22808,7 @@
             </p:txBody>
           </p:sp>
         </mc:Choice>
-        <mc:Fallback xmlns="">
+        <mc:Fallback>
           <p:sp>
             <p:nvSpPr>
               <p:cNvPr id="94" name="TextBox 93"/>
@@ -20627,7 +22819,7 @@
             </p:nvSpPr>
             <p:spPr>
               <a:xfrm>
-                <a:off x="2505332" y="5851358"/>
+                <a:off x="10738" y="5586863"/>
                 <a:ext cx="3950886" cy="369332"/>
               </a:xfrm>
               <a:prstGeom prst="rect">
@@ -20687,7 +22879,7 @@
         </p:nvSpPr>
         <p:spPr>
           <a:xfrm>
-            <a:off x="623456" y="4868754"/>
+            <a:off x="492828" y="3495660"/>
             <a:ext cx="5167745" cy="369332"/>
           </a:xfrm>
           <a:prstGeom prst="rect">
@@ -20725,7 +22917,7 @@
         </p:blipFill>
         <p:spPr>
           <a:xfrm>
-            <a:off x="3840189" y="3897198"/>
+            <a:off x="4280279" y="5564921"/>
             <a:ext cx="2692517" cy="1151879"/>
           </a:xfrm>
           <a:prstGeom prst="rect">
@@ -21114,7 +23306,7 @@
 </p:sld>
 </file>
 
-<file path=ppt/slides/slide8.xml><?xml version="1.0" encoding="utf-8"?>
+<file path=ppt/slides/slide9.xml><?xml version="1.0" encoding="utf-8"?>
 <p:sld xmlns:a="http://schemas.openxmlformats.org/drawingml/2006/main" xmlns:r="http://schemas.openxmlformats.org/officeDocument/2006/relationships" xmlns:p="http://schemas.openxmlformats.org/presentationml/2006/main">
   <p:cSld>
     <p:spTree>
@@ -21218,25 +23410,12 @@
               <a:rPr lang="en-CA" dirty="0" smtClean="0"/>
               <a:t>Clearly, we should split on humidity next, leading to two pure leaf nodes </a:t>
             </a:r>
-            <a:endParaRPr lang="en-CA" dirty="0" smtClean="0"/>
           </a:p>
           <a:p>
             <a:pPr lvl="1"/>
             <a:r>
               <a:rPr lang="en-CA" dirty="0" smtClean="0"/>
-              <a:t>(</a:t>
-            </a:r>
-            <a:r>
-              <a:rPr lang="en-CA" dirty="0" smtClean="0"/>
-              <a:t>after that, </a:t>
-            </a:r>
-            <a:r>
-              <a:rPr lang="en-CA" dirty="0" smtClean="0"/>
-              <a:t>we </a:t>
-            </a:r>
-            <a:r>
-              <a:rPr lang="en-CA" dirty="0" smtClean="0"/>
-              <a:t>recur back to the next value of Outlook which is “Overcast”)</a:t>
+              <a:t>(after that, we recur back to the next value of Outlook which is “Overcast”)</a:t>
             </a:r>
           </a:p>
           <a:p>
@@ -21630,393 +23809,6 @@
 </p:sld>
 </file>
 
-<file path=ppt/slides/slide9.xml><?xml version="1.0" encoding="utf-8"?>
-<p:sld xmlns:a="http://schemas.openxmlformats.org/drawingml/2006/main" xmlns:r="http://schemas.openxmlformats.org/officeDocument/2006/relationships" xmlns:p="http://schemas.openxmlformats.org/presentationml/2006/main">
-  <p:cSld>
-    <p:spTree>
-      <p:nvGrpSpPr>
-        <p:cNvPr id="1" name=""/>
-        <p:cNvGrpSpPr/>
-        <p:nvPr/>
-      </p:nvGrpSpPr>
-      <p:grpSpPr>
-        <a:xfrm>
-          <a:off x="0" y="0"/>
-          <a:ext cx="0" cy="0"/>
-          <a:chOff x="0" y="0"/>
-          <a:chExt cx="0" cy="0"/>
-        </a:xfrm>
-      </p:grpSpPr>
-      <p:sp>
-        <p:nvSpPr>
-          <p:cNvPr id="2" name="Title 1"/>
-          <p:cNvSpPr>
-            <a:spLocks noGrp="1"/>
-          </p:cNvSpPr>
-          <p:nvPr>
-            <p:ph type="title"/>
-          </p:nvPr>
-        </p:nvSpPr>
-        <p:spPr>
-          <a:xfrm>
-            <a:off x="-1" y="0"/>
-            <a:ext cx="10695709" cy="789709"/>
-          </a:xfrm>
-        </p:spPr>
-        <p:txBody>
-          <a:bodyPr/>
-          <a:lstStyle/>
-          <a:p>
-            <a:r>
-              <a:rPr lang="en-CA" dirty="0" smtClean="0"/>
-              <a:t>Final Decision Tree for weather data</a:t>
-            </a:r>
-            <a:endParaRPr lang="en-CA" dirty="0"/>
-          </a:p>
-        </p:txBody>
-      </p:sp>
-      <p:sp>
-        <p:nvSpPr>
-          <p:cNvPr id="3" name="Content Placeholder 2"/>
-          <p:cNvSpPr>
-            <a:spLocks noGrp="1"/>
-          </p:cNvSpPr>
-          <p:nvPr>
-            <p:ph idx="1"/>
-          </p:nvPr>
-        </p:nvSpPr>
-        <p:spPr>
-          <a:xfrm>
-            <a:off x="339436" y="1325563"/>
-            <a:ext cx="4537364" cy="5089223"/>
-          </a:xfrm>
-        </p:spPr>
-        <p:txBody>
-          <a:bodyPr>
-            <a:normAutofit lnSpcReduction="10000"/>
-          </a:bodyPr>
-          <a:lstStyle/>
-          <a:p>
-            <a:r>
-              <a:rPr lang="en-CA" dirty="0" smtClean="0"/>
-              <a:t>Ideally process will terminate when all leaf nodes are pure</a:t>
-            </a:r>
-          </a:p>
-          <a:p>
-            <a:r>
-              <a:rPr lang="en-CA" dirty="0" smtClean="0"/>
-              <a:t>This may not always be the case because training data may contain instances with identical attributes but different classes </a:t>
-            </a:r>
-          </a:p>
-          <a:p>
-            <a:pPr lvl="1"/>
-            <a:r>
-              <a:rPr lang="en-CA" dirty="0" smtClean="0"/>
-              <a:t>Due to noisy data or unrecorded attributes</a:t>
-            </a:r>
-          </a:p>
-          <a:p>
-            <a:r>
-              <a:rPr lang="en-CA" dirty="0" smtClean="0"/>
-              <a:t>Stop when data cannot be split any further, or the information gain is zero</a:t>
-            </a:r>
-            <a:endParaRPr lang="en-CA" dirty="0"/>
-          </a:p>
-        </p:txBody>
-      </p:sp>
-      <p:pic>
-        <p:nvPicPr>
-          <p:cNvPr id="5" name="Picture 4"/>
-          <p:cNvPicPr>
-            <a:picLocks noChangeAspect="1"/>
-          </p:cNvPicPr>
-          <p:nvPr/>
-        </p:nvPicPr>
-        <p:blipFill>
-          <a:blip r:embed="rId2"/>
-          <a:stretch>
-            <a:fillRect/>
-          </a:stretch>
-        </p:blipFill>
-        <p:spPr>
-          <a:xfrm>
-            <a:off x="5098472" y="1196845"/>
-            <a:ext cx="6871855" cy="4539371"/>
-          </a:xfrm>
-          <a:prstGeom prst="rect">
-            <a:avLst/>
-          </a:prstGeom>
-        </p:spPr>
-      </p:pic>
-    </p:spTree>
-    <p:extLst>
-      <p:ext uri="{BB962C8B-B14F-4D97-AF65-F5344CB8AC3E}">
-        <p14:creationId xmlns:p14="http://schemas.microsoft.com/office/powerpoint/2010/main" val="2229733782"/>
-      </p:ext>
-    </p:extLst>
-  </p:cSld>
-  <p:clrMapOvr>
-    <a:masterClrMapping/>
-  </p:clrMapOvr>
-  <p:timing>
-    <p:tnLst>
-      <p:par>
-        <p:cTn id="1" dur="indefinite" restart="never" nodeType="tmRoot">
-          <p:childTnLst>
-            <p:seq concurrent="1" nextAc="seek">
-              <p:cTn id="2" dur="indefinite" nodeType="mainSeq">
-                <p:childTnLst>
-                  <p:par>
-                    <p:cTn id="3" fill="hold">
-                      <p:stCondLst>
-                        <p:cond delay="indefinite"/>
-                      </p:stCondLst>
-                      <p:childTnLst>
-                        <p:par>
-                          <p:cTn id="4" fill="hold">
-                            <p:stCondLst>
-                              <p:cond delay="0"/>
-                            </p:stCondLst>
-                            <p:childTnLst>
-                              <p:par>
-                                <p:cTn id="5" presetID="1" presetClass="entr" presetSubtype="0" fill="hold" nodeType="clickEffect">
-                                  <p:stCondLst>
-                                    <p:cond delay="0"/>
-                                  </p:stCondLst>
-                                  <p:childTnLst>
-                                    <p:set>
-                                      <p:cBhvr>
-                                        <p:cTn id="6" dur="1" fill="hold">
-                                          <p:stCondLst>
-                                            <p:cond delay="0"/>
-                                          </p:stCondLst>
-                                        </p:cTn>
-                                        <p:tgtEl>
-                                          <p:spTgt spid="5"/>
-                                        </p:tgtEl>
-                                        <p:attrNameLst>
-                                          <p:attrName>style.visibility</p:attrName>
-                                        </p:attrNameLst>
-                                      </p:cBhvr>
-                                      <p:to>
-                                        <p:strVal val="visible"/>
-                                      </p:to>
-                                    </p:set>
-                                  </p:childTnLst>
-                                </p:cTn>
-                              </p:par>
-                            </p:childTnLst>
-                          </p:cTn>
-                        </p:par>
-                      </p:childTnLst>
-                    </p:cTn>
-                  </p:par>
-                  <p:par>
-                    <p:cTn id="7" fill="hold">
-                      <p:stCondLst>
-                        <p:cond delay="indefinite"/>
-                      </p:stCondLst>
-                      <p:childTnLst>
-                        <p:par>
-                          <p:cTn id="8" fill="hold">
-                            <p:stCondLst>
-                              <p:cond delay="0"/>
-                            </p:stCondLst>
-                            <p:childTnLst>
-                              <p:par>
-                                <p:cTn id="9" presetID="1" presetClass="entr" presetSubtype="0" fill="hold" grpId="0" nodeType="clickEffect">
-                                  <p:stCondLst>
-                                    <p:cond delay="0"/>
-                                  </p:stCondLst>
-                                  <p:childTnLst>
-                                    <p:set>
-                                      <p:cBhvr>
-                                        <p:cTn id="10" dur="1" fill="hold">
-                                          <p:stCondLst>
-                                            <p:cond delay="0"/>
-                                          </p:stCondLst>
-                                        </p:cTn>
-                                        <p:tgtEl>
-                                          <p:spTgt spid="3">
-                                            <p:txEl>
-                                              <p:pRg st="0" end="0"/>
-                                            </p:txEl>
-                                          </p:spTgt>
-                                        </p:tgtEl>
-                                        <p:attrNameLst>
-                                          <p:attrName>style.visibility</p:attrName>
-                                        </p:attrNameLst>
-                                      </p:cBhvr>
-                                      <p:to>
-                                        <p:strVal val="visible"/>
-                                      </p:to>
-                                    </p:set>
-                                  </p:childTnLst>
-                                </p:cTn>
-                              </p:par>
-                            </p:childTnLst>
-                          </p:cTn>
-                        </p:par>
-                      </p:childTnLst>
-                    </p:cTn>
-                  </p:par>
-                  <p:par>
-                    <p:cTn id="11" fill="hold">
-                      <p:stCondLst>
-                        <p:cond delay="indefinite"/>
-                      </p:stCondLst>
-                      <p:childTnLst>
-                        <p:par>
-                          <p:cTn id="12" fill="hold">
-                            <p:stCondLst>
-                              <p:cond delay="0"/>
-                            </p:stCondLst>
-                            <p:childTnLst>
-                              <p:par>
-                                <p:cTn id="13" presetID="1" presetClass="entr" presetSubtype="0" fill="hold" grpId="0" nodeType="clickEffect">
-                                  <p:stCondLst>
-                                    <p:cond delay="0"/>
-                                  </p:stCondLst>
-                                  <p:childTnLst>
-                                    <p:set>
-                                      <p:cBhvr>
-                                        <p:cTn id="14" dur="1" fill="hold">
-                                          <p:stCondLst>
-                                            <p:cond delay="0"/>
-                                          </p:stCondLst>
-                                        </p:cTn>
-                                        <p:tgtEl>
-                                          <p:spTgt spid="3">
-                                            <p:txEl>
-                                              <p:pRg st="1" end="1"/>
-                                            </p:txEl>
-                                          </p:spTgt>
-                                        </p:tgtEl>
-                                        <p:attrNameLst>
-                                          <p:attrName>style.visibility</p:attrName>
-                                        </p:attrNameLst>
-                                      </p:cBhvr>
-                                      <p:to>
-                                        <p:strVal val="visible"/>
-                                      </p:to>
-                                    </p:set>
-                                  </p:childTnLst>
-                                </p:cTn>
-                              </p:par>
-                              <p:par>
-                                <p:cTn id="15" presetID="1" presetClass="entr" presetSubtype="0" fill="hold" grpId="0" nodeType="withEffect">
-                                  <p:stCondLst>
-                                    <p:cond delay="0"/>
-                                  </p:stCondLst>
-                                  <p:childTnLst>
-                                    <p:set>
-                                      <p:cBhvr>
-                                        <p:cTn id="16" dur="1" fill="hold">
-                                          <p:stCondLst>
-                                            <p:cond delay="0"/>
-                                          </p:stCondLst>
-                                        </p:cTn>
-                                        <p:tgtEl>
-                                          <p:spTgt spid="3">
-                                            <p:txEl>
-                                              <p:pRg st="2" end="2"/>
-                                            </p:txEl>
-                                          </p:spTgt>
-                                        </p:tgtEl>
-                                        <p:attrNameLst>
-                                          <p:attrName>style.visibility</p:attrName>
-                                        </p:attrNameLst>
-                                      </p:cBhvr>
-                                      <p:to>
-                                        <p:strVal val="visible"/>
-                                      </p:to>
-                                    </p:set>
-                                  </p:childTnLst>
-                                </p:cTn>
-                              </p:par>
-                            </p:childTnLst>
-                          </p:cTn>
-                        </p:par>
-                      </p:childTnLst>
-                    </p:cTn>
-                  </p:par>
-                  <p:par>
-                    <p:cTn id="17" fill="hold">
-                      <p:stCondLst>
-                        <p:cond delay="indefinite"/>
-                      </p:stCondLst>
-                      <p:childTnLst>
-                        <p:par>
-                          <p:cTn id="18" fill="hold">
-                            <p:stCondLst>
-                              <p:cond delay="0"/>
-                            </p:stCondLst>
-                            <p:childTnLst>
-                              <p:par>
-                                <p:cTn id="19" presetID="1" presetClass="entr" presetSubtype="0" fill="hold" grpId="0" nodeType="clickEffect">
-                                  <p:stCondLst>
-                                    <p:cond delay="0"/>
-                                  </p:stCondLst>
-                                  <p:childTnLst>
-                                    <p:set>
-                                      <p:cBhvr>
-                                        <p:cTn id="20" dur="1" fill="hold">
-                                          <p:stCondLst>
-                                            <p:cond delay="0"/>
-                                          </p:stCondLst>
-                                        </p:cTn>
-                                        <p:tgtEl>
-                                          <p:spTgt spid="3">
-                                            <p:txEl>
-                                              <p:pRg st="3" end="3"/>
-                                            </p:txEl>
-                                          </p:spTgt>
-                                        </p:tgtEl>
-                                        <p:attrNameLst>
-                                          <p:attrName>style.visibility</p:attrName>
-                                        </p:attrNameLst>
-                                      </p:cBhvr>
-                                      <p:to>
-                                        <p:strVal val="visible"/>
-                                      </p:to>
-                                    </p:set>
-                                  </p:childTnLst>
-                                </p:cTn>
-                              </p:par>
-                            </p:childTnLst>
-                          </p:cTn>
-                        </p:par>
-                      </p:childTnLst>
-                    </p:cTn>
-                  </p:par>
-                </p:childTnLst>
-              </p:cTn>
-              <p:prevCondLst>
-                <p:cond evt="onPrev" delay="0">
-                  <p:tgtEl>
-                    <p:sldTgt/>
-                  </p:tgtEl>
-                </p:cond>
-              </p:prevCondLst>
-              <p:nextCondLst>
-                <p:cond evt="onNext" delay="0">
-                  <p:tgtEl>
-                    <p:sldTgt/>
-                  </p:tgtEl>
-                </p:cond>
-              </p:nextCondLst>
-            </p:seq>
-          </p:childTnLst>
-        </p:cTn>
-      </p:par>
-    </p:tnLst>
-    <p:bldLst>
-      <p:bldP spid="3" grpId="0" build="p"/>
-    </p:bldLst>
-  </p:timing>
-</p:sld>
-</file>
-
 <file path=ppt/theme/theme1.xml><?xml version="1.0" encoding="utf-8"?>
 <a:theme xmlns:a="http://schemas.openxmlformats.org/drawingml/2006/main" name="Office Theme">
   <a:themeElements>

--- a/Lecture_05.pptx
+++ b/Lecture_05.pptx
@@ -12893,8 +12893,8 @@
           </a:p>
         </p:txBody>
       </p:sp>
-      <mc:AlternateContent xmlns:mc="http://schemas.openxmlformats.org/markup-compatibility/2006">
-        <mc:Choice xmlns:a14="http://schemas.microsoft.com/office/drawing/2010/main" Requires="a14">
+      <mc:AlternateContent xmlns:mc="http://schemas.openxmlformats.org/markup-compatibility/2006" xmlns:a14="http://schemas.microsoft.com/office/drawing/2010/main">
+        <mc:Choice Requires="a14">
           <p:sp>
             <p:nvSpPr>
               <p:cNvPr id="3" name="Content Placeholder 2"/>
@@ -13176,11 +13176,7 @@
               <a:p>
                 <a:r>
                   <a:rPr lang="en-CA" dirty="0" smtClean="0"/>
-                  <a:t>Takes </a:t>
-                </a:r>
-                <a:r>
-                  <a:rPr lang="en-CA" dirty="0" smtClean="0"/>
-                  <a:t>into account the number of bits needed to determine to which branch each instance is assigned, more branches = more info needed</a:t>
+                  <a:t>Takes into account the number of bits needed to determine to which branch each instance is assigned, more branches = more info needed</a:t>
                 </a:r>
               </a:p>
               <a:p>
@@ -13204,7 +13200,7 @@
             </p:txBody>
           </p:sp>
         </mc:Choice>
-        <mc:Fallback>
+        <mc:Fallback xmlns="">
           <p:sp>
             <p:nvSpPr>
               <p:cNvPr id="3" name="Content Placeholder 2"/>
@@ -13775,8 +13771,8 @@
           </a:p>
         </p:txBody>
       </p:sp>
-      <mc:AlternateContent xmlns:mc="http://schemas.openxmlformats.org/markup-compatibility/2006">
-        <mc:Choice xmlns:a14="http://schemas.microsoft.com/office/drawing/2010/main" Requires="a14">
+      <mc:AlternateContent xmlns:mc="http://schemas.openxmlformats.org/markup-compatibility/2006" xmlns:a14="http://schemas.microsoft.com/office/drawing/2010/main">
+        <mc:Choice Requires="a14">
           <p:sp>
             <p:nvSpPr>
               <p:cNvPr id="3" name="Content Placeholder 2"/>
@@ -14332,7 +14328,7 @@
             </p:txBody>
           </p:sp>
         </mc:Choice>
-        <mc:Fallback>
+        <mc:Fallback xmlns="">
           <p:sp>
             <p:nvSpPr>
               <p:cNvPr id="3" name="Content Placeholder 2"/>
@@ -14837,13 +14833,8 @@
           <a:p>
             <a:r>
               <a:rPr lang="en-CA" dirty="0" smtClean="0"/>
-              <a:t>Iris </a:t>
+              <a:t>Iris data </a:t>
             </a:r>
-            <a:r>
-              <a:rPr lang="en-CA" dirty="0" smtClean="0"/>
-              <a:t>data </a:t>
-            </a:r>
-            <a:endParaRPr lang="en-CA" dirty="0" smtClean="0"/>
           </a:p>
           <a:p>
             <a:r>
@@ -14886,7 +14877,6 @@
               <a:rPr lang="en-CA" dirty="0" smtClean="0"/>
               <a:t>) </a:t>
             </a:r>
-            <a:endParaRPr lang="en-CA" dirty="0" smtClean="0"/>
           </a:p>
           <a:p>
             <a:pPr marL="0" indent="0">
@@ -15662,27 +15652,14 @@
           <a:p>
             <a:r>
               <a:rPr lang="en-CA" dirty="0" smtClean="0"/>
-              <a:t>Which split is best</a:t>
-            </a:r>
-            <a:r>
-              <a:rPr lang="en-CA" dirty="0" smtClean="0"/>
-              <a:t>? </a:t>
+              <a:t>Which split is best? </a:t>
             </a:r>
           </a:p>
           <a:p>
             <a:r>
               <a:rPr lang="en-CA" dirty="0" smtClean="0"/>
-              <a:t>Hint</a:t>
+              <a:t>Hint: we seek small (short) trees</a:t>
             </a:r>
-            <a:r>
-              <a:rPr lang="en-CA" dirty="0" smtClean="0"/>
-              <a:t>: we seek small </a:t>
-            </a:r>
-            <a:r>
-              <a:rPr lang="en-CA" dirty="0" smtClean="0"/>
-              <a:t>(short) trees</a:t>
-            </a:r>
-            <a:endParaRPr lang="en-CA" dirty="0" smtClean="0"/>
           </a:p>
           <a:p>
             <a:r>
@@ -16084,15 +16061,7 @@
           <a:p>
             <a:r>
               <a:rPr lang="en-CA" dirty="0" smtClean="0"/>
-              <a:t>We want a </a:t>
-            </a:r>
-            <a:r>
-              <a:rPr lang="en-CA" dirty="0" smtClean="0"/>
-              <a:t>measure of information that </a:t>
-            </a:r>
-            <a:r>
-              <a:rPr lang="en-CA" dirty="0" smtClean="0"/>
-              <a:t>does the following:</a:t>
+              <a:t>We want a measure of information that does the following:</a:t>
             </a:r>
           </a:p>
           <a:p>
@@ -16110,13 +16079,8 @@
           <a:p>
             <a:r>
               <a:rPr lang="en-CA" i="1" dirty="0" smtClean="0"/>
-              <a:t>3) applicable to multiclass situations (not just 2 </a:t>
+              <a:t>3) applicable to multiclass situations (not just 2 classes Yes/No)</a:t>
             </a:r>
-            <a:r>
-              <a:rPr lang="en-CA" i="1" dirty="0" smtClean="0"/>
-              <a:t>classes Yes/No)</a:t>
-            </a:r>
-            <a:endParaRPr lang="en-CA" i="1" dirty="0" smtClean="0"/>
           </a:p>
           <a:p>
             <a:r>
@@ -16135,39 +16099,26 @@
               <a:rPr lang="en-CA" dirty="0" smtClean="0"/>
               <a:t>Suppose we have an attribute with 3 values: </a:t>
             </a:r>
-            <a:endParaRPr lang="en-CA" dirty="0" smtClean="0"/>
           </a:p>
           <a:p>
             <a:pPr lvl="1"/>
             <a:r>
               <a:rPr lang="en-CA" dirty="0" smtClean="0"/>
-              <a:t>A </a:t>
-            </a:r>
-            <a:r>
-              <a:rPr lang="en-CA" dirty="0" smtClean="0"/>
-              <a:t>(2 instances), </a:t>
+              <a:t>A (2 instances), </a:t>
             </a:r>
           </a:p>
           <a:p>
             <a:pPr lvl="1"/>
             <a:r>
               <a:rPr lang="en-CA" dirty="0" smtClean="0"/>
-              <a:t>B </a:t>
-            </a:r>
-            <a:r>
-              <a:rPr lang="en-CA" dirty="0" smtClean="0"/>
-              <a:t>(3 instances), </a:t>
+              <a:t>B (3 instances), </a:t>
             </a:r>
           </a:p>
           <a:p>
             <a:pPr lvl="1"/>
             <a:r>
               <a:rPr lang="en-CA" dirty="0" smtClean="0"/>
-              <a:t>C (4 </a:t>
-            </a:r>
-            <a:r>
-              <a:rPr lang="en-CA" dirty="0" smtClean="0"/>
-              <a:t>instances)</a:t>
+              <a:t>C (4 instances)</a:t>
             </a:r>
           </a:p>
           <a:p>
@@ -18240,7 +18191,13 @@
                       <a:rPr lang="en-CA" b="0" i="1" smtClean="0">
                         <a:latin typeface="Cambria Math" panose="02040503050406030204" pitchFamily="18" charset="0"/>
                       </a:rPr>
-                      <m:t>𝑝𝑛𝑙𝑜𝑔</m:t>
+                      <m:t>𝑝𝑛𝑙𝑜</m:t>
+                    </m:r>
+                    <m:r>
+                      <a:rPr lang="en-CA" b="0" i="1" smtClean="0">
+                        <a:latin typeface="Cambria Math" panose="02040503050406030204" pitchFamily="18" charset="0"/>
+                      </a:rPr>
+                      <m:t>𝑔</m:t>
                     </m:r>
                     <m:r>
                       <a:rPr lang="en-CA" b="0" i="1" baseline="-25000" smtClean="0">
@@ -18252,7 +18209,13 @@
                       <a:rPr lang="en-CA" b="0" i="1" smtClean="0">
                         <a:latin typeface="Cambria Math" panose="02040503050406030204" pitchFamily="18" charset="0"/>
                       </a:rPr>
-                      <m:t>𝑝𝑛</m:t>
+                      <m:t>𝑝</m:t>
+                    </m:r>
+                    <m:r>
+                      <a:rPr lang="en-CA" b="0" i="1" baseline="-25000" smtClean="0">
+                        <a:latin typeface="Cambria Math" panose="02040503050406030204" pitchFamily="18" charset="0"/>
+                      </a:rPr>
+                      <m:t>𝑛</m:t>
                     </m:r>
                     <m:r>
                       <a:rPr lang="en-CA" b="0" i="1" smtClean="0">
@@ -20895,8 +20858,8 @@
           </a:p>
         </p:txBody>
       </p:sp>
-      <mc:AlternateContent xmlns:mc="http://schemas.openxmlformats.org/markup-compatibility/2006">
-        <mc:Choice xmlns:a14="http://schemas.microsoft.com/office/drawing/2010/main" Requires="a14">
+      <mc:AlternateContent xmlns:mc="http://schemas.openxmlformats.org/markup-compatibility/2006" xmlns:a14="http://schemas.microsoft.com/office/drawing/2010/main">
+        <mc:Choice Requires="a14">
           <p:sp>
             <p:nvSpPr>
               <p:cNvPr id="3" name="Content Placeholder 2"/>
@@ -21505,11 +21468,7 @@
                 </a:br>
                 <a:r>
                   <a:rPr lang="en-CA" dirty="0" smtClean="0"/>
-                  <a:t>fair coin toss gives us 1 bit of </a:t>
-                </a:r>
-                <a:r>
-                  <a:rPr lang="en-CA" dirty="0" smtClean="0"/>
-                  <a:t>information</a:t>
+                  <a:t>fair coin toss gives us 1 bit of information</a:t>
                 </a:r>
               </a:p>
               <a:p>
@@ -21518,7 +21477,6 @@
                   <a:rPr lang="en-CA" dirty="0" smtClean="0"/>
                   <a:t>Entropy is measured in bits</a:t>
                 </a:r>
-                <a:endParaRPr lang="en-CA" dirty="0" smtClean="0"/>
               </a:p>
               <a:p>
                 <a:endParaRPr lang="en-CA" dirty="0"/>
@@ -21526,7 +21484,7 @@
             </p:txBody>
           </p:sp>
         </mc:Choice>
-        <mc:Fallback>
+        <mc:Fallback xmlns="">
           <p:sp>
             <p:nvSpPr>
               <p:cNvPr id="3" name="Content Placeholder 2"/>
@@ -22046,8 +22004,8 @@
           </a:p>
         </p:txBody>
       </p:sp>
-      <mc:AlternateContent xmlns:mc="http://schemas.openxmlformats.org/markup-compatibility/2006">
-        <mc:Choice xmlns:a14="http://schemas.microsoft.com/office/drawing/2010/main" Requires="a14">
+      <mc:AlternateContent xmlns:mc="http://schemas.openxmlformats.org/markup-compatibility/2006" xmlns:a14="http://schemas.microsoft.com/office/drawing/2010/main">
+        <mc:Choice Requires="a14">
           <p:sp>
             <p:nvSpPr>
               <p:cNvPr id="3" name="Content Placeholder 2"/>
@@ -22080,11 +22038,7 @@
                 </a:r>
                 <a:r>
                   <a:rPr lang="en-CA" dirty="0" smtClean="0"/>
-                  <a:t>(greedy </a:t>
-                </a:r>
-                <a:r>
-                  <a:rPr lang="en-CA" dirty="0" smtClean="0"/>
-                  <a:t>approach – ID3 </a:t>
+                  <a:t>(greedy approach – ID3 </a:t>
                 </a:r>
                 <a:r>
                   <a:rPr lang="en-CA" dirty="0" err="1" smtClean="0"/>
@@ -22094,7 +22048,6 @@
                   <a:rPr lang="en-CA" dirty="0" smtClean="0"/>
                   <a:t>). </a:t>
                 </a:r>
-                <a:endParaRPr lang="en-CA" dirty="0" smtClean="0"/>
               </a:p>
               <a:p>
                 <a:r>
@@ -22189,7 +22142,7 @@
             </p:txBody>
           </p:sp>
         </mc:Choice>
-        <mc:Fallback>
+        <mc:Fallback xmlns="">
           <p:sp>
             <p:nvSpPr>
               <p:cNvPr id="3" name="Content Placeholder 2"/>
@@ -22251,8 +22204,8 @@
           </a:prstGeom>
         </p:spPr>
       </p:pic>
-      <mc:AlternateContent xmlns:mc="http://schemas.openxmlformats.org/markup-compatibility/2006">
-        <mc:Choice xmlns:a14="http://schemas.microsoft.com/office/drawing/2010/main" Requires="a14">
+      <mc:AlternateContent xmlns:mc="http://schemas.openxmlformats.org/markup-compatibility/2006" xmlns:a14="http://schemas.microsoft.com/office/drawing/2010/main">
+        <mc:Choice Requires="a14">
           <p:sp>
             <p:nvSpPr>
               <p:cNvPr id="93" name="TextBox 92"/>
@@ -22596,7 +22549,6 @@
                 </a:endParaRPr>
               </a:p>
               <a:p>
-                <a:pPr/>
                 <a:endParaRPr lang="en-CA" b="0" i="1" dirty="0" smtClean="0">
                   <a:latin typeface="Cambria Math" panose="02040503050406030204" pitchFamily="18" charset="0"/>
                 </a:endParaRPr>
@@ -22679,13 +22631,11 @@
                 </a:endParaRPr>
               </a:p>
               <a:p>
-                <a:pPr/>
                 <a:endParaRPr lang="en-CA" b="0" i="1" dirty="0" smtClean="0">
                   <a:latin typeface="Cambria Math" panose="02040503050406030204" pitchFamily="18" charset="0"/>
                 </a:endParaRPr>
               </a:p>
               <a:p>
-                <a:pPr/>
                 <a:endParaRPr lang="en-CA" b="0" i="1" dirty="0" smtClean="0">
                   <a:latin typeface="Cambria Math" panose="02040503050406030204" pitchFamily="18" charset="0"/>
                 </a:endParaRPr>
@@ -22712,7 +22662,7 @@
             </p:txBody>
           </p:sp>
         </mc:Choice>
-        <mc:Fallback>
+        <mc:Fallback xmlns="">
           <p:sp>
             <p:nvSpPr>
               <p:cNvPr id="93" name="TextBox 92"/>
@@ -22751,8 +22701,8 @@
           </p:sp>
         </mc:Fallback>
       </mc:AlternateContent>
-      <mc:AlternateContent xmlns:mc="http://schemas.openxmlformats.org/markup-compatibility/2006">
-        <mc:Choice xmlns:a14="http://schemas.microsoft.com/office/drawing/2010/main" Requires="a14">
+      <mc:AlternateContent xmlns:mc="http://schemas.openxmlformats.org/markup-compatibility/2006" xmlns:a14="http://schemas.microsoft.com/office/drawing/2010/main">
+        <mc:Choice Requires="a14">
           <p:sp>
             <p:nvSpPr>
               <p:cNvPr id="94" name="TextBox 93"/>
@@ -22808,7 +22758,7 @@
             </p:txBody>
           </p:sp>
         </mc:Choice>
-        <mc:Fallback>
+        <mc:Fallback xmlns="">
           <p:sp>
             <p:nvSpPr>
               <p:cNvPr id="94" name="TextBox 93"/>

--- a/Lecture_05.pptx
+++ b/Lecture_05.pptx
@@ -258,7 +258,7 @@
           <a:p>
             <a:fld id="{59D48268-5D88-4C4C-93D2-B8F1837ADC84}" type="datetimeFigureOut">
               <a:rPr lang="en-CA" smtClean="0"/>
-              <a:t>2019-09-13</a:t>
+              <a:t>2019-09-18</a:t>
             </a:fld>
             <a:endParaRPr lang="en-CA"/>
           </a:p>
@@ -428,7 +428,7 @@
           <a:p>
             <a:fld id="{59D48268-5D88-4C4C-93D2-B8F1837ADC84}" type="datetimeFigureOut">
               <a:rPr lang="en-CA" smtClean="0"/>
-              <a:t>2019-09-13</a:t>
+              <a:t>2019-09-18</a:t>
             </a:fld>
             <a:endParaRPr lang="en-CA"/>
           </a:p>
@@ -608,7 +608,7 @@
           <a:p>
             <a:fld id="{59D48268-5D88-4C4C-93D2-B8F1837ADC84}" type="datetimeFigureOut">
               <a:rPr lang="en-CA" smtClean="0"/>
-              <a:t>2019-09-13</a:t>
+              <a:t>2019-09-18</a:t>
             </a:fld>
             <a:endParaRPr lang="en-CA"/>
           </a:p>
@@ -778,7 +778,7 @@
           <a:p>
             <a:fld id="{59D48268-5D88-4C4C-93D2-B8F1837ADC84}" type="datetimeFigureOut">
               <a:rPr lang="en-CA" smtClean="0"/>
-              <a:t>2019-09-13</a:t>
+              <a:t>2019-09-18</a:t>
             </a:fld>
             <a:endParaRPr lang="en-CA"/>
           </a:p>
@@ -1024,7 +1024,7 @@
           <a:p>
             <a:fld id="{59D48268-5D88-4C4C-93D2-B8F1837ADC84}" type="datetimeFigureOut">
               <a:rPr lang="en-CA" smtClean="0"/>
-              <a:t>2019-09-13</a:t>
+              <a:t>2019-09-18</a:t>
             </a:fld>
             <a:endParaRPr lang="en-CA"/>
           </a:p>
@@ -1256,7 +1256,7 @@
           <a:p>
             <a:fld id="{59D48268-5D88-4C4C-93D2-B8F1837ADC84}" type="datetimeFigureOut">
               <a:rPr lang="en-CA" smtClean="0"/>
-              <a:t>2019-09-13</a:t>
+              <a:t>2019-09-18</a:t>
             </a:fld>
             <a:endParaRPr lang="en-CA"/>
           </a:p>
@@ -1623,7 +1623,7 @@
           <a:p>
             <a:fld id="{59D48268-5D88-4C4C-93D2-B8F1837ADC84}" type="datetimeFigureOut">
               <a:rPr lang="en-CA" smtClean="0"/>
-              <a:t>2019-09-13</a:t>
+              <a:t>2019-09-18</a:t>
             </a:fld>
             <a:endParaRPr lang="en-CA"/>
           </a:p>
@@ -1741,7 +1741,7 @@
           <a:p>
             <a:fld id="{59D48268-5D88-4C4C-93D2-B8F1837ADC84}" type="datetimeFigureOut">
               <a:rPr lang="en-CA" smtClean="0"/>
-              <a:t>2019-09-13</a:t>
+              <a:t>2019-09-18</a:t>
             </a:fld>
             <a:endParaRPr lang="en-CA"/>
           </a:p>
@@ -1836,7 +1836,7 @@
           <a:p>
             <a:fld id="{59D48268-5D88-4C4C-93D2-B8F1837ADC84}" type="datetimeFigureOut">
               <a:rPr lang="en-CA" smtClean="0"/>
-              <a:t>2019-09-13</a:t>
+              <a:t>2019-09-18</a:t>
             </a:fld>
             <a:endParaRPr lang="en-CA"/>
           </a:p>
@@ -2113,7 +2113,7 @@
           <a:p>
             <a:fld id="{59D48268-5D88-4C4C-93D2-B8F1837ADC84}" type="datetimeFigureOut">
               <a:rPr lang="en-CA" smtClean="0"/>
-              <a:t>2019-09-13</a:t>
+              <a:t>2019-09-18</a:t>
             </a:fld>
             <a:endParaRPr lang="en-CA"/>
           </a:p>
@@ -2366,7 +2366,7 @@
           <a:p>
             <a:fld id="{59D48268-5D88-4C4C-93D2-B8F1837ADC84}" type="datetimeFigureOut">
               <a:rPr lang="en-CA" smtClean="0"/>
-              <a:t>2019-09-13</a:t>
+              <a:t>2019-09-18</a:t>
             </a:fld>
             <a:endParaRPr lang="en-CA"/>
           </a:p>
@@ -2579,7 +2579,7 @@
           <a:p>
             <a:fld id="{59D48268-5D88-4C4C-93D2-B8F1837ADC84}" type="datetimeFigureOut">
               <a:rPr lang="en-CA" smtClean="0"/>
-              <a:t>2019-09-13</a:t>
+              <a:t>2019-09-18</a:t>
             </a:fld>
             <a:endParaRPr lang="en-CA"/>
           </a:p>
@@ -18014,8 +18014,8 @@
           </a:p>
         </p:txBody>
       </p:sp>
-      <mc:AlternateContent xmlns:mc="http://schemas.openxmlformats.org/markup-compatibility/2006">
-        <mc:Choice xmlns:a14="http://schemas.microsoft.com/office/drawing/2010/main" Requires="a14">
+      <mc:AlternateContent xmlns:mc="http://schemas.openxmlformats.org/markup-compatibility/2006" xmlns:a14="http://schemas.microsoft.com/office/drawing/2010/main">
+        <mc:Choice Requires="a14">
           <p:sp>
             <p:nvSpPr>
               <p:cNvPr id="3" name="Content Placeholder 2"/>
@@ -18191,13 +18191,7 @@
                       <a:rPr lang="en-CA" b="0" i="1" smtClean="0">
                         <a:latin typeface="Cambria Math" panose="02040503050406030204" pitchFamily="18" charset="0"/>
                       </a:rPr>
-                      <m:t>𝑝𝑛𝑙𝑜</m:t>
-                    </m:r>
-                    <m:r>
-                      <a:rPr lang="en-CA" b="0" i="1" smtClean="0">
-                        <a:latin typeface="Cambria Math" panose="02040503050406030204" pitchFamily="18" charset="0"/>
-                      </a:rPr>
-                      <m:t>𝑔</m:t>
+                      <m:t>𝑝𝑛𝑙𝑜𝑔</m:t>
                     </m:r>
                     <m:r>
                       <a:rPr lang="en-CA" b="0" i="1" baseline="-25000" smtClean="0">
@@ -19064,7 +19058,7 @@
             </p:txBody>
           </p:sp>
         </mc:Choice>
-        <mc:Fallback>
+        <mc:Fallback xmlns="">
           <p:sp>
             <p:nvSpPr>
               <p:cNvPr id="3" name="Content Placeholder 2"/>
@@ -22204,8 +22198,8 @@
           </a:prstGeom>
         </p:spPr>
       </p:pic>
-      <mc:AlternateContent xmlns:mc="http://schemas.openxmlformats.org/markup-compatibility/2006" xmlns:a14="http://schemas.microsoft.com/office/drawing/2010/main">
-        <mc:Choice Requires="a14">
+      <mc:AlternateContent xmlns:mc="http://schemas.openxmlformats.org/markup-compatibility/2006">
+        <mc:Choice xmlns:a14="http://schemas.microsoft.com/office/drawing/2010/main" Requires="a14">
           <p:sp>
             <p:nvSpPr>
               <p:cNvPr id="93" name="TextBox 92"/>
@@ -22527,7 +22521,7 @@
                                 <a:rPr lang="en-CA" b="0" i="1" smtClean="0">
                                   <a:latin typeface="Cambria Math" panose="02040503050406030204" pitchFamily="18" charset="0"/>
                                 </a:rPr>
-                                <m:t>5</m:t>
+                                <m:t>2</m:t>
                               </m:r>
                             </m:num>
                             <m:den>
@@ -22662,7 +22656,7 @@
             </p:txBody>
           </p:sp>
         </mc:Choice>
-        <mc:Fallback xmlns="">
+        <mc:Fallback>
           <p:sp>
             <p:nvSpPr>
               <p:cNvPr id="93" name="TextBox 92"/>

--- a/Lecture_05.pptx
+++ b/Lecture_05.pptx
@@ -258,7 +258,7 @@
           <a:p>
             <a:fld id="{59D48268-5D88-4C4C-93D2-B8F1837ADC84}" type="datetimeFigureOut">
               <a:rPr lang="en-CA" smtClean="0"/>
-              <a:t>2019-09-18</a:t>
+              <a:t>2019-10-02</a:t>
             </a:fld>
             <a:endParaRPr lang="en-CA"/>
           </a:p>
@@ -428,7 +428,7 @@
           <a:p>
             <a:fld id="{59D48268-5D88-4C4C-93D2-B8F1837ADC84}" type="datetimeFigureOut">
               <a:rPr lang="en-CA" smtClean="0"/>
-              <a:t>2019-09-18</a:t>
+              <a:t>2019-10-02</a:t>
             </a:fld>
             <a:endParaRPr lang="en-CA"/>
           </a:p>
@@ -608,7 +608,7 @@
           <a:p>
             <a:fld id="{59D48268-5D88-4C4C-93D2-B8F1837ADC84}" type="datetimeFigureOut">
               <a:rPr lang="en-CA" smtClean="0"/>
-              <a:t>2019-09-18</a:t>
+              <a:t>2019-10-02</a:t>
             </a:fld>
             <a:endParaRPr lang="en-CA"/>
           </a:p>
@@ -778,7 +778,7 @@
           <a:p>
             <a:fld id="{59D48268-5D88-4C4C-93D2-B8F1837ADC84}" type="datetimeFigureOut">
               <a:rPr lang="en-CA" smtClean="0"/>
-              <a:t>2019-09-18</a:t>
+              <a:t>2019-10-02</a:t>
             </a:fld>
             <a:endParaRPr lang="en-CA"/>
           </a:p>
@@ -1024,7 +1024,7 @@
           <a:p>
             <a:fld id="{59D48268-5D88-4C4C-93D2-B8F1837ADC84}" type="datetimeFigureOut">
               <a:rPr lang="en-CA" smtClean="0"/>
-              <a:t>2019-09-18</a:t>
+              <a:t>2019-10-02</a:t>
             </a:fld>
             <a:endParaRPr lang="en-CA"/>
           </a:p>
@@ -1256,7 +1256,7 @@
           <a:p>
             <a:fld id="{59D48268-5D88-4C4C-93D2-B8F1837ADC84}" type="datetimeFigureOut">
               <a:rPr lang="en-CA" smtClean="0"/>
-              <a:t>2019-09-18</a:t>
+              <a:t>2019-10-02</a:t>
             </a:fld>
             <a:endParaRPr lang="en-CA"/>
           </a:p>
@@ -1623,7 +1623,7 @@
           <a:p>
             <a:fld id="{59D48268-5D88-4C4C-93D2-B8F1837ADC84}" type="datetimeFigureOut">
               <a:rPr lang="en-CA" smtClean="0"/>
-              <a:t>2019-09-18</a:t>
+              <a:t>2019-10-02</a:t>
             </a:fld>
             <a:endParaRPr lang="en-CA"/>
           </a:p>
@@ -1741,7 +1741,7 @@
           <a:p>
             <a:fld id="{59D48268-5D88-4C4C-93D2-B8F1837ADC84}" type="datetimeFigureOut">
               <a:rPr lang="en-CA" smtClean="0"/>
-              <a:t>2019-09-18</a:t>
+              <a:t>2019-10-02</a:t>
             </a:fld>
             <a:endParaRPr lang="en-CA"/>
           </a:p>
@@ -1836,7 +1836,7 @@
           <a:p>
             <a:fld id="{59D48268-5D88-4C4C-93D2-B8F1837ADC84}" type="datetimeFigureOut">
               <a:rPr lang="en-CA" smtClean="0"/>
-              <a:t>2019-09-18</a:t>
+              <a:t>2019-10-02</a:t>
             </a:fld>
             <a:endParaRPr lang="en-CA"/>
           </a:p>
@@ -2113,7 +2113,7 @@
           <a:p>
             <a:fld id="{59D48268-5D88-4C4C-93D2-B8F1837ADC84}" type="datetimeFigureOut">
               <a:rPr lang="en-CA" smtClean="0"/>
-              <a:t>2019-09-18</a:t>
+              <a:t>2019-10-02</a:t>
             </a:fld>
             <a:endParaRPr lang="en-CA"/>
           </a:p>
@@ -2366,7 +2366,7 @@
           <a:p>
             <a:fld id="{59D48268-5D88-4C4C-93D2-B8F1837ADC84}" type="datetimeFigureOut">
               <a:rPr lang="en-CA" smtClean="0"/>
-              <a:t>2019-09-18</a:t>
+              <a:t>2019-10-02</a:t>
             </a:fld>
             <a:endParaRPr lang="en-CA"/>
           </a:p>
@@ -2579,7 +2579,7 @@
           <a:p>
             <a:fld id="{59D48268-5D88-4C4C-93D2-B8F1837ADC84}" type="datetimeFigureOut">
               <a:rPr lang="en-CA" smtClean="0"/>
-              <a:t>2019-09-18</a:t>
+              <a:t>2019-10-02</a:t>
             </a:fld>
             <a:endParaRPr lang="en-CA"/>
           </a:p>
@@ -22198,8 +22198,8 @@
           </a:prstGeom>
         </p:spPr>
       </p:pic>
-      <mc:AlternateContent xmlns:mc="http://schemas.openxmlformats.org/markup-compatibility/2006">
-        <mc:Choice xmlns:a14="http://schemas.microsoft.com/office/drawing/2010/main" Requires="a14">
+      <mc:AlternateContent xmlns:mc="http://schemas.openxmlformats.org/markup-compatibility/2006" xmlns:a14="http://schemas.microsoft.com/office/drawing/2010/main">
+        <mc:Choice Requires="a14">
           <p:sp>
             <p:nvSpPr>
               <p:cNvPr id="93" name="TextBox 92"/>
@@ -22656,7 +22656,7 @@
             </p:txBody>
           </p:sp>
         </mc:Choice>
-        <mc:Fallback>
+        <mc:Fallback xmlns="">
           <p:sp>
             <p:nvSpPr>
               <p:cNvPr id="93" name="TextBox 92"/>

--- a/Lecture_05.pptx
+++ b/Lecture_05.pptx
@@ -258,7 +258,7 @@
           <a:p>
             <a:fld id="{59D48268-5D88-4C4C-93D2-B8F1837ADC84}" type="datetimeFigureOut">
               <a:rPr lang="en-CA" smtClean="0"/>
-              <a:t>2019-10-02</a:t>
+              <a:t>2019-10-07</a:t>
             </a:fld>
             <a:endParaRPr lang="en-CA"/>
           </a:p>
@@ -428,7 +428,7 @@
           <a:p>
             <a:fld id="{59D48268-5D88-4C4C-93D2-B8F1837ADC84}" type="datetimeFigureOut">
               <a:rPr lang="en-CA" smtClean="0"/>
-              <a:t>2019-10-02</a:t>
+              <a:t>2019-10-07</a:t>
             </a:fld>
             <a:endParaRPr lang="en-CA"/>
           </a:p>
@@ -608,7 +608,7 @@
           <a:p>
             <a:fld id="{59D48268-5D88-4C4C-93D2-B8F1837ADC84}" type="datetimeFigureOut">
               <a:rPr lang="en-CA" smtClean="0"/>
-              <a:t>2019-10-02</a:t>
+              <a:t>2019-10-07</a:t>
             </a:fld>
             <a:endParaRPr lang="en-CA"/>
           </a:p>
@@ -778,7 +778,7 @@
           <a:p>
             <a:fld id="{59D48268-5D88-4C4C-93D2-B8F1837ADC84}" type="datetimeFigureOut">
               <a:rPr lang="en-CA" smtClean="0"/>
-              <a:t>2019-10-02</a:t>
+              <a:t>2019-10-07</a:t>
             </a:fld>
             <a:endParaRPr lang="en-CA"/>
           </a:p>
@@ -1024,7 +1024,7 @@
           <a:p>
             <a:fld id="{59D48268-5D88-4C4C-93D2-B8F1837ADC84}" type="datetimeFigureOut">
               <a:rPr lang="en-CA" smtClean="0"/>
-              <a:t>2019-10-02</a:t>
+              <a:t>2019-10-07</a:t>
             </a:fld>
             <a:endParaRPr lang="en-CA"/>
           </a:p>
@@ -1256,7 +1256,7 @@
           <a:p>
             <a:fld id="{59D48268-5D88-4C4C-93D2-B8F1837ADC84}" type="datetimeFigureOut">
               <a:rPr lang="en-CA" smtClean="0"/>
-              <a:t>2019-10-02</a:t>
+              <a:t>2019-10-07</a:t>
             </a:fld>
             <a:endParaRPr lang="en-CA"/>
           </a:p>
@@ -1623,7 +1623,7 @@
           <a:p>
             <a:fld id="{59D48268-5D88-4C4C-93D2-B8F1837ADC84}" type="datetimeFigureOut">
               <a:rPr lang="en-CA" smtClean="0"/>
-              <a:t>2019-10-02</a:t>
+              <a:t>2019-10-07</a:t>
             </a:fld>
             <a:endParaRPr lang="en-CA"/>
           </a:p>
@@ -1741,7 +1741,7 @@
           <a:p>
             <a:fld id="{59D48268-5D88-4C4C-93D2-B8F1837ADC84}" type="datetimeFigureOut">
               <a:rPr lang="en-CA" smtClean="0"/>
-              <a:t>2019-10-02</a:t>
+              <a:t>2019-10-07</a:t>
             </a:fld>
             <a:endParaRPr lang="en-CA"/>
           </a:p>
@@ -1836,7 +1836,7 @@
           <a:p>
             <a:fld id="{59D48268-5D88-4C4C-93D2-B8F1837ADC84}" type="datetimeFigureOut">
               <a:rPr lang="en-CA" smtClean="0"/>
-              <a:t>2019-10-02</a:t>
+              <a:t>2019-10-07</a:t>
             </a:fld>
             <a:endParaRPr lang="en-CA"/>
           </a:p>
@@ -2113,7 +2113,7 @@
           <a:p>
             <a:fld id="{59D48268-5D88-4C4C-93D2-B8F1837ADC84}" type="datetimeFigureOut">
               <a:rPr lang="en-CA" smtClean="0"/>
-              <a:t>2019-10-02</a:t>
+              <a:t>2019-10-07</a:t>
             </a:fld>
             <a:endParaRPr lang="en-CA"/>
           </a:p>
@@ -2366,7 +2366,7 @@
           <a:p>
             <a:fld id="{59D48268-5D88-4C4C-93D2-B8F1837ADC84}" type="datetimeFigureOut">
               <a:rPr lang="en-CA" smtClean="0"/>
-              <a:t>2019-10-02</a:t>
+              <a:t>2019-10-07</a:t>
             </a:fld>
             <a:endParaRPr lang="en-CA"/>
           </a:p>
@@ -2579,7 +2579,7 @@
           <a:p>
             <a:fld id="{59D48268-5D88-4C4C-93D2-B8F1837ADC84}" type="datetimeFigureOut">
               <a:rPr lang="en-CA" smtClean="0"/>
-              <a:t>2019-10-02</a:t>
+              <a:t>2019-10-07</a:t>
             </a:fld>
             <a:endParaRPr lang="en-CA"/>
           </a:p>
